--- a/1-2/CB1501010/Introduction to Electrical and Electronic Engineering/001/EE_ch1_introduction.pptx
+++ b/1-2/CB1501010/Introduction to Electrical and Electronic Engineering/001/EE_ch1_introduction.pptx
@@ -458,11 +458,6 @@
         </p:txBody>
       </p:sp>
     </p:spTree>
-    <p:extLst>
-      <p:ext uri="{BB962C8B-B14F-4D97-AF65-F5344CB8AC3E}">
-        <p14:creationId xmlns:p14="http://schemas.microsoft.com/office/powerpoint/2010/main" val="1"/>
-      </p:ext>
-    </p:extLst>
   </p:cSld>
   <p:clrMap bg1="lt1" tx1="dk1" bg2="lt2" tx2="dk2" accent1="accent1" accent2="accent2" accent3="accent3" accent4="accent4" accent5="accent5" accent6="accent6" hlink="hlink" folHlink="folHlink"/>
 </p:handoutMaster>
@@ -666,35 +661,35 @@
           <a:p>
             <a:pPr lvl="0"/>
             <a:r>
-              <a:rPr lang="ko-KR" altLang="en-US" noProof="0"/>
+              <a:rPr lang="ko-KR" altLang="en-US" noProof="0" smtClean="0"/>
               <a:t>마스터 텍스트 스타일을 편집합니다</a:t>
             </a:r>
           </a:p>
           <a:p>
             <a:pPr lvl="1"/>
             <a:r>
-              <a:rPr lang="ko-KR" altLang="en-US" noProof="0"/>
+              <a:rPr lang="ko-KR" altLang="en-US" noProof="0" smtClean="0"/>
               <a:t>둘째 수준</a:t>
             </a:r>
           </a:p>
           <a:p>
             <a:pPr lvl="2"/>
             <a:r>
-              <a:rPr lang="ko-KR" altLang="en-US" noProof="0"/>
+              <a:rPr lang="ko-KR" altLang="en-US" noProof="0" smtClean="0"/>
               <a:t>셋째 수준</a:t>
             </a:r>
           </a:p>
           <a:p>
             <a:pPr lvl="3"/>
             <a:r>
-              <a:rPr lang="ko-KR" altLang="en-US" noProof="0"/>
+              <a:rPr lang="ko-KR" altLang="en-US" noProof="0" smtClean="0"/>
               <a:t>넷째 수준</a:t>
             </a:r>
           </a:p>
           <a:p>
             <a:pPr lvl="4"/>
             <a:r>
-              <a:rPr lang="ko-KR" altLang="en-US" noProof="0"/>
+              <a:rPr lang="ko-KR" altLang="en-US" noProof="0" smtClean="0"/>
               <a:t>다섯째 수준</a:t>
             </a:r>
           </a:p>
@@ -1098,7 +1093,7 @@
             <a:pPr eaLnBrk="1" latinLnBrk="1" hangingPunct="1">
               <a:defRPr/>
             </a:pPr>
-            <a:endParaRPr lang="ko-KR" altLang="ko-KR" sz="1800">
+            <a:endParaRPr lang="ko-KR" altLang="ko-KR" sz="1800" smtClean="0">
               <a:solidFill>
                 <a:schemeClr val="bg1"/>
               </a:solidFill>
@@ -1423,14 +1418,14 @@
               <a:defRPr/>
             </a:pPr>
             <a:r>
-              <a:rPr lang="en-US" altLang="ko-KR" sz="1600" i="1">
+              <a:rPr lang="en-US" altLang="ko-KR" sz="1600" i="1" smtClean="0">
                 <a:solidFill>
                   <a:schemeClr val="bg1"/>
                 </a:solidFill>
               </a:rPr>
               <a:t>Pusan National University </a:t>
             </a:r>
-            <a:endParaRPr lang="en-US" altLang="ko-KR" sz="1000">
+            <a:endParaRPr lang="en-US" altLang="ko-KR" sz="1000" smtClean="0">
               <a:solidFill>
                 <a:schemeClr val="bg1"/>
               </a:solidFill>
@@ -1917,7 +1912,7 @@
               <a:defRPr/>
             </a:pPr>
             <a:r>
-              <a:rPr lang="en-US" altLang="ko-KR" sz="3400" i="1">
+              <a:rPr lang="en-US" altLang="ko-KR" sz="3400" i="1" smtClean="0">
                 <a:solidFill>
                   <a:srgbClr val="99CC00"/>
                 </a:solidFill>
@@ -2084,7 +2079,7 @@
               <a:defRPr/>
             </a:pPr>
             <a:r>
-              <a:rPr lang="en-US" altLang="ko-KR" sz="4600" i="1">
+              <a:rPr lang="en-US" altLang="ko-KR" sz="4600" i="1" smtClean="0">
                 <a:latin typeface="Arial Black" pitchFamily="34" charset="0"/>
               </a:rPr>
               <a:t>PNU</a:t>
@@ -2248,7 +2243,7 @@
               <a:defRPr/>
             </a:pPr>
             <a:r>
-              <a:rPr lang="en-US" altLang="ko-KR" sz="1600" i="1">
+              <a:rPr lang="en-US" altLang="ko-KR" sz="1600" i="1" smtClean="0">
                 <a:solidFill>
                   <a:schemeClr val="bg2"/>
                 </a:solidFill>
@@ -2257,7 +2252,7 @@
               <a:t> </a:t>
             </a:r>
             <a:r>
-              <a:rPr lang="ko-KR" altLang="en-US" sz="1600" i="1">
+              <a:rPr lang="ko-KR" altLang="en-US" sz="1600" i="1" smtClean="0">
                 <a:solidFill>
                   <a:schemeClr val="bg2"/>
                 </a:solidFill>
@@ -2381,18 +2376,7 @@
   <p:clrMapOvr>
     <a:masterClrMapping/>
   </p:clrMapOvr>
-  <mc:AlternateContent xmlns:mc="http://schemas.openxmlformats.org/markup-compatibility/2006">
-    <mc:Choice xmlns:p159="http://schemas.microsoft.com/office/powerpoint/2015/09/main" Requires="p159">
-      <p:transition spd="slow">
-        <p159:morph option="byChar"/>
-      </p:transition>
-    </mc:Choice>
-    <mc:Fallback>
-      <p:transition spd="slow">
-        <p:fade/>
-      </p:transition>
-    </mc:Fallback>
-  </mc:AlternateContent>
+  <p:transition spd="med"/>
 </p:sldLayout>
 </file>
 
@@ -2434,9 +2418,10 @@
           <a:lstStyle/>
           <a:p>
             <a:r>
-              <a:rPr lang="ko-KR" altLang="en-US"/>
+              <a:rPr lang="ko-KR" altLang="en-US" smtClean="0"/>
               <a:t>마스터 제목 스타일 편집</a:t>
             </a:r>
+            <a:endParaRPr lang="ko-KR" altLang="en-US"/>
           </a:p>
         </p:txBody>
       </p:sp>
@@ -2462,37 +2447,38 @@
           <a:p>
             <a:pPr lvl="0"/>
             <a:r>
-              <a:rPr lang="ko-KR" altLang="en-US"/>
+              <a:rPr lang="ko-KR" altLang="en-US" smtClean="0"/>
               <a:t>마스터 텍스트 스타일을 편집합니다</a:t>
             </a:r>
           </a:p>
           <a:p>
             <a:pPr lvl="1"/>
             <a:r>
-              <a:rPr lang="ko-KR" altLang="en-US"/>
+              <a:rPr lang="ko-KR" altLang="en-US" smtClean="0"/>
               <a:t>둘째 수준</a:t>
             </a:r>
           </a:p>
           <a:p>
             <a:pPr lvl="2"/>
             <a:r>
-              <a:rPr lang="ko-KR" altLang="en-US"/>
+              <a:rPr lang="ko-KR" altLang="en-US" smtClean="0"/>
               <a:t>셋째 수준</a:t>
             </a:r>
           </a:p>
           <a:p>
             <a:pPr lvl="3"/>
             <a:r>
-              <a:rPr lang="ko-KR" altLang="en-US"/>
+              <a:rPr lang="ko-KR" altLang="en-US" smtClean="0"/>
               <a:t>넷째 수준</a:t>
             </a:r>
           </a:p>
           <a:p>
             <a:pPr lvl="4"/>
             <a:r>
-              <a:rPr lang="ko-KR" altLang="en-US"/>
+              <a:rPr lang="ko-KR" altLang="en-US" smtClean="0"/>
               <a:t>다섯째 수준</a:t>
             </a:r>
+            <a:endParaRPr lang="ko-KR" altLang="en-US"/>
           </a:p>
         </p:txBody>
       </p:sp>
@@ -2506,18 +2492,7 @@
   <p:clrMapOvr>
     <a:masterClrMapping/>
   </p:clrMapOvr>
-  <mc:AlternateContent xmlns:mc="http://schemas.openxmlformats.org/markup-compatibility/2006">
-    <mc:Choice xmlns:p159="http://schemas.microsoft.com/office/powerpoint/2015/09/main" Requires="p159">
-      <p:transition spd="slow">
-        <p159:morph option="byChar"/>
-      </p:transition>
-    </mc:Choice>
-    <mc:Fallback>
-      <p:transition spd="slow">
-        <p:fade/>
-      </p:transition>
-    </mc:Fallback>
-  </mc:AlternateContent>
+  <p:transition spd="med"/>
 </p:sldLayout>
 </file>
 
@@ -2559,9 +2534,10 @@
           <a:lstStyle/>
           <a:p>
             <a:r>
-              <a:rPr lang="ko-KR" altLang="en-US"/>
+              <a:rPr lang="ko-KR" altLang="en-US" smtClean="0"/>
               <a:t>마스터 제목 스타일 편집</a:t>
             </a:r>
+            <a:endParaRPr lang="ko-KR" altLang="en-US"/>
           </a:p>
         </p:txBody>
       </p:sp>
@@ -2587,37 +2563,38 @@
           <a:p>
             <a:pPr lvl="0"/>
             <a:r>
-              <a:rPr lang="ko-KR" altLang="en-US"/>
+              <a:rPr lang="ko-KR" altLang="en-US" smtClean="0"/>
               <a:t>마스터 텍스트 스타일을 편집합니다</a:t>
             </a:r>
           </a:p>
           <a:p>
             <a:pPr lvl="1"/>
             <a:r>
-              <a:rPr lang="ko-KR" altLang="en-US"/>
+              <a:rPr lang="ko-KR" altLang="en-US" smtClean="0"/>
               <a:t>둘째 수준</a:t>
             </a:r>
           </a:p>
           <a:p>
             <a:pPr lvl="2"/>
             <a:r>
-              <a:rPr lang="ko-KR" altLang="en-US"/>
+              <a:rPr lang="ko-KR" altLang="en-US" smtClean="0"/>
               <a:t>셋째 수준</a:t>
             </a:r>
           </a:p>
           <a:p>
             <a:pPr lvl="3"/>
             <a:r>
-              <a:rPr lang="ko-KR" altLang="en-US"/>
+              <a:rPr lang="ko-KR" altLang="en-US" smtClean="0"/>
               <a:t>넷째 수준</a:t>
             </a:r>
           </a:p>
           <a:p>
             <a:pPr lvl="4"/>
             <a:r>
-              <a:rPr lang="ko-KR" altLang="en-US"/>
+              <a:rPr lang="ko-KR" altLang="en-US" smtClean="0"/>
               <a:t>다섯째 수준</a:t>
             </a:r>
+            <a:endParaRPr lang="ko-KR" altLang="en-US"/>
           </a:p>
         </p:txBody>
       </p:sp>
@@ -2643,37 +2620,38 @@
           <a:p>
             <a:pPr lvl="0"/>
             <a:r>
-              <a:rPr lang="ko-KR" altLang="en-US"/>
+              <a:rPr lang="ko-KR" altLang="en-US" smtClean="0"/>
               <a:t>마스터 텍스트 스타일을 편집합니다</a:t>
             </a:r>
           </a:p>
           <a:p>
             <a:pPr lvl="1"/>
             <a:r>
-              <a:rPr lang="ko-KR" altLang="en-US"/>
+              <a:rPr lang="ko-KR" altLang="en-US" smtClean="0"/>
               <a:t>둘째 수준</a:t>
             </a:r>
           </a:p>
           <a:p>
             <a:pPr lvl="2"/>
             <a:r>
-              <a:rPr lang="ko-KR" altLang="en-US"/>
+              <a:rPr lang="ko-KR" altLang="en-US" smtClean="0"/>
               <a:t>셋째 수준</a:t>
             </a:r>
           </a:p>
           <a:p>
             <a:pPr lvl="3"/>
             <a:r>
-              <a:rPr lang="ko-KR" altLang="en-US"/>
+              <a:rPr lang="ko-KR" altLang="en-US" smtClean="0"/>
               <a:t>넷째 수준</a:t>
             </a:r>
           </a:p>
           <a:p>
             <a:pPr lvl="4"/>
             <a:r>
-              <a:rPr lang="ko-KR" altLang="en-US"/>
+              <a:rPr lang="ko-KR" altLang="en-US" smtClean="0"/>
               <a:t>다섯째 수준</a:t>
             </a:r>
+            <a:endParaRPr lang="ko-KR" altLang="en-US"/>
           </a:p>
         </p:txBody>
       </p:sp>
@@ -2687,18 +2665,7 @@
   <p:clrMapOvr>
     <a:masterClrMapping/>
   </p:clrMapOvr>
-  <mc:AlternateContent xmlns:mc="http://schemas.openxmlformats.org/markup-compatibility/2006">
-    <mc:Choice xmlns:p159="http://schemas.microsoft.com/office/powerpoint/2015/09/main" Requires="p159">
-      <p:transition spd="slow">
-        <p159:morph option="byChar"/>
-      </p:transition>
-    </mc:Choice>
-    <mc:Fallback>
-      <p:transition spd="slow">
-        <p:fade/>
-      </p:transition>
-    </mc:Fallback>
-  </mc:AlternateContent>
+  <p:transition spd="med"/>
 </p:sldLayout>
 </file>
 
@@ -2740,9 +2707,10 @@
           <a:lstStyle/>
           <a:p>
             <a:r>
-              <a:rPr lang="ko-KR" altLang="en-US"/>
+              <a:rPr lang="ko-KR" altLang="en-US" smtClean="0"/>
               <a:t>마스터 제목 스타일 편집</a:t>
             </a:r>
+            <a:endParaRPr lang="ko-KR" altLang="en-US"/>
           </a:p>
         </p:txBody>
       </p:sp>
@@ -2768,37 +2736,38 @@
           <a:p>
             <a:pPr lvl="0"/>
             <a:r>
-              <a:rPr lang="ko-KR" altLang="en-US"/>
+              <a:rPr lang="ko-KR" altLang="en-US" smtClean="0"/>
               <a:t>마스터 텍스트 스타일을 편집합니다</a:t>
             </a:r>
           </a:p>
           <a:p>
             <a:pPr lvl="1"/>
             <a:r>
-              <a:rPr lang="ko-KR" altLang="en-US"/>
+              <a:rPr lang="ko-KR" altLang="en-US" smtClean="0"/>
               <a:t>둘째 수준</a:t>
             </a:r>
           </a:p>
           <a:p>
             <a:pPr lvl="2"/>
             <a:r>
-              <a:rPr lang="ko-KR" altLang="en-US"/>
+              <a:rPr lang="ko-KR" altLang="en-US" smtClean="0"/>
               <a:t>셋째 수준</a:t>
             </a:r>
           </a:p>
           <a:p>
             <a:pPr lvl="3"/>
             <a:r>
-              <a:rPr lang="ko-KR" altLang="en-US"/>
+              <a:rPr lang="ko-KR" altLang="en-US" smtClean="0"/>
               <a:t>넷째 수준</a:t>
             </a:r>
           </a:p>
           <a:p>
             <a:pPr lvl="4"/>
             <a:r>
-              <a:rPr lang="ko-KR" altLang="en-US"/>
+              <a:rPr lang="ko-KR" altLang="en-US" smtClean="0"/>
               <a:t>다섯째 수준</a:t>
             </a:r>
+            <a:endParaRPr lang="ko-KR" altLang="en-US"/>
           </a:p>
         </p:txBody>
       </p:sp>
@@ -2824,37 +2793,38 @@
           <a:p>
             <a:pPr lvl="0"/>
             <a:r>
-              <a:rPr lang="ko-KR" altLang="en-US"/>
+              <a:rPr lang="ko-KR" altLang="en-US" smtClean="0"/>
               <a:t>마스터 텍스트 스타일을 편집합니다</a:t>
             </a:r>
           </a:p>
           <a:p>
             <a:pPr lvl="1"/>
             <a:r>
-              <a:rPr lang="ko-KR" altLang="en-US"/>
+              <a:rPr lang="ko-KR" altLang="en-US" smtClean="0"/>
               <a:t>둘째 수준</a:t>
             </a:r>
           </a:p>
           <a:p>
             <a:pPr lvl="2"/>
             <a:r>
-              <a:rPr lang="ko-KR" altLang="en-US"/>
+              <a:rPr lang="ko-KR" altLang="en-US" smtClean="0"/>
               <a:t>셋째 수준</a:t>
             </a:r>
           </a:p>
           <a:p>
             <a:pPr lvl="3"/>
             <a:r>
-              <a:rPr lang="ko-KR" altLang="en-US"/>
+              <a:rPr lang="ko-KR" altLang="en-US" smtClean="0"/>
               <a:t>넷째 수준</a:t>
             </a:r>
           </a:p>
           <a:p>
             <a:pPr lvl="4"/>
             <a:r>
-              <a:rPr lang="ko-KR" altLang="en-US"/>
+              <a:rPr lang="ko-KR" altLang="en-US" smtClean="0"/>
               <a:t>다섯째 수준</a:t>
             </a:r>
+            <a:endParaRPr lang="ko-KR" altLang="en-US"/>
           </a:p>
         </p:txBody>
       </p:sp>
@@ -2880,37 +2850,38 @@
           <a:p>
             <a:pPr lvl="0"/>
             <a:r>
-              <a:rPr lang="ko-KR" altLang="en-US"/>
+              <a:rPr lang="ko-KR" altLang="en-US" smtClean="0"/>
               <a:t>마스터 텍스트 스타일을 편집합니다</a:t>
             </a:r>
           </a:p>
           <a:p>
             <a:pPr lvl="1"/>
             <a:r>
-              <a:rPr lang="ko-KR" altLang="en-US"/>
+              <a:rPr lang="ko-KR" altLang="en-US" smtClean="0"/>
               <a:t>둘째 수준</a:t>
             </a:r>
           </a:p>
           <a:p>
             <a:pPr lvl="2"/>
             <a:r>
-              <a:rPr lang="ko-KR" altLang="en-US"/>
+              <a:rPr lang="ko-KR" altLang="en-US" smtClean="0"/>
               <a:t>셋째 수준</a:t>
             </a:r>
           </a:p>
           <a:p>
             <a:pPr lvl="3"/>
             <a:r>
-              <a:rPr lang="ko-KR" altLang="en-US"/>
+              <a:rPr lang="ko-KR" altLang="en-US" smtClean="0"/>
               <a:t>넷째 수준</a:t>
             </a:r>
           </a:p>
           <a:p>
             <a:pPr lvl="4"/>
             <a:r>
-              <a:rPr lang="ko-KR" altLang="en-US"/>
+              <a:rPr lang="ko-KR" altLang="en-US" smtClean="0"/>
               <a:t>다섯째 수준</a:t>
             </a:r>
+            <a:endParaRPr lang="ko-KR" altLang="en-US"/>
           </a:p>
         </p:txBody>
       </p:sp>
@@ -2924,18 +2895,7 @@
   <p:clrMapOvr>
     <a:masterClrMapping/>
   </p:clrMapOvr>
-  <mc:AlternateContent xmlns:mc="http://schemas.openxmlformats.org/markup-compatibility/2006">
-    <mc:Choice xmlns:p159="http://schemas.microsoft.com/office/powerpoint/2015/09/main" Requires="p159">
-      <p:transition spd="slow">
-        <p159:morph option="byChar"/>
-      </p:transition>
-    </mc:Choice>
-    <mc:Fallback>
-      <p:transition spd="slow">
-        <p:fade/>
-      </p:transition>
-    </mc:Fallback>
-  </mc:AlternateContent>
+  <p:transition spd="med"/>
 </p:sldLayout>
 </file>
 
@@ -2977,9 +2937,10 @@
           <a:lstStyle/>
           <a:p>
             <a:r>
-              <a:rPr lang="ko-KR" altLang="en-US"/>
+              <a:rPr lang="ko-KR" altLang="en-US" smtClean="0"/>
               <a:t>마스터 제목 스타일 편집</a:t>
             </a:r>
+            <a:endParaRPr lang="ko-KR" altLang="en-US"/>
           </a:p>
         </p:txBody>
       </p:sp>
@@ -3041,9 +3002,10 @@
           </a:lstStyle>
           <a:p>
             <a:r>
-              <a:rPr lang="ko-KR" altLang="en-US"/>
+              <a:rPr lang="ko-KR" altLang="en-US" smtClean="0"/>
               <a:t>마스터 부제목 스타일 편집</a:t>
             </a:r>
+            <a:endParaRPr lang="ko-KR" altLang="en-US"/>
           </a:p>
         </p:txBody>
       </p:sp>
@@ -3057,18 +3019,7 @@
   <p:clrMapOvr>
     <a:masterClrMapping/>
   </p:clrMapOvr>
-  <mc:AlternateContent xmlns:mc="http://schemas.openxmlformats.org/markup-compatibility/2006">
-    <mc:Choice xmlns:p159="http://schemas.microsoft.com/office/powerpoint/2015/09/main" Requires="p159">
-      <p:transition spd="slow">
-        <p159:morph option="byChar"/>
-      </p:transition>
-    </mc:Choice>
-    <mc:Fallback>
-      <p:transition spd="slow">
-        <p:fade/>
-      </p:transition>
-    </mc:Fallback>
-  </mc:AlternateContent>
+  <p:transition spd="med"/>
 </p:sldLayout>
 </file>
 
@@ -3105,9 +3056,10 @@
           <a:lstStyle/>
           <a:p>
             <a:r>
-              <a:rPr lang="ko-KR" altLang="en-US"/>
+              <a:rPr lang="ko-KR" altLang="en-US" smtClean="0"/>
               <a:t>마스터 제목 스타일 편집</a:t>
             </a:r>
+            <a:endParaRPr lang="ko-KR" altLang="en-US"/>
           </a:p>
         </p:txBody>
       </p:sp>
@@ -3128,37 +3080,38 @@
           <a:p>
             <a:pPr lvl="0"/>
             <a:r>
-              <a:rPr lang="ko-KR" altLang="en-US"/>
+              <a:rPr lang="ko-KR" altLang="en-US" smtClean="0"/>
               <a:t>마스터 텍스트 스타일을 편집합니다</a:t>
             </a:r>
           </a:p>
           <a:p>
             <a:pPr lvl="1"/>
             <a:r>
-              <a:rPr lang="ko-KR" altLang="en-US"/>
+              <a:rPr lang="ko-KR" altLang="en-US" smtClean="0"/>
               <a:t>둘째 수준</a:t>
             </a:r>
           </a:p>
           <a:p>
             <a:pPr lvl="2"/>
             <a:r>
-              <a:rPr lang="ko-KR" altLang="en-US"/>
+              <a:rPr lang="ko-KR" altLang="en-US" smtClean="0"/>
               <a:t>셋째 수준</a:t>
             </a:r>
           </a:p>
           <a:p>
             <a:pPr lvl="3"/>
             <a:r>
-              <a:rPr lang="ko-KR" altLang="en-US"/>
+              <a:rPr lang="ko-KR" altLang="en-US" smtClean="0"/>
               <a:t>넷째 수준</a:t>
             </a:r>
           </a:p>
           <a:p>
             <a:pPr lvl="4"/>
             <a:r>
-              <a:rPr lang="ko-KR" altLang="en-US"/>
+              <a:rPr lang="ko-KR" altLang="en-US" smtClean="0"/>
               <a:t>다섯째 수준</a:t>
             </a:r>
+            <a:endParaRPr lang="ko-KR" altLang="en-US"/>
           </a:p>
         </p:txBody>
       </p:sp>
@@ -3172,18 +3125,7 @@
   <p:clrMapOvr>
     <a:masterClrMapping/>
   </p:clrMapOvr>
-  <mc:AlternateContent xmlns:mc="http://schemas.openxmlformats.org/markup-compatibility/2006">
-    <mc:Choice xmlns:p159="http://schemas.microsoft.com/office/powerpoint/2015/09/main" Requires="p159">
-      <p:transition spd="slow">
-        <p159:morph option="byChar"/>
-      </p:transition>
-    </mc:Choice>
-    <mc:Fallback>
-      <p:transition spd="slow">
-        <p:fade/>
-      </p:transition>
-    </mc:Fallback>
-  </mc:AlternateContent>
+  <p:transition spd="med"/>
 </p:sldLayout>
 </file>
 
@@ -3229,9 +3171,10 @@
           </a:lstStyle>
           <a:p>
             <a:r>
-              <a:rPr lang="ko-KR" altLang="en-US"/>
+              <a:rPr lang="ko-KR" altLang="en-US" smtClean="0"/>
               <a:t>마스터 제목 스타일 편집</a:t>
             </a:r>
+            <a:endParaRPr lang="ko-KR" altLang="en-US"/>
           </a:p>
         </p:txBody>
       </p:sp>
@@ -3294,7 +3237,7 @@
           <a:p>
             <a:pPr lvl="0"/>
             <a:r>
-              <a:rPr lang="ko-KR" altLang="en-US"/>
+              <a:rPr lang="ko-KR" altLang="en-US" smtClean="0"/>
               <a:t>마스터 텍스트 스타일을 편집합니다</a:t>
             </a:r>
           </a:p>
@@ -3310,18 +3253,7 @@
   <p:clrMapOvr>
     <a:masterClrMapping/>
   </p:clrMapOvr>
-  <mc:AlternateContent xmlns:mc="http://schemas.openxmlformats.org/markup-compatibility/2006">
-    <mc:Choice xmlns:p159="http://schemas.microsoft.com/office/powerpoint/2015/09/main" Requires="p159">
-      <p:transition spd="slow">
-        <p159:morph option="byChar"/>
-      </p:transition>
-    </mc:Choice>
-    <mc:Fallback>
-      <p:transition spd="slow">
-        <p:fade/>
-      </p:transition>
-    </mc:Fallback>
-  </mc:AlternateContent>
+  <p:transition spd="med"/>
 </p:sldLayout>
 </file>
 
@@ -3358,9 +3290,10 @@
           <a:lstStyle/>
           <a:p>
             <a:r>
-              <a:rPr lang="ko-KR" altLang="en-US"/>
+              <a:rPr lang="ko-KR" altLang="en-US" smtClean="0"/>
               <a:t>마스터 제목 스타일 편집</a:t>
             </a:r>
+            <a:endParaRPr lang="ko-KR" altLang="en-US"/>
           </a:p>
         </p:txBody>
       </p:sp>
@@ -3414,37 +3347,38 @@
           <a:p>
             <a:pPr lvl="0"/>
             <a:r>
-              <a:rPr lang="ko-KR" altLang="en-US"/>
+              <a:rPr lang="ko-KR" altLang="en-US" smtClean="0"/>
               <a:t>마스터 텍스트 스타일을 편집합니다</a:t>
             </a:r>
           </a:p>
           <a:p>
             <a:pPr lvl="1"/>
             <a:r>
-              <a:rPr lang="ko-KR" altLang="en-US"/>
+              <a:rPr lang="ko-KR" altLang="en-US" smtClean="0"/>
               <a:t>둘째 수준</a:t>
             </a:r>
           </a:p>
           <a:p>
             <a:pPr lvl="2"/>
             <a:r>
-              <a:rPr lang="ko-KR" altLang="en-US"/>
+              <a:rPr lang="ko-KR" altLang="en-US" smtClean="0"/>
               <a:t>셋째 수준</a:t>
             </a:r>
           </a:p>
           <a:p>
             <a:pPr lvl="3"/>
             <a:r>
-              <a:rPr lang="ko-KR" altLang="en-US"/>
+              <a:rPr lang="ko-KR" altLang="en-US" smtClean="0"/>
               <a:t>넷째 수준</a:t>
             </a:r>
           </a:p>
           <a:p>
             <a:pPr lvl="4"/>
             <a:r>
-              <a:rPr lang="ko-KR" altLang="en-US"/>
+              <a:rPr lang="ko-KR" altLang="en-US" smtClean="0"/>
               <a:t>다섯째 수준</a:t>
             </a:r>
+            <a:endParaRPr lang="ko-KR" altLang="en-US"/>
           </a:p>
         </p:txBody>
       </p:sp>
@@ -3498,37 +3432,38 @@
           <a:p>
             <a:pPr lvl="0"/>
             <a:r>
-              <a:rPr lang="ko-KR" altLang="en-US"/>
+              <a:rPr lang="ko-KR" altLang="en-US" smtClean="0"/>
               <a:t>마스터 텍스트 스타일을 편집합니다</a:t>
             </a:r>
           </a:p>
           <a:p>
             <a:pPr lvl="1"/>
             <a:r>
-              <a:rPr lang="ko-KR" altLang="en-US"/>
+              <a:rPr lang="ko-KR" altLang="en-US" smtClean="0"/>
               <a:t>둘째 수준</a:t>
             </a:r>
           </a:p>
           <a:p>
             <a:pPr lvl="2"/>
             <a:r>
-              <a:rPr lang="ko-KR" altLang="en-US"/>
+              <a:rPr lang="ko-KR" altLang="en-US" smtClean="0"/>
               <a:t>셋째 수준</a:t>
             </a:r>
           </a:p>
           <a:p>
             <a:pPr lvl="3"/>
             <a:r>
-              <a:rPr lang="ko-KR" altLang="en-US"/>
+              <a:rPr lang="ko-KR" altLang="en-US" smtClean="0"/>
               <a:t>넷째 수준</a:t>
             </a:r>
           </a:p>
           <a:p>
             <a:pPr lvl="4"/>
             <a:r>
-              <a:rPr lang="ko-KR" altLang="en-US"/>
+              <a:rPr lang="ko-KR" altLang="en-US" smtClean="0"/>
               <a:t>다섯째 수준</a:t>
             </a:r>
+            <a:endParaRPr lang="ko-KR" altLang="en-US"/>
           </a:p>
         </p:txBody>
       </p:sp>
@@ -3542,18 +3477,7 @@
   <p:clrMapOvr>
     <a:masterClrMapping/>
   </p:clrMapOvr>
-  <mc:AlternateContent xmlns:mc="http://schemas.openxmlformats.org/markup-compatibility/2006">
-    <mc:Choice xmlns:p159="http://schemas.microsoft.com/office/powerpoint/2015/09/main" Requires="p159">
-      <p:transition spd="slow">
-        <p159:morph option="byChar"/>
-      </p:transition>
-    </mc:Choice>
-    <mc:Fallback>
-      <p:transition spd="slow">
-        <p:fade/>
-      </p:transition>
-    </mc:Fallback>
-  </mc:AlternateContent>
+  <p:transition spd="med"/>
 </p:sldLayout>
 </file>
 
@@ -3599,9 +3523,10 @@
           </a:lstStyle>
           <a:p>
             <a:r>
-              <a:rPr lang="ko-KR" altLang="en-US"/>
+              <a:rPr lang="ko-KR" altLang="en-US" smtClean="0"/>
               <a:t>마스터 제목 스타일 편집</a:t>
             </a:r>
+            <a:endParaRPr lang="ko-KR" altLang="en-US"/>
           </a:p>
         </p:txBody>
       </p:sp>
@@ -3664,7 +3589,7 @@
           <a:p>
             <a:pPr lvl="0"/>
             <a:r>
-              <a:rPr lang="ko-KR" altLang="en-US"/>
+              <a:rPr lang="ko-KR" altLang="en-US" smtClean="0"/>
               <a:t>마스터 텍스트 스타일을 편집합니다</a:t>
             </a:r>
           </a:p>
@@ -3720,37 +3645,38 @@
           <a:p>
             <a:pPr lvl="0"/>
             <a:r>
-              <a:rPr lang="ko-KR" altLang="en-US"/>
+              <a:rPr lang="ko-KR" altLang="en-US" smtClean="0"/>
               <a:t>마스터 텍스트 스타일을 편집합니다</a:t>
             </a:r>
           </a:p>
           <a:p>
             <a:pPr lvl="1"/>
             <a:r>
-              <a:rPr lang="ko-KR" altLang="en-US"/>
+              <a:rPr lang="ko-KR" altLang="en-US" smtClean="0"/>
               <a:t>둘째 수준</a:t>
             </a:r>
           </a:p>
           <a:p>
             <a:pPr lvl="2"/>
             <a:r>
-              <a:rPr lang="ko-KR" altLang="en-US"/>
+              <a:rPr lang="ko-KR" altLang="en-US" smtClean="0"/>
               <a:t>셋째 수준</a:t>
             </a:r>
           </a:p>
           <a:p>
             <a:pPr lvl="3"/>
             <a:r>
-              <a:rPr lang="ko-KR" altLang="en-US"/>
+              <a:rPr lang="ko-KR" altLang="en-US" smtClean="0"/>
               <a:t>넷째 수준</a:t>
             </a:r>
           </a:p>
           <a:p>
             <a:pPr lvl="4"/>
             <a:r>
-              <a:rPr lang="ko-KR" altLang="en-US"/>
+              <a:rPr lang="ko-KR" altLang="en-US" smtClean="0"/>
               <a:t>다섯째 수준</a:t>
             </a:r>
+            <a:endParaRPr lang="ko-KR" altLang="en-US"/>
           </a:p>
         </p:txBody>
       </p:sp>
@@ -3813,7 +3739,7 @@
           <a:p>
             <a:pPr lvl="0"/>
             <a:r>
-              <a:rPr lang="ko-KR" altLang="en-US"/>
+              <a:rPr lang="ko-KR" altLang="en-US" smtClean="0"/>
               <a:t>마스터 텍스트 스타일을 편집합니다</a:t>
             </a:r>
           </a:p>
@@ -3869,37 +3795,38 @@
           <a:p>
             <a:pPr lvl="0"/>
             <a:r>
-              <a:rPr lang="ko-KR" altLang="en-US"/>
+              <a:rPr lang="ko-KR" altLang="en-US" smtClean="0"/>
               <a:t>마스터 텍스트 스타일을 편집합니다</a:t>
             </a:r>
           </a:p>
           <a:p>
             <a:pPr lvl="1"/>
             <a:r>
-              <a:rPr lang="ko-KR" altLang="en-US"/>
+              <a:rPr lang="ko-KR" altLang="en-US" smtClean="0"/>
               <a:t>둘째 수준</a:t>
             </a:r>
           </a:p>
           <a:p>
             <a:pPr lvl="2"/>
             <a:r>
-              <a:rPr lang="ko-KR" altLang="en-US"/>
+              <a:rPr lang="ko-KR" altLang="en-US" smtClean="0"/>
               <a:t>셋째 수준</a:t>
             </a:r>
           </a:p>
           <a:p>
             <a:pPr lvl="3"/>
             <a:r>
-              <a:rPr lang="ko-KR" altLang="en-US"/>
+              <a:rPr lang="ko-KR" altLang="en-US" smtClean="0"/>
               <a:t>넷째 수준</a:t>
             </a:r>
           </a:p>
           <a:p>
             <a:pPr lvl="4"/>
             <a:r>
-              <a:rPr lang="ko-KR" altLang="en-US"/>
+              <a:rPr lang="ko-KR" altLang="en-US" smtClean="0"/>
               <a:t>다섯째 수준</a:t>
             </a:r>
+            <a:endParaRPr lang="ko-KR" altLang="en-US"/>
           </a:p>
         </p:txBody>
       </p:sp>
@@ -3913,18 +3840,7 @@
   <p:clrMapOvr>
     <a:masterClrMapping/>
   </p:clrMapOvr>
-  <mc:AlternateContent xmlns:mc="http://schemas.openxmlformats.org/markup-compatibility/2006">
-    <mc:Choice xmlns:p159="http://schemas.microsoft.com/office/powerpoint/2015/09/main" Requires="p159">
-      <p:transition spd="slow">
-        <p159:morph option="byChar"/>
-      </p:transition>
-    </mc:Choice>
-    <mc:Fallback>
-      <p:transition spd="slow">
-        <p:fade/>
-      </p:transition>
-    </mc:Fallback>
-  </mc:AlternateContent>
+  <p:transition spd="med"/>
 </p:sldLayout>
 </file>
 
@@ -3961,9 +3877,10 @@
           <a:lstStyle/>
           <a:p>
             <a:r>
-              <a:rPr lang="ko-KR" altLang="en-US"/>
+              <a:rPr lang="ko-KR" altLang="en-US" smtClean="0"/>
               <a:t>마스터 제목 스타일 편집</a:t>
             </a:r>
+            <a:endParaRPr lang="ko-KR" altLang="en-US"/>
           </a:p>
         </p:txBody>
       </p:sp>
@@ -3977,18 +3894,7 @@
   <p:clrMapOvr>
     <a:masterClrMapping/>
   </p:clrMapOvr>
-  <mc:AlternateContent xmlns:mc="http://schemas.openxmlformats.org/markup-compatibility/2006">
-    <mc:Choice xmlns:p159="http://schemas.microsoft.com/office/powerpoint/2015/09/main" Requires="p159">
-      <p:transition spd="slow">
-        <p159:morph option="byChar"/>
-      </p:transition>
-    </mc:Choice>
-    <mc:Fallback>
-      <p:transition spd="slow">
-        <p:fade/>
-      </p:transition>
-    </mc:Fallback>
-  </mc:AlternateContent>
+  <p:transition spd="med"/>
 </p:sldLayout>
 </file>
 
@@ -4019,18 +3925,7 @@
   <p:clrMapOvr>
     <a:masterClrMapping/>
   </p:clrMapOvr>
-  <mc:AlternateContent xmlns:mc="http://schemas.openxmlformats.org/markup-compatibility/2006">
-    <mc:Choice xmlns:p159="http://schemas.microsoft.com/office/powerpoint/2015/09/main" Requires="p159">
-      <p:transition spd="slow">
-        <p159:morph option="byChar"/>
-      </p:transition>
-    </mc:Choice>
-    <mc:Fallback>
-      <p:transition spd="slow">
-        <p:fade/>
-      </p:transition>
-    </mc:Fallback>
-  </mc:AlternateContent>
+  <p:transition spd="med"/>
 </p:sldLayout>
 </file>
 
@@ -4107,9 +4002,10 @@
           </a:lstStyle>
           <a:p>
             <a:r>
-              <a:rPr lang="ko-KR" altLang="en-US"/>
+              <a:rPr lang="ko-KR" altLang="en-US" smtClean="0"/>
               <a:t>마스터 제목 스타일 편집</a:t>
             </a:r>
+            <a:endParaRPr lang="ko-KR" altLang="en-US"/>
           </a:p>
         </p:txBody>
       </p:sp>
@@ -4166,37 +4062,38 @@
           <a:p>
             <a:pPr lvl="0"/>
             <a:r>
-              <a:rPr lang="ko-KR" altLang="en-US" dirty="0"/>
+              <a:rPr lang="ko-KR" altLang="en-US" dirty="0" smtClean="0"/>
               <a:t>마스터 텍스트 스타일을 편집합니다</a:t>
             </a:r>
           </a:p>
           <a:p>
             <a:pPr lvl="1"/>
             <a:r>
-              <a:rPr lang="ko-KR" altLang="en-US" dirty="0"/>
+              <a:rPr lang="ko-KR" altLang="en-US" dirty="0" smtClean="0"/>
               <a:t>둘째 수준</a:t>
             </a:r>
           </a:p>
           <a:p>
             <a:pPr lvl="2"/>
             <a:r>
-              <a:rPr lang="ko-KR" altLang="en-US" dirty="0"/>
+              <a:rPr lang="ko-KR" altLang="en-US" dirty="0" smtClean="0"/>
               <a:t>셋째 수준</a:t>
             </a:r>
           </a:p>
           <a:p>
             <a:pPr lvl="3"/>
             <a:r>
-              <a:rPr lang="ko-KR" altLang="en-US" dirty="0"/>
+              <a:rPr lang="ko-KR" altLang="en-US" dirty="0" smtClean="0"/>
               <a:t>넷째 수준</a:t>
             </a:r>
           </a:p>
           <a:p>
             <a:pPr lvl="4"/>
             <a:r>
-              <a:rPr lang="ko-KR" altLang="en-US" dirty="0"/>
+              <a:rPr lang="ko-KR" altLang="en-US" dirty="0" smtClean="0"/>
               <a:t>다섯째 수준</a:t>
             </a:r>
+            <a:endParaRPr lang="ko-KR" altLang="en-US" dirty="0"/>
           </a:p>
         </p:txBody>
       </p:sp>
@@ -4210,18 +4107,7 @@
   <p:clrMapOvr>
     <a:masterClrMapping/>
   </p:clrMapOvr>
-  <mc:AlternateContent xmlns:mc="http://schemas.openxmlformats.org/markup-compatibility/2006">
-    <mc:Choice xmlns:p159="http://schemas.microsoft.com/office/powerpoint/2015/09/main" Requires="p159">
-      <p:transition spd="slow">
-        <p159:morph option="byChar"/>
-      </p:transition>
-    </mc:Choice>
-    <mc:Fallback>
-      <p:transition spd="slow">
-        <p:fade/>
-      </p:transition>
-    </mc:Fallback>
-  </mc:AlternateContent>
+  <p:transition spd="med"/>
 </p:sldLayout>
 </file>
 
@@ -4267,9 +4153,10 @@
           </a:lstStyle>
           <a:p>
             <a:r>
-              <a:rPr lang="ko-KR" altLang="en-US"/>
+              <a:rPr lang="ko-KR" altLang="en-US" smtClean="0"/>
               <a:t>마스터 제목 스타일 편집</a:t>
             </a:r>
+            <a:endParaRPr lang="ko-KR" altLang="en-US"/>
           </a:p>
         </p:txBody>
       </p:sp>
@@ -4323,37 +4210,38 @@
           <a:p>
             <a:pPr lvl="0"/>
             <a:r>
-              <a:rPr lang="ko-KR" altLang="en-US"/>
+              <a:rPr lang="ko-KR" altLang="en-US" smtClean="0"/>
               <a:t>마스터 텍스트 스타일을 편집합니다</a:t>
             </a:r>
           </a:p>
           <a:p>
             <a:pPr lvl="1"/>
             <a:r>
-              <a:rPr lang="ko-KR" altLang="en-US"/>
+              <a:rPr lang="ko-KR" altLang="en-US" smtClean="0"/>
               <a:t>둘째 수준</a:t>
             </a:r>
           </a:p>
           <a:p>
             <a:pPr lvl="2"/>
             <a:r>
-              <a:rPr lang="ko-KR" altLang="en-US"/>
+              <a:rPr lang="ko-KR" altLang="en-US" smtClean="0"/>
               <a:t>셋째 수준</a:t>
             </a:r>
           </a:p>
           <a:p>
             <a:pPr lvl="3"/>
             <a:r>
-              <a:rPr lang="ko-KR" altLang="en-US"/>
+              <a:rPr lang="ko-KR" altLang="en-US" smtClean="0"/>
               <a:t>넷째 수준</a:t>
             </a:r>
           </a:p>
           <a:p>
             <a:pPr lvl="4"/>
             <a:r>
-              <a:rPr lang="ko-KR" altLang="en-US"/>
+              <a:rPr lang="ko-KR" altLang="en-US" smtClean="0"/>
               <a:t>다섯째 수준</a:t>
             </a:r>
+            <a:endParaRPr lang="ko-KR" altLang="en-US"/>
           </a:p>
         </p:txBody>
       </p:sp>
@@ -4416,7 +4304,7 @@
           <a:p>
             <a:pPr lvl="0"/>
             <a:r>
-              <a:rPr lang="ko-KR" altLang="en-US"/>
+              <a:rPr lang="ko-KR" altLang="en-US" smtClean="0"/>
               <a:t>마스터 텍스트 스타일을 편집합니다</a:t>
             </a:r>
           </a:p>
@@ -4432,18 +4320,7 @@
   <p:clrMapOvr>
     <a:masterClrMapping/>
   </p:clrMapOvr>
-  <mc:AlternateContent xmlns:mc="http://schemas.openxmlformats.org/markup-compatibility/2006">
-    <mc:Choice xmlns:p159="http://schemas.microsoft.com/office/powerpoint/2015/09/main" Requires="p159">
-      <p:transition spd="slow">
-        <p159:morph option="byChar"/>
-      </p:transition>
-    </mc:Choice>
-    <mc:Fallback>
-      <p:transition spd="slow">
-        <p:fade/>
-      </p:transition>
-    </mc:Fallback>
-  </mc:AlternateContent>
+  <p:transition spd="med"/>
 </p:sldLayout>
 </file>
 
@@ -4489,9 +4366,10 @@
           </a:lstStyle>
           <a:p>
             <a:r>
-              <a:rPr lang="ko-KR" altLang="en-US"/>
+              <a:rPr lang="ko-KR" altLang="en-US" smtClean="0"/>
               <a:t>마스터 제목 스타일 편집</a:t>
             </a:r>
+            <a:endParaRPr lang="ko-KR" altLang="en-US"/>
           </a:p>
         </p:txBody>
       </p:sp>
@@ -4553,7 +4431,7 @@
           </a:lstStyle>
           <a:p>
             <a:pPr lvl="0"/>
-            <a:endParaRPr lang="ko-KR" altLang="en-US" noProof="0"/>
+            <a:endParaRPr lang="ko-KR" altLang="en-US" noProof="0" smtClean="0"/>
           </a:p>
         </p:txBody>
       </p:sp>
@@ -4616,7 +4494,7 @@
           <a:p>
             <a:pPr lvl="0"/>
             <a:r>
-              <a:rPr lang="ko-KR" altLang="en-US"/>
+              <a:rPr lang="ko-KR" altLang="en-US" smtClean="0"/>
               <a:t>마스터 텍스트 스타일을 편집합니다</a:t>
             </a:r>
           </a:p>
@@ -4632,18 +4510,7 @@
   <p:clrMapOvr>
     <a:masterClrMapping/>
   </p:clrMapOvr>
-  <mc:AlternateContent xmlns:mc="http://schemas.openxmlformats.org/markup-compatibility/2006">
-    <mc:Choice xmlns:p159="http://schemas.microsoft.com/office/powerpoint/2015/09/main" Requires="p159">
-      <p:transition spd="slow">
-        <p159:morph option="byChar"/>
-      </p:transition>
-    </mc:Choice>
-    <mc:Fallback>
-      <p:transition spd="slow">
-        <p:fade/>
-      </p:transition>
-    </mc:Fallback>
-  </mc:AlternateContent>
+  <p:transition spd="med"/>
 </p:sldLayout>
 </file>
 
@@ -4680,9 +4547,10 @@
           <a:lstStyle/>
           <a:p>
             <a:r>
-              <a:rPr lang="ko-KR" altLang="en-US"/>
+              <a:rPr lang="ko-KR" altLang="en-US" smtClean="0"/>
               <a:t>마스터 제목 스타일 편집</a:t>
             </a:r>
+            <a:endParaRPr lang="ko-KR" altLang="en-US"/>
           </a:p>
         </p:txBody>
       </p:sp>
@@ -4703,37 +4571,38 @@
           <a:p>
             <a:pPr lvl="0"/>
             <a:r>
-              <a:rPr lang="ko-KR" altLang="en-US"/>
+              <a:rPr lang="ko-KR" altLang="en-US" smtClean="0"/>
               <a:t>마스터 텍스트 스타일을 편집합니다</a:t>
             </a:r>
           </a:p>
           <a:p>
             <a:pPr lvl="1"/>
             <a:r>
-              <a:rPr lang="ko-KR" altLang="en-US"/>
+              <a:rPr lang="ko-KR" altLang="en-US" smtClean="0"/>
               <a:t>둘째 수준</a:t>
             </a:r>
           </a:p>
           <a:p>
             <a:pPr lvl="2"/>
             <a:r>
-              <a:rPr lang="ko-KR" altLang="en-US"/>
+              <a:rPr lang="ko-KR" altLang="en-US" smtClean="0"/>
               <a:t>셋째 수준</a:t>
             </a:r>
           </a:p>
           <a:p>
             <a:pPr lvl="3"/>
             <a:r>
-              <a:rPr lang="ko-KR" altLang="en-US"/>
+              <a:rPr lang="ko-KR" altLang="en-US" smtClean="0"/>
               <a:t>넷째 수준</a:t>
             </a:r>
           </a:p>
           <a:p>
             <a:pPr lvl="4"/>
             <a:r>
-              <a:rPr lang="ko-KR" altLang="en-US"/>
+              <a:rPr lang="ko-KR" altLang="en-US" smtClean="0"/>
               <a:t>다섯째 수준</a:t>
             </a:r>
+            <a:endParaRPr lang="ko-KR" altLang="en-US"/>
           </a:p>
         </p:txBody>
       </p:sp>
@@ -4747,18 +4616,7 @@
   <p:clrMapOvr>
     <a:masterClrMapping/>
   </p:clrMapOvr>
-  <mc:AlternateContent xmlns:mc="http://schemas.openxmlformats.org/markup-compatibility/2006">
-    <mc:Choice xmlns:p159="http://schemas.microsoft.com/office/powerpoint/2015/09/main" Requires="p159">
-      <p:transition spd="slow">
-        <p159:morph option="byChar"/>
-      </p:transition>
-    </mc:Choice>
-    <mc:Fallback>
-      <p:transition spd="slow">
-        <p:fade/>
-      </p:transition>
-    </mc:Fallback>
-  </mc:AlternateContent>
+  <p:transition spd="med"/>
 </p:sldLayout>
 </file>
 
@@ -4800,9 +4658,10 @@
           <a:lstStyle/>
           <a:p>
             <a:r>
-              <a:rPr lang="ko-KR" altLang="en-US"/>
+              <a:rPr lang="ko-KR" altLang="en-US" smtClean="0"/>
               <a:t>마스터 제목 스타일 편집</a:t>
             </a:r>
+            <a:endParaRPr lang="ko-KR" altLang="en-US"/>
           </a:p>
         </p:txBody>
       </p:sp>
@@ -4828,37 +4687,38 @@
           <a:p>
             <a:pPr lvl="0"/>
             <a:r>
-              <a:rPr lang="ko-KR" altLang="en-US"/>
+              <a:rPr lang="ko-KR" altLang="en-US" smtClean="0"/>
               <a:t>마스터 텍스트 스타일을 편집합니다</a:t>
             </a:r>
           </a:p>
           <a:p>
             <a:pPr lvl="1"/>
             <a:r>
-              <a:rPr lang="ko-KR" altLang="en-US"/>
+              <a:rPr lang="ko-KR" altLang="en-US" smtClean="0"/>
               <a:t>둘째 수준</a:t>
             </a:r>
           </a:p>
           <a:p>
             <a:pPr lvl="2"/>
             <a:r>
-              <a:rPr lang="ko-KR" altLang="en-US"/>
+              <a:rPr lang="ko-KR" altLang="en-US" smtClean="0"/>
               <a:t>셋째 수준</a:t>
             </a:r>
           </a:p>
           <a:p>
             <a:pPr lvl="3"/>
             <a:r>
-              <a:rPr lang="ko-KR" altLang="en-US"/>
+              <a:rPr lang="ko-KR" altLang="en-US" smtClean="0"/>
               <a:t>넷째 수준</a:t>
             </a:r>
           </a:p>
           <a:p>
             <a:pPr lvl="4"/>
             <a:r>
-              <a:rPr lang="ko-KR" altLang="en-US"/>
+              <a:rPr lang="ko-KR" altLang="en-US" smtClean="0"/>
               <a:t>다섯째 수준</a:t>
             </a:r>
+            <a:endParaRPr lang="ko-KR" altLang="en-US"/>
           </a:p>
         </p:txBody>
       </p:sp>
@@ -4872,18 +4732,7 @@
   <p:clrMapOvr>
     <a:masterClrMapping/>
   </p:clrMapOvr>
-  <mc:AlternateContent xmlns:mc="http://schemas.openxmlformats.org/markup-compatibility/2006">
-    <mc:Choice xmlns:p159="http://schemas.microsoft.com/office/powerpoint/2015/09/main" Requires="p159">
-      <p:transition spd="slow">
-        <p159:morph option="byChar"/>
-      </p:transition>
-    </mc:Choice>
-    <mc:Fallback>
-      <p:transition spd="slow">
-        <p:fade/>
-      </p:transition>
-    </mc:Fallback>
-  </mc:AlternateContent>
+  <p:transition spd="med"/>
 </p:sldLayout>
 </file>
 
@@ -4929,9 +4778,10 @@
           </a:lstStyle>
           <a:p>
             <a:r>
-              <a:rPr lang="ko-KR" altLang="en-US"/>
+              <a:rPr lang="ko-KR" altLang="en-US" smtClean="0"/>
               <a:t>마스터 제목 스타일 편집</a:t>
             </a:r>
+            <a:endParaRPr lang="ko-KR" altLang="en-US"/>
           </a:p>
         </p:txBody>
       </p:sp>
@@ -4994,7 +4844,7 @@
           <a:p>
             <a:pPr lvl="0"/>
             <a:r>
-              <a:rPr lang="ko-KR" altLang="en-US"/>
+              <a:rPr lang="ko-KR" altLang="en-US" smtClean="0"/>
               <a:t>마스터 텍스트 스타일을 편집합니다</a:t>
             </a:r>
           </a:p>
@@ -5010,18 +4860,7 @@
   <p:clrMapOvr>
     <a:masterClrMapping/>
   </p:clrMapOvr>
-  <mc:AlternateContent xmlns:mc="http://schemas.openxmlformats.org/markup-compatibility/2006">
-    <mc:Choice xmlns:p159="http://schemas.microsoft.com/office/powerpoint/2015/09/main" Requires="p159">
-      <p:transition spd="slow">
-        <p159:morph option="byChar"/>
-      </p:transition>
-    </mc:Choice>
-    <mc:Fallback>
-      <p:transition spd="slow">
-        <p:fade/>
-      </p:transition>
-    </mc:Fallback>
-  </mc:AlternateContent>
+  <p:transition spd="med"/>
 </p:sldLayout>
 </file>
 
@@ -5058,9 +4897,10 @@
           <a:lstStyle/>
           <a:p>
             <a:r>
-              <a:rPr lang="ko-KR" altLang="en-US"/>
+              <a:rPr lang="ko-KR" altLang="en-US" smtClean="0"/>
               <a:t>마스터 제목 스타일 편집</a:t>
             </a:r>
+            <a:endParaRPr lang="ko-KR" altLang="en-US"/>
           </a:p>
         </p:txBody>
       </p:sp>
@@ -5114,37 +4954,38 @@
           <a:p>
             <a:pPr lvl="0"/>
             <a:r>
-              <a:rPr lang="ko-KR" altLang="en-US"/>
+              <a:rPr lang="ko-KR" altLang="en-US" smtClean="0"/>
               <a:t>마스터 텍스트 스타일을 편집합니다</a:t>
             </a:r>
           </a:p>
           <a:p>
             <a:pPr lvl="1"/>
             <a:r>
-              <a:rPr lang="ko-KR" altLang="en-US"/>
+              <a:rPr lang="ko-KR" altLang="en-US" smtClean="0"/>
               <a:t>둘째 수준</a:t>
             </a:r>
           </a:p>
           <a:p>
             <a:pPr lvl="2"/>
             <a:r>
-              <a:rPr lang="ko-KR" altLang="en-US"/>
+              <a:rPr lang="ko-KR" altLang="en-US" smtClean="0"/>
               <a:t>셋째 수준</a:t>
             </a:r>
           </a:p>
           <a:p>
             <a:pPr lvl="3"/>
             <a:r>
-              <a:rPr lang="ko-KR" altLang="en-US"/>
+              <a:rPr lang="ko-KR" altLang="en-US" smtClean="0"/>
               <a:t>넷째 수준</a:t>
             </a:r>
           </a:p>
           <a:p>
             <a:pPr lvl="4"/>
             <a:r>
-              <a:rPr lang="ko-KR" altLang="en-US"/>
+              <a:rPr lang="ko-KR" altLang="en-US" smtClean="0"/>
               <a:t>다섯째 수준</a:t>
             </a:r>
+            <a:endParaRPr lang="ko-KR" altLang="en-US"/>
           </a:p>
         </p:txBody>
       </p:sp>
@@ -5198,37 +5039,38 @@
           <a:p>
             <a:pPr lvl="0"/>
             <a:r>
-              <a:rPr lang="ko-KR" altLang="en-US"/>
+              <a:rPr lang="ko-KR" altLang="en-US" smtClean="0"/>
               <a:t>마스터 텍스트 스타일을 편집합니다</a:t>
             </a:r>
           </a:p>
           <a:p>
             <a:pPr lvl="1"/>
             <a:r>
-              <a:rPr lang="ko-KR" altLang="en-US"/>
+              <a:rPr lang="ko-KR" altLang="en-US" smtClean="0"/>
               <a:t>둘째 수준</a:t>
             </a:r>
           </a:p>
           <a:p>
             <a:pPr lvl="2"/>
             <a:r>
-              <a:rPr lang="ko-KR" altLang="en-US"/>
+              <a:rPr lang="ko-KR" altLang="en-US" smtClean="0"/>
               <a:t>셋째 수준</a:t>
             </a:r>
           </a:p>
           <a:p>
             <a:pPr lvl="3"/>
             <a:r>
-              <a:rPr lang="ko-KR" altLang="en-US"/>
+              <a:rPr lang="ko-KR" altLang="en-US" smtClean="0"/>
               <a:t>넷째 수준</a:t>
             </a:r>
           </a:p>
           <a:p>
             <a:pPr lvl="4"/>
             <a:r>
-              <a:rPr lang="ko-KR" altLang="en-US"/>
+              <a:rPr lang="ko-KR" altLang="en-US" smtClean="0"/>
               <a:t>다섯째 수준</a:t>
             </a:r>
+            <a:endParaRPr lang="ko-KR" altLang="en-US"/>
           </a:p>
         </p:txBody>
       </p:sp>
@@ -5242,18 +5084,7 @@
   <p:clrMapOvr>
     <a:masterClrMapping/>
   </p:clrMapOvr>
-  <mc:AlternateContent xmlns:mc="http://schemas.openxmlformats.org/markup-compatibility/2006">
-    <mc:Choice xmlns:p159="http://schemas.microsoft.com/office/powerpoint/2015/09/main" Requires="p159">
-      <p:transition spd="slow">
-        <p159:morph option="byChar"/>
-      </p:transition>
-    </mc:Choice>
-    <mc:Fallback>
-      <p:transition spd="slow">
-        <p:fade/>
-      </p:transition>
-    </mc:Fallback>
-  </mc:AlternateContent>
+  <p:transition spd="med"/>
 </p:sldLayout>
 </file>
 
@@ -5290,9 +5121,10 @@
           <a:lstStyle/>
           <a:p>
             <a:r>
-              <a:rPr lang="ko-KR" altLang="en-US"/>
+              <a:rPr lang="ko-KR" altLang="en-US" smtClean="0"/>
               <a:t>마스터 제목 스타일 편집</a:t>
             </a:r>
+            <a:endParaRPr lang="ko-KR" altLang="en-US"/>
           </a:p>
         </p:txBody>
       </p:sp>
@@ -5306,18 +5138,7 @@
   <p:clrMapOvr>
     <a:masterClrMapping/>
   </p:clrMapOvr>
-  <mc:AlternateContent xmlns:mc="http://schemas.openxmlformats.org/markup-compatibility/2006">
-    <mc:Choice xmlns:p159="http://schemas.microsoft.com/office/powerpoint/2015/09/main" Requires="p159">
-      <p:transition spd="slow">
-        <p159:morph option="byChar"/>
-      </p:transition>
-    </mc:Choice>
-    <mc:Fallback>
-      <p:transition spd="slow">
-        <p:fade/>
-      </p:transition>
-    </mc:Fallback>
-  </mc:AlternateContent>
+  <p:transition spd="med"/>
 </p:sldLayout>
 </file>
 
@@ -5348,18 +5169,7 @@
   <p:clrMapOvr>
     <a:masterClrMapping/>
   </p:clrMapOvr>
-  <mc:AlternateContent xmlns:mc="http://schemas.openxmlformats.org/markup-compatibility/2006">
-    <mc:Choice xmlns:p159="http://schemas.microsoft.com/office/powerpoint/2015/09/main" Requires="p159">
-      <p:transition spd="slow">
-        <p159:morph option="byChar"/>
-      </p:transition>
-    </mc:Choice>
-    <mc:Fallback>
-      <p:transition spd="slow">
-        <p:fade/>
-      </p:transition>
-    </mc:Fallback>
-  </mc:AlternateContent>
+  <p:transition spd="med"/>
 </p:sldLayout>
 </file>
 
@@ -5405,9 +5215,10 @@
           </a:lstStyle>
           <a:p>
             <a:r>
-              <a:rPr lang="ko-KR" altLang="en-US"/>
+              <a:rPr lang="ko-KR" altLang="en-US" smtClean="0"/>
               <a:t>마스터 제목 스타일 편집</a:t>
             </a:r>
+            <a:endParaRPr lang="ko-KR" altLang="en-US"/>
           </a:p>
         </p:txBody>
       </p:sp>
@@ -5461,37 +5272,38 @@
           <a:p>
             <a:pPr lvl="0"/>
             <a:r>
-              <a:rPr lang="ko-KR" altLang="en-US"/>
+              <a:rPr lang="ko-KR" altLang="en-US" smtClean="0"/>
               <a:t>마스터 텍스트 스타일을 편집합니다</a:t>
             </a:r>
           </a:p>
           <a:p>
             <a:pPr lvl="1"/>
             <a:r>
-              <a:rPr lang="ko-KR" altLang="en-US"/>
+              <a:rPr lang="ko-KR" altLang="en-US" smtClean="0"/>
               <a:t>둘째 수준</a:t>
             </a:r>
           </a:p>
           <a:p>
             <a:pPr lvl="2"/>
             <a:r>
-              <a:rPr lang="ko-KR" altLang="en-US"/>
+              <a:rPr lang="ko-KR" altLang="en-US" smtClean="0"/>
               <a:t>셋째 수준</a:t>
             </a:r>
           </a:p>
           <a:p>
             <a:pPr lvl="3"/>
             <a:r>
-              <a:rPr lang="ko-KR" altLang="en-US"/>
+              <a:rPr lang="ko-KR" altLang="en-US" smtClean="0"/>
               <a:t>넷째 수준</a:t>
             </a:r>
           </a:p>
           <a:p>
             <a:pPr lvl="4"/>
             <a:r>
-              <a:rPr lang="ko-KR" altLang="en-US"/>
+              <a:rPr lang="ko-KR" altLang="en-US" smtClean="0"/>
               <a:t>다섯째 수준</a:t>
             </a:r>
+            <a:endParaRPr lang="ko-KR" altLang="en-US"/>
           </a:p>
         </p:txBody>
       </p:sp>
@@ -5554,7 +5366,7 @@
           <a:p>
             <a:pPr lvl="0"/>
             <a:r>
-              <a:rPr lang="ko-KR" altLang="en-US"/>
+              <a:rPr lang="ko-KR" altLang="en-US" smtClean="0"/>
               <a:t>마스터 텍스트 스타일을 편집합니다</a:t>
             </a:r>
           </a:p>
@@ -5570,18 +5382,7 @@
   <p:clrMapOvr>
     <a:masterClrMapping/>
   </p:clrMapOvr>
-  <mc:AlternateContent xmlns:mc="http://schemas.openxmlformats.org/markup-compatibility/2006">
-    <mc:Choice xmlns:p159="http://schemas.microsoft.com/office/powerpoint/2015/09/main" Requires="p159">
-      <p:transition spd="slow">
-        <p159:morph option="byChar"/>
-      </p:transition>
-    </mc:Choice>
-    <mc:Fallback>
-      <p:transition spd="slow">
-        <p:fade/>
-      </p:transition>
-    </mc:Fallback>
-  </mc:AlternateContent>
+  <p:transition spd="med"/>
 </p:sldLayout>
 </file>
 
@@ -5627,9 +5428,10 @@
           </a:lstStyle>
           <a:p>
             <a:r>
-              <a:rPr lang="ko-KR" altLang="en-US"/>
+              <a:rPr lang="ko-KR" altLang="en-US" smtClean="0"/>
               <a:t>마스터 제목 스타일 편집</a:t>
             </a:r>
+            <a:endParaRPr lang="ko-KR" altLang="en-US"/>
           </a:p>
         </p:txBody>
       </p:sp>
@@ -5691,7 +5493,7 @@
           </a:lstStyle>
           <a:p>
             <a:pPr lvl="0"/>
-            <a:endParaRPr lang="ko-KR" altLang="en-US" noProof="0"/>
+            <a:endParaRPr lang="ko-KR" altLang="en-US" noProof="0" smtClean="0"/>
           </a:p>
         </p:txBody>
       </p:sp>
@@ -5754,7 +5556,7 @@
           <a:p>
             <a:pPr lvl="0"/>
             <a:r>
-              <a:rPr lang="ko-KR" altLang="en-US"/>
+              <a:rPr lang="ko-KR" altLang="en-US" smtClean="0"/>
               <a:t>마스터 텍스트 스타일을 편집합니다</a:t>
             </a:r>
           </a:p>
@@ -5770,18 +5572,7 @@
   <p:clrMapOvr>
     <a:masterClrMapping/>
   </p:clrMapOvr>
-  <mc:AlternateContent xmlns:mc="http://schemas.openxmlformats.org/markup-compatibility/2006">
-    <mc:Choice xmlns:p159="http://schemas.microsoft.com/office/powerpoint/2015/09/main" Requires="p159">
-      <p:transition spd="slow">
-        <p159:morph option="byChar"/>
-      </p:transition>
-    </mc:Choice>
-    <mc:Fallback>
-      <p:transition spd="slow">
-        <p:fade/>
-      </p:transition>
-    </mc:Fallback>
-  </mc:AlternateContent>
+  <p:transition spd="med"/>
 </p:sldLayout>
 </file>
 
@@ -5823,9 +5614,10 @@
           <a:lstStyle/>
           <a:p>
             <a:r>
-              <a:rPr lang="ko-KR" altLang="en-US"/>
+              <a:rPr lang="ko-KR" altLang="en-US" smtClean="0"/>
               <a:t>마스터 제목 스타일 편집</a:t>
             </a:r>
+            <a:endParaRPr lang="ko-KR" altLang="en-US"/>
           </a:p>
         </p:txBody>
       </p:sp>
@@ -5846,37 +5638,38 @@
           <a:p>
             <a:pPr lvl="0"/>
             <a:r>
-              <a:rPr lang="ko-KR" altLang="en-US"/>
+              <a:rPr lang="ko-KR" altLang="en-US" smtClean="0"/>
               <a:t>마스터 텍스트 스타일을 편집합니다</a:t>
             </a:r>
           </a:p>
           <a:p>
             <a:pPr lvl="1"/>
             <a:r>
-              <a:rPr lang="ko-KR" altLang="en-US"/>
+              <a:rPr lang="ko-KR" altLang="en-US" smtClean="0"/>
               <a:t>둘째 수준</a:t>
             </a:r>
           </a:p>
           <a:p>
             <a:pPr lvl="2"/>
             <a:r>
-              <a:rPr lang="ko-KR" altLang="en-US"/>
+              <a:rPr lang="ko-KR" altLang="en-US" smtClean="0"/>
               <a:t>셋째 수준</a:t>
             </a:r>
           </a:p>
           <a:p>
             <a:pPr lvl="3"/>
             <a:r>
-              <a:rPr lang="ko-KR" altLang="en-US"/>
+              <a:rPr lang="ko-KR" altLang="en-US" smtClean="0"/>
               <a:t>넷째 수준</a:t>
             </a:r>
           </a:p>
           <a:p>
             <a:pPr lvl="4"/>
             <a:r>
-              <a:rPr lang="ko-KR" altLang="en-US"/>
+              <a:rPr lang="ko-KR" altLang="en-US" smtClean="0"/>
               <a:t>다섯째 수준</a:t>
             </a:r>
+            <a:endParaRPr lang="ko-KR" altLang="en-US"/>
           </a:p>
         </p:txBody>
       </p:sp>
@@ -5890,18 +5683,7 @@
   <p:clrMapOvr>
     <a:masterClrMapping/>
   </p:clrMapOvr>
-  <mc:AlternateContent xmlns:mc="http://schemas.openxmlformats.org/markup-compatibility/2006">
-    <mc:Choice xmlns:p159="http://schemas.microsoft.com/office/powerpoint/2015/09/main" Requires="p159">
-      <p:transition spd="slow">
-        <p159:morph option="byChar"/>
-      </p:transition>
-    </mc:Choice>
-    <mc:Fallback>
-      <p:transition spd="slow">
-        <p:fade/>
-      </p:transition>
-    </mc:Fallback>
-  </mc:AlternateContent>
+  <p:transition spd="med"/>
 </p:sldLayout>
 </file>
 
@@ -6078,7 +5860,7 @@
             <a:pPr algn="ctr" eaLnBrk="1" latinLnBrk="1" hangingPunct="1">
               <a:defRPr/>
             </a:pPr>
-            <a:endParaRPr lang="ko-KR" altLang="ko-KR" sz="1800">
+            <a:endParaRPr lang="ko-KR" altLang="ko-KR" sz="1800" smtClean="0">
               <a:solidFill>
                 <a:schemeClr val="bg1"/>
               </a:solidFill>
@@ -6138,7 +5920,7 @@
           <a:p>
             <a:pPr lvl="0"/>
             <a:r>
-              <a:rPr lang="ko-KR" altLang="en-US"/>
+              <a:rPr lang="ko-KR" altLang="en-US" smtClean="0"/>
               <a:t>마스터 제목 스타일 편집</a:t>
             </a:r>
           </a:p>
@@ -6196,42 +5978,42 @@
           <a:p>
             <a:pPr lvl="0"/>
             <a:r>
-              <a:rPr lang="en-US" altLang="ko-KR"/>
+              <a:rPr lang="en-US" altLang="ko-KR" smtClean="0"/>
               <a:t>1</a:t>
             </a:r>
-            <a:endParaRPr lang="ko-KR" altLang="en-US"/>
+            <a:endParaRPr lang="ko-KR" altLang="en-US" smtClean="0"/>
           </a:p>
           <a:p>
             <a:pPr lvl="1"/>
             <a:r>
-              <a:rPr lang="en-US" altLang="ko-KR"/>
+              <a:rPr lang="en-US" altLang="ko-KR" smtClean="0"/>
               <a:t>2</a:t>
             </a:r>
-            <a:endParaRPr lang="ko-KR" altLang="en-US"/>
+            <a:endParaRPr lang="ko-KR" altLang="en-US" smtClean="0"/>
           </a:p>
           <a:p>
             <a:pPr lvl="2"/>
             <a:r>
-              <a:rPr lang="en-US" altLang="ko-KR"/>
+              <a:rPr lang="en-US" altLang="ko-KR" smtClean="0"/>
               <a:t>3</a:t>
             </a:r>
-            <a:endParaRPr lang="ko-KR" altLang="en-US"/>
+            <a:endParaRPr lang="ko-KR" altLang="en-US" smtClean="0"/>
           </a:p>
           <a:p>
             <a:pPr lvl="3"/>
             <a:r>
-              <a:rPr lang="en-US" altLang="ko-KR"/>
+              <a:rPr lang="en-US" altLang="ko-KR" smtClean="0"/>
               <a:t>4</a:t>
             </a:r>
-            <a:endParaRPr lang="ko-KR" altLang="en-US"/>
+            <a:endParaRPr lang="ko-KR" altLang="en-US" smtClean="0"/>
           </a:p>
           <a:p>
             <a:pPr lvl="4"/>
             <a:r>
-              <a:rPr lang="en-US" altLang="ko-KR"/>
+              <a:rPr lang="en-US" altLang="ko-KR" smtClean="0"/>
               <a:t>5</a:t>
             </a:r>
-            <a:endParaRPr lang="ko-KR" altLang="en-US"/>
+            <a:endParaRPr lang="ko-KR" altLang="en-US" smtClean="0"/>
           </a:p>
         </p:txBody>
       </p:sp>
@@ -6384,7 +6166,7 @@
               <a:defRPr/>
             </a:pPr>
             <a:r>
-              <a:rPr lang="en-US" altLang="ko-KR" sz="1200">
+              <a:rPr lang="en-US" altLang="ko-KR" sz="1200" smtClean="0">
                 <a:solidFill>
                   <a:schemeClr val="bg1"/>
                 </a:solidFill>
@@ -6393,7 +6175,7 @@
               </a:rPr>
               <a:t>      Advanced Broadcasting &amp; Communications Lab.</a:t>
             </a:r>
-            <a:endParaRPr lang="en-US" altLang="ko-KR" sz="1800">
+            <a:endParaRPr lang="en-US" altLang="ko-KR" sz="1800" smtClean="0">
               <a:solidFill>
                 <a:schemeClr val="bg1"/>
               </a:solidFill>
@@ -6570,7 +6352,7 @@
               </a:pPr>
               <a:t>‹#›</a:t>
             </a:fld>
-            <a:endParaRPr lang="en-US" altLang="ko-KR" sz="1200">
+            <a:endParaRPr lang="en-US" altLang="ko-KR" sz="1200" smtClean="0">
               <a:solidFill>
                 <a:schemeClr val="bg1"/>
               </a:solidFill>
@@ -7063,7 +6845,7 @@
                 <a:defRPr/>
               </a:pPr>
               <a:r>
-                <a:rPr lang="en-US" altLang="ko-KR" sz="1600" i="1">
+                <a:rPr lang="en-US" altLang="ko-KR" sz="1600" i="1" smtClean="0">
                   <a:solidFill>
                     <a:srgbClr val="99CC00"/>
                   </a:solidFill>
@@ -7230,7 +7012,7 @@
                 <a:defRPr/>
               </a:pPr>
               <a:r>
-                <a:rPr lang="en-US" altLang="ko-KR" sz="2200" i="1">
+                <a:rPr lang="en-US" altLang="ko-KR" sz="2200" i="1" smtClean="0">
                   <a:solidFill>
                     <a:schemeClr val="bg1"/>
                   </a:solidFill>
@@ -7397,7 +7179,7 @@
                 <a:defRPr/>
               </a:pPr>
               <a:r>
-                <a:rPr lang="ko-KR" altLang="en-US" sz="900" i="1">
+                <a:rPr lang="ko-KR" altLang="en-US" sz="900" i="1" smtClean="0">
                   <a:solidFill>
                     <a:schemeClr val="bg1"/>
                   </a:solidFill>
@@ -7406,7 +7188,7 @@
                 <a:t>세계로</a:t>
               </a:r>
               <a:r>
-                <a:rPr lang="ko-KR" altLang="en-US" sz="900" i="1">
+                <a:rPr lang="ko-KR" altLang="en-US" sz="900" i="1" smtClean="0">
                   <a:solidFill>
                     <a:schemeClr val="bg2"/>
                   </a:solidFill>
@@ -7415,7 +7197,7 @@
                 <a:t> </a:t>
               </a:r>
               <a:r>
-                <a:rPr lang="ko-KR" altLang="en-US" sz="900" i="1">
+                <a:rPr lang="ko-KR" altLang="en-US" sz="900" i="1" smtClean="0">
                   <a:solidFill>
                     <a:schemeClr val="bg1"/>
                   </a:solidFill>
@@ -7444,18 +7226,14 @@
     <p:sldLayoutId id="2147484488" r:id="rId11"/>
     <p:sldLayoutId id="2147484489" r:id="rId12"/>
   </p:sldLayoutIdLst>
-  <mc:AlternateContent xmlns:mc="http://schemas.openxmlformats.org/markup-compatibility/2006">
-    <mc:Choice xmlns:p159="http://schemas.microsoft.com/office/powerpoint/2015/09/main" Requires="p159">
-      <p:transition spd="slow">
-        <p159:morph option="byChar"/>
-      </p:transition>
-    </mc:Choice>
-    <mc:Fallback>
-      <p:transition spd="slow">
-        <p:fade/>
-      </p:transition>
-    </mc:Fallback>
-  </mc:AlternateContent>
+  <p:transition spd="med"/>
+  <p:timing>
+    <p:tnLst>
+      <p:par>
+        <p:cTn id="1" dur="indefinite" restart="never" nodeType="tmRoot"/>
+      </p:par>
+    </p:tnLst>
+  </p:timing>
   <p:txStyles>
     <p:titleStyle>
       <a:lvl1pPr algn="r" rtl="0" eaLnBrk="0" fontAlgn="base" latinLnBrk="1" hangingPunct="0">
@@ -8023,14 +7801,14 @@
               <a:defRPr/>
             </a:pPr>
             <a:r>
-              <a:rPr lang="en-US" altLang="ko-KR" sz="1200">
+              <a:rPr lang="en-US" altLang="ko-KR" sz="1200" smtClean="0">
                 <a:solidFill>
                   <a:schemeClr val="bg1"/>
                 </a:solidFill>
               </a:rPr>
               <a:t>Broadcasting &amp; Communication Systems Lab.</a:t>
             </a:r>
-            <a:endParaRPr lang="en-US" altLang="ko-KR" sz="1800">
+            <a:endParaRPr lang="en-US" altLang="ko-KR" sz="1800" smtClean="0">
               <a:solidFill>
                 <a:schemeClr val="bg1"/>
               </a:solidFill>
@@ -8205,7 +7983,7 @@
               </a:pPr>
               <a:t>‹#›</a:t>
             </a:fld>
-            <a:endParaRPr lang="en-US" altLang="ko-KR" sz="1200">
+            <a:endParaRPr lang="en-US" altLang="ko-KR" sz="1200" smtClean="0">
               <a:solidFill>
                 <a:schemeClr val="bg1"/>
               </a:solidFill>
@@ -8447,7 +8225,7 @@
             <a:pPr algn="r" eaLnBrk="1" latinLnBrk="1" hangingPunct="1">
               <a:defRPr/>
             </a:pPr>
-            <a:endParaRPr lang="ko-KR" altLang="ko-KR" sz="1000">
+            <a:endParaRPr lang="ko-KR" altLang="ko-KR" sz="1000" smtClean="0">
               <a:solidFill>
                 <a:schemeClr val="bg1"/>
               </a:solidFill>
@@ -8776,42 +8554,42 @@
           <a:p>
             <a:pPr lvl="0"/>
             <a:r>
-              <a:rPr lang="ko-KR" altLang="en-US"/>
+              <a:rPr lang="ko-KR" altLang="en-US" smtClean="0"/>
               <a:t>마스터 텍스트 스타일을 편집합니다</a:t>
             </a:r>
           </a:p>
           <a:p>
             <a:pPr lvl="1"/>
             <a:r>
-              <a:rPr lang="ko-KR" altLang="en-US"/>
+              <a:rPr lang="ko-KR" altLang="en-US" smtClean="0"/>
               <a:t>둘째 수준</a:t>
             </a:r>
           </a:p>
           <a:p>
             <a:pPr lvl="2"/>
             <a:r>
-              <a:rPr lang="ko-KR" altLang="en-US"/>
+              <a:rPr lang="ko-KR" altLang="en-US" smtClean="0"/>
               <a:t>셋째 수준</a:t>
             </a:r>
           </a:p>
           <a:p>
             <a:pPr lvl="3"/>
             <a:r>
-              <a:rPr lang="ko-KR" altLang="en-US"/>
+              <a:rPr lang="ko-KR" altLang="en-US" smtClean="0"/>
               <a:t>넷째 수준</a:t>
             </a:r>
           </a:p>
           <a:p>
             <a:pPr lvl="4"/>
             <a:r>
-              <a:rPr lang="ko-KR" altLang="en-US"/>
+              <a:rPr lang="ko-KR" altLang="en-US" smtClean="0"/>
               <a:t>다섯째 수준</a:t>
             </a:r>
             <a:r>
-              <a:rPr lang="en-US" altLang="ko-KR"/>
+              <a:rPr lang="en-US" altLang="ko-KR" smtClean="0"/>
               <a:t>z</a:t>
             </a:r>
-            <a:endParaRPr lang="ko-KR" altLang="en-US"/>
+            <a:endParaRPr lang="ko-KR" altLang="en-US" smtClean="0"/>
           </a:p>
         </p:txBody>
       </p:sp>
@@ -8867,7 +8645,7 @@
           <a:p>
             <a:pPr lvl="0"/>
             <a:r>
-              <a:rPr lang="en-US" altLang="ko-KR"/>
+              <a:rPr lang="en-US" altLang="ko-KR" smtClean="0"/>
               <a:t>Contents</a:t>
             </a:r>
           </a:p>
@@ -9035,7 +8813,7 @@
               <a:defRPr/>
             </a:pPr>
             <a:r>
-              <a:rPr lang="ko-KR" altLang="en-US" sz="2000" i="0">
+              <a:rPr lang="ko-KR" altLang="en-US" sz="2000" i="0" smtClean="0">
                 <a:solidFill>
                   <a:schemeClr val="bg1"/>
                 </a:solidFill>
@@ -9044,6 +8822,13 @@
               </a:rPr>
               <a:t>마스터 제목 스타일 편집</a:t>
             </a:r>
+            <a:endParaRPr lang="ko-KR" altLang="en-US" sz="2000" i="0">
+              <a:solidFill>
+                <a:schemeClr val="bg1"/>
+              </a:solidFill>
+              <a:latin typeface="Arial Black" pitchFamily="34" charset="0"/>
+              <a:ea typeface="HY견고딕" pitchFamily="18" charset="-127"/>
+            </a:endParaRPr>
           </a:p>
         </p:txBody>
       </p:sp>
@@ -9219,7 +9004,7 @@
                 <a:defRPr/>
               </a:pPr>
               <a:r>
-                <a:rPr lang="en-US" altLang="ko-KR" sz="1600" i="1">
+                <a:rPr lang="en-US" altLang="ko-KR" sz="1600" i="1" smtClean="0">
                   <a:solidFill>
                     <a:srgbClr val="99CC00"/>
                   </a:solidFill>
@@ -9386,7 +9171,7 @@
                 <a:defRPr/>
               </a:pPr>
               <a:r>
-                <a:rPr lang="en-US" altLang="ko-KR" sz="2200" i="1">
+                <a:rPr lang="en-US" altLang="ko-KR" sz="2200" i="1" smtClean="0">
                   <a:solidFill>
                     <a:schemeClr val="bg1"/>
                   </a:solidFill>
@@ -9553,7 +9338,7 @@
                 <a:defRPr/>
               </a:pPr>
               <a:r>
-                <a:rPr lang="ko-KR" altLang="en-US" sz="900" i="1">
+                <a:rPr lang="ko-KR" altLang="en-US" sz="900" i="1" smtClean="0">
                   <a:solidFill>
                     <a:schemeClr val="bg1"/>
                   </a:solidFill>
@@ -9562,7 +9347,7 @@
                 <a:t>세계로</a:t>
               </a:r>
               <a:r>
-                <a:rPr lang="ko-KR" altLang="en-US" sz="900" i="1">
+                <a:rPr lang="ko-KR" altLang="en-US" sz="900" i="1" smtClean="0">
                   <a:solidFill>
                     <a:schemeClr val="bg2"/>
                   </a:solidFill>
@@ -9571,7 +9356,7 @@
                 <a:t> </a:t>
               </a:r>
               <a:r>
-                <a:rPr lang="ko-KR" altLang="en-US" sz="900" i="1">
+                <a:rPr lang="ko-KR" altLang="en-US" sz="900" i="1" smtClean="0">
                   <a:solidFill>
                     <a:schemeClr val="bg1"/>
                   </a:solidFill>
@@ -9599,18 +9384,14 @@
     <p:sldLayoutId id="2147484499" r:id="rId10"/>
     <p:sldLayoutId id="2147484500" r:id="rId11"/>
   </p:sldLayoutIdLst>
-  <mc:AlternateContent xmlns:mc="http://schemas.openxmlformats.org/markup-compatibility/2006">
-    <mc:Choice xmlns:p159="http://schemas.microsoft.com/office/powerpoint/2015/09/main" Requires="p159">
-      <p:transition spd="slow">
-        <p159:morph option="byChar"/>
-      </p:transition>
-    </mc:Choice>
-    <mc:Fallback>
-      <p:transition spd="slow">
-        <p:fade/>
-      </p:transition>
-    </mc:Fallback>
-  </mc:AlternateContent>
+  <p:transition spd="med"/>
+  <p:timing>
+    <p:tnLst>
+      <p:par>
+        <p:cTn id="1" dur="indefinite" restart="never" nodeType="tmRoot"/>
+      </p:par>
+    </p:tnLst>
+  </p:timing>
   <p:txStyles>
     <p:titleStyle>
       <a:lvl1pPr algn="l" rtl="0" eaLnBrk="0" fontAlgn="base" latinLnBrk="1" hangingPunct="0">
@@ -10069,7 +9850,7 @@
               </a:rPr>
               <a:t>Electric and Electronics</a:t>
             </a:r>
-            <a:endParaRPr lang="en-US" altLang="ko-KR" sz="2800" b="0" dirty="0">
+            <a:endParaRPr lang="en-US" altLang="ko-KR" sz="2800" b="0" dirty="0" smtClean="0">
               <a:solidFill>
                 <a:srgbClr val="A50021"/>
               </a:solidFill>
@@ -10106,7 +9887,7 @@
               </a:lnSpc>
             </a:pPr>
             <a:r>
-              <a:rPr lang="en-US" altLang="ko-KR" dirty="0"/>
+              <a:rPr lang="en-US" altLang="ko-KR" dirty="0" smtClean="0"/>
               <a:t>Chapter 1 - Introduction</a:t>
             </a:r>
           </a:p>
@@ -10116,7 +9897,7 @@
                 <a:spcPct val="90000"/>
               </a:lnSpc>
             </a:pPr>
-            <a:endParaRPr lang="en-US" altLang="ko-KR" sz="3200" dirty="0"/>
+            <a:endParaRPr lang="en-US" altLang="ko-KR" sz="3200" dirty="0" smtClean="0"/>
           </a:p>
         </p:txBody>
       </p:sp>
@@ -10125,18 +9906,14 @@
   <p:clrMapOvr>
     <a:masterClrMapping/>
   </p:clrMapOvr>
-  <mc:AlternateContent xmlns:mc="http://schemas.openxmlformats.org/markup-compatibility/2006">
-    <mc:Choice xmlns:p159="http://schemas.microsoft.com/office/powerpoint/2015/09/main" Requires="p159">
-      <p:transition spd="slow">
-        <p159:morph option="byChar"/>
-      </p:transition>
-    </mc:Choice>
-    <mc:Fallback>
-      <p:transition spd="slow">
-        <p:fade/>
-      </p:transition>
-    </mc:Fallback>
-  </mc:AlternateContent>
+  <p:transition spd="med"/>
+  <p:timing>
+    <p:tnLst>
+      <p:par>
+        <p:cTn id="1" dur="indefinite" restart="never" nodeType="tmRoot"/>
+      </p:par>
+    </p:tnLst>
+  </p:timing>
 </p:sld>
 </file>
 
@@ -10173,12 +9950,12 @@
           <a:lstStyle/>
           <a:p>
             <a:r>
-              <a:rPr lang="en-US" altLang="ko-KR" sz="2400">
+              <a:rPr lang="en-US" altLang="ko-KR" sz="2400" smtClean="0">
                 <a:ea typeface="굴림" panose="020B0600000101010101" pitchFamily="50" charset="-127"/>
               </a:rPr>
               <a:t>Voltage</a:t>
             </a:r>
-            <a:endParaRPr lang="ko-KR" altLang="en-US"/>
+            <a:endParaRPr lang="ko-KR" altLang="en-US" smtClean="0"/>
           </a:p>
         </p:txBody>
       </p:sp>
@@ -10216,7 +9993,7 @@
                   <a:defRPr/>
                 </a:pPr>
                 <a:r>
-                  <a:rPr lang="en-US" altLang="ko-KR" sz="3200" b="1" dirty="0">
+                  <a:rPr lang="en-US" altLang="ko-KR" sz="3200" b="1" dirty="0" smtClean="0">
                     <a:solidFill>
                       <a:srgbClr val="0070C0"/>
                     </a:solidFill>
@@ -10224,7 +10001,7 @@
                   </a:rPr>
                   <a:t>Voltage</a:t>
                 </a:r>
-                <a:endParaRPr lang="en-US" altLang="ko-KR" sz="1400" b="1" dirty="0">
+                <a:endParaRPr lang="en-US" altLang="ko-KR" sz="1400" b="1" dirty="0" smtClean="0">
                   <a:solidFill>
                     <a:srgbClr val="0070C0"/>
                   </a:solidFill>
@@ -10236,7 +10013,7 @@
                   <a:defRPr/>
                 </a:pPr>
                 <a:r>
-                  <a:rPr lang="en-US" altLang="ko-KR" b="1" dirty="0">
+                  <a:rPr lang="en-US" altLang="ko-KR" b="1" dirty="0" smtClean="0">
                     <a:ea typeface="굴림" pitchFamily="50" charset="-127"/>
                   </a:rPr>
                   <a:t>Electrons move when there is a difference in charge between two locations.</a:t>
@@ -10247,13 +10024,13 @@
                   <a:defRPr/>
                 </a:pPr>
                 <a:r>
-                  <a:rPr lang="en-US" altLang="ko-KR" b="1" dirty="0">
+                  <a:rPr lang="en-US" altLang="ko-KR" b="1" dirty="0" smtClean="0">
                     <a:ea typeface="굴림" pitchFamily="50" charset="-127"/>
                   </a:rPr>
                   <a:t>This difference is expressed at the </a:t>
                 </a:r>
                 <a:r>
-                  <a:rPr lang="en-US" altLang="ko-KR" b="1" dirty="0">
+                  <a:rPr lang="en-US" altLang="ko-KR" b="1" dirty="0" smtClean="0">
                     <a:solidFill>
                       <a:srgbClr val="A50021"/>
                     </a:solidFill>
@@ -10262,13 +10039,13 @@
                   <a:t>potential difference</a:t>
                 </a:r>
                 <a:r>
-                  <a:rPr lang="en-US" altLang="ko-KR" b="1" dirty="0">
+                  <a:rPr lang="en-US" altLang="ko-KR" b="1" dirty="0" smtClean="0">
                     <a:ea typeface="굴림" pitchFamily="50" charset="-127"/>
                   </a:rPr>
                   <a:t>, or </a:t>
                 </a:r>
                 <a:r>
-                  <a:rPr lang="en-US" altLang="ko-KR" b="1" dirty="0">
+                  <a:rPr lang="en-US" altLang="ko-KR" b="1" dirty="0" smtClean="0">
                     <a:solidFill>
                       <a:srgbClr val="A50021"/>
                     </a:solidFill>
@@ -10277,7 +10054,7 @@
                   <a:t>voltage</a:t>
                 </a:r>
                 <a:r>
-                  <a:rPr lang="en-US" altLang="ko-KR" b="1" dirty="0">
+                  <a:rPr lang="en-US" altLang="ko-KR" b="1" dirty="0" smtClean="0">
                     <a:ea typeface="굴림" pitchFamily="50" charset="-127"/>
                   </a:rPr>
                   <a:t> (V).</a:t>
@@ -10288,7 +10065,7 @@
                   <a:defRPr/>
                 </a:pPr>
                 <a:r>
-                  <a:rPr lang="en-US" altLang="ko-KR" b="1" dirty="0">
+                  <a:rPr lang="en-US" altLang="ko-KR" b="1" dirty="0" smtClean="0">
                     <a:ea typeface="굴림" pitchFamily="50" charset="-127"/>
                   </a:rPr>
                   <a:t>It is always expressed with reference to two locations.</a:t>
@@ -10314,7 +10091,13 @@
                   <a:rPr lang="en-US" altLang="ko-KR" b="1" dirty="0">
                     <a:ea typeface="굴림" panose="020B0600000101010101" pitchFamily="50" charset="-127"/>
                   </a:rPr>
-                  <a:t>, needed to move a unit charge between the locations.  </a:t>
+                  <a:t>, needed to move a unit charge between the locations</a:t>
+                </a:r>
+                <a:r>
+                  <a:rPr lang="en-US" altLang="ko-KR" b="1" dirty="0" smtClean="0">
+                    <a:ea typeface="굴림" panose="020B0600000101010101" pitchFamily="50" charset="-127"/>
+                  </a:rPr>
+                  <a:t>.  </a:t>
                 </a:r>
               </a:p>
               <a:p>
@@ -10432,10 +10215,16 @@
                   <a:defRPr/>
                 </a:pPr>
                 <a:r>
+                  <a:rPr lang="en-US" altLang="ko-KR" b="1" dirty="0" smtClean="0">
+                    <a:ea typeface="굴림" panose="020B0600000101010101" pitchFamily="50" charset="-127"/>
+                  </a:rPr>
+                  <a:t>Positive </a:t>
+                </a:r>
+                <a:r>
                   <a:rPr lang="en-US" altLang="ko-KR" b="1" dirty="0">
                     <a:ea typeface="굴림" panose="020B0600000101010101" pitchFamily="50" charset="-127"/>
                   </a:rPr>
-                  <a:t>Positive charge moving from a higher potential to a lower </a:t>
+                  <a:t>charge moving from a higher potential to a lower </a:t>
                 </a:r>
                 <a:r>
                   <a:rPr lang="en-US" altLang="ko-KR" b="1" dirty="0">
@@ -10483,7 +10272,7 @@
                 <a:pPr>
                   <a:defRPr/>
                 </a:pPr>
-                <a:endParaRPr lang="en-US" altLang="ko-KR" dirty="0">
+                <a:endParaRPr lang="en-US" altLang="ko-KR" dirty="0" smtClean="0">
                   <a:ea typeface="굴림" pitchFamily="50" charset="-127"/>
                 </a:endParaRPr>
               </a:p>
@@ -10491,7 +10280,7 @@
                 <a:pPr>
                   <a:defRPr/>
                 </a:pPr>
-                <a:endParaRPr lang="en-US" altLang="ko-KR" dirty="0">
+                <a:endParaRPr lang="en-US" altLang="ko-KR" dirty="0" smtClean="0">
                   <a:ea typeface="굴림" pitchFamily="50" charset="-127"/>
                 </a:endParaRPr>
               </a:p>
@@ -10499,7 +10288,7 @@
                 <a:pPr eaLnBrk="1" hangingPunct="1">
                   <a:defRPr/>
                 </a:pPr>
-                <a:endParaRPr lang="en-US" altLang="ko-KR" dirty="0">
+                <a:endParaRPr lang="en-US" altLang="ko-KR" dirty="0" smtClean="0">
                   <a:ea typeface="굴림" pitchFamily="50" charset="-127"/>
                 </a:endParaRPr>
               </a:p>
@@ -10507,7 +10296,7 @@
                 <a:pPr eaLnBrk="1" hangingPunct="1">
                   <a:defRPr/>
                 </a:pPr>
-                <a:endParaRPr lang="en-US" altLang="ko-KR" sz="1600" dirty="0">
+                <a:endParaRPr lang="en-US" altLang="ko-KR" sz="1600" dirty="0" smtClean="0">
                   <a:ea typeface="굴림" pitchFamily="50" charset="-127"/>
                 </a:endParaRPr>
               </a:p>
@@ -10515,7 +10304,7 @@
                 <a:pPr>
                   <a:defRPr/>
                 </a:pPr>
-                <a:endParaRPr lang="en-US" altLang="ko-KR" dirty="0"/>
+                <a:endParaRPr lang="en-US" altLang="ko-KR" dirty="0" smtClean="0"/>
               </a:p>
             </p:txBody>
           </p:sp>
@@ -10563,18 +10352,14 @@
   <p:clrMapOvr>
     <a:masterClrMapping/>
   </p:clrMapOvr>
-  <mc:AlternateContent xmlns:mc="http://schemas.openxmlformats.org/markup-compatibility/2006">
-    <mc:Choice xmlns:p159="http://schemas.microsoft.com/office/powerpoint/2015/09/main" Requires="p159">
-      <p:transition spd="slow">
-        <p159:morph option="byChar"/>
-      </p:transition>
-    </mc:Choice>
-    <mc:Fallback>
-      <p:transition spd="slow">
-        <p:fade/>
-      </p:transition>
-    </mc:Fallback>
-  </mc:AlternateContent>
+  <p:transition spd="med"/>
+  <p:timing>
+    <p:tnLst>
+      <p:par>
+        <p:cTn id="1" dur="indefinite" restart="never" nodeType="tmRoot"/>
+      </p:par>
+    </p:tnLst>
+  </p:timing>
 </p:sld>
 </file>
 
@@ -10611,12 +10396,12 @@
           <a:lstStyle/>
           <a:p>
             <a:r>
-              <a:rPr lang="en-US" altLang="ko-KR" sz="2400">
+              <a:rPr lang="en-US" altLang="ko-KR" sz="2400" smtClean="0">
                 <a:ea typeface="굴림" panose="020B0600000101010101" pitchFamily="50" charset="-127"/>
               </a:rPr>
               <a:t>Voltage</a:t>
             </a:r>
-            <a:endParaRPr lang="ko-KR" altLang="en-US"/>
+            <a:endParaRPr lang="ko-KR" altLang="en-US" smtClean="0"/>
           </a:p>
         </p:txBody>
       </p:sp>
@@ -10652,7 +10437,7 @@
               <a:defRPr/>
             </a:pPr>
             <a:r>
-              <a:rPr lang="en-US" altLang="ko-KR" sz="3200" b="1" dirty="0">
+              <a:rPr lang="en-US" altLang="ko-KR" sz="3200" b="1" dirty="0" smtClean="0">
                 <a:solidFill>
                   <a:srgbClr val="0070C0"/>
                 </a:solidFill>
@@ -10660,7 +10445,7 @@
               </a:rPr>
               <a:t>Voltage description</a:t>
             </a:r>
-            <a:endParaRPr lang="en-US" altLang="ko-KR" sz="1200" b="1" dirty="0">
+            <a:endParaRPr lang="en-US" altLang="ko-KR" sz="1200" b="1" dirty="0" smtClean="0">
               <a:solidFill>
                 <a:srgbClr val="0070C0"/>
               </a:solidFill>
@@ -10672,7 +10457,7 @@
               <a:defRPr/>
             </a:pPr>
             <a:r>
-              <a:rPr lang="en-US" altLang="ko-KR" b="1" dirty="0">
+              <a:rPr lang="en-US" altLang="ko-KR" b="1" dirty="0" smtClean="0">
                 <a:ea typeface="굴림" pitchFamily="50" charset="-127"/>
               </a:rPr>
               <a:t>Voltage is always expressed with reference to two locations.</a:t>
@@ -10683,7 +10468,7 @@
               <a:defRPr/>
             </a:pPr>
             <a:r>
-              <a:rPr lang="en-US" altLang="ko-KR" b="1" dirty="0">
+              <a:rPr lang="en-US" altLang="ko-KR" b="1" dirty="0" smtClean="0">
                 <a:ea typeface="굴림" pitchFamily="50" charset="-127"/>
               </a:rPr>
               <a:t>We need to know which point is at the higher potential.</a:t>
@@ -10693,7 +10478,7 @@
             <a:pPr>
               <a:defRPr/>
             </a:pPr>
-            <a:endParaRPr lang="en-US" altLang="ko-KR" dirty="0">
+            <a:endParaRPr lang="en-US" altLang="ko-KR" dirty="0" smtClean="0">
               <a:ea typeface="굴림" pitchFamily="50" charset="-127"/>
             </a:endParaRPr>
           </a:p>
@@ -10701,7 +10486,7 @@
             <a:pPr>
               <a:defRPr/>
             </a:pPr>
-            <a:endParaRPr lang="en-US" altLang="ko-KR" dirty="0">
+            <a:endParaRPr lang="en-US" altLang="ko-KR" dirty="0" smtClean="0">
               <a:ea typeface="굴림" pitchFamily="50" charset="-127"/>
             </a:endParaRPr>
           </a:p>
@@ -10709,7 +10494,7 @@
             <a:pPr eaLnBrk="1" hangingPunct="1">
               <a:defRPr/>
             </a:pPr>
-            <a:endParaRPr lang="en-US" altLang="ko-KR" dirty="0">
+            <a:endParaRPr lang="en-US" altLang="ko-KR" dirty="0" smtClean="0">
               <a:ea typeface="굴림" pitchFamily="50" charset="-127"/>
             </a:endParaRPr>
           </a:p>
@@ -10717,7 +10502,7 @@
             <a:pPr eaLnBrk="1" hangingPunct="1">
               <a:defRPr/>
             </a:pPr>
-            <a:endParaRPr lang="en-US" altLang="ko-KR" sz="1600" dirty="0">
+            <a:endParaRPr lang="en-US" altLang="ko-KR" sz="1600" dirty="0" smtClean="0">
               <a:ea typeface="굴림" pitchFamily="50" charset="-127"/>
             </a:endParaRPr>
           </a:p>
@@ -10725,7 +10510,7 @@
             <a:pPr>
               <a:defRPr/>
             </a:pPr>
-            <a:endParaRPr lang="en-US" altLang="ko-KR" dirty="0"/>
+            <a:endParaRPr lang="en-US" altLang="ko-KR" dirty="0" smtClean="0"/>
           </a:p>
         </p:txBody>
       </p:sp>
@@ -10769,18 +10554,14 @@
   <p:clrMapOvr>
     <a:masterClrMapping/>
   </p:clrMapOvr>
-  <mc:AlternateContent xmlns:mc="http://schemas.openxmlformats.org/markup-compatibility/2006">
-    <mc:Choice xmlns:p159="http://schemas.microsoft.com/office/powerpoint/2015/09/main" Requires="p159">
-      <p:transition spd="slow">
-        <p159:morph option="byChar"/>
-      </p:transition>
-    </mc:Choice>
-    <mc:Fallback>
-      <p:transition spd="slow">
-        <p:fade/>
-      </p:transition>
-    </mc:Fallback>
-  </mc:AlternateContent>
+  <p:transition spd="med"/>
+  <p:timing>
+    <p:tnLst>
+      <p:par>
+        <p:cTn id="1" dur="indefinite" restart="never" nodeType="tmRoot"/>
+      </p:par>
+    </p:tnLst>
+  </p:timing>
 </p:sld>
 </file>
 
@@ -10817,12 +10598,12 @@
           <a:lstStyle/>
           <a:p>
             <a:r>
-              <a:rPr lang="en-US" altLang="ko-KR" sz="2400">
+              <a:rPr lang="en-US" altLang="ko-KR" sz="2400" smtClean="0">
                 <a:ea typeface="굴림" panose="020B0600000101010101" pitchFamily="50" charset="-127"/>
               </a:rPr>
               <a:t>Power and Energy</a:t>
             </a:r>
-            <a:endParaRPr lang="ko-KR" altLang="en-US" sz="2400"/>
+            <a:endParaRPr lang="ko-KR" altLang="en-US" sz="2400" smtClean="0"/>
           </a:p>
         </p:txBody>
       </p:sp>
@@ -10854,7 +10635,7 @@
                   <a:defRPr/>
                 </a:pPr>
                 <a:r>
-                  <a:rPr lang="en-US" altLang="ko-KR" sz="3200" b="1" dirty="0">
+                  <a:rPr lang="en-US" altLang="ko-KR" sz="3200" b="1" dirty="0" smtClean="0">
                     <a:solidFill>
                       <a:srgbClr val="0070C0"/>
                     </a:solidFill>
@@ -10862,7 +10643,7 @@
                   </a:rPr>
                   <a:t>Power and Energy</a:t>
                 </a:r>
-                <a:endParaRPr lang="en-US" altLang="ko-KR" sz="2000" b="1" dirty="0">
+                <a:endParaRPr lang="en-US" altLang="ko-KR" sz="2000" b="1" dirty="0" smtClean="0">
                   <a:solidFill>
                     <a:srgbClr val="0070C0"/>
                   </a:solidFill>
@@ -10874,7 +10655,7 @@
                   <a:defRPr/>
                 </a:pPr>
                 <a:r>
-                  <a:rPr lang="en-US" altLang="ko-KR" b="1" dirty="0">
+                  <a:rPr lang="en-US" altLang="ko-KR" b="1" dirty="0" smtClean="0">
                     <a:solidFill>
                       <a:srgbClr val="A50021"/>
                     </a:solidFill>
@@ -10883,7 +10664,7 @@
                   <a:t>Power, </a:t>
                 </a:r>
                 <a:r>
-                  <a:rPr lang="en-US" altLang="ko-KR" b="1" i="1" dirty="0">
+                  <a:rPr lang="en-US" altLang="ko-KR" b="1" i="1" dirty="0" smtClean="0">
                     <a:solidFill>
                       <a:srgbClr val="A50021"/>
                     </a:solidFill>
@@ -10893,7 +10674,7 @@
                   <a:t>p</a:t>
                 </a:r>
                 <a:r>
-                  <a:rPr lang="en-US" altLang="ko-KR" b="1" dirty="0">
+                  <a:rPr lang="en-US" altLang="ko-KR" b="1" dirty="0" smtClean="0">
                     <a:ea typeface="굴림" pitchFamily="50" charset="-127"/>
                   </a:rPr>
                   <a:t>, is the time rate of energy. </a:t>
@@ -10986,7 +10767,7 @@
                     </m:oMath>
                   </m:oMathPara>
                 </a14:m>
-                <a:endParaRPr lang="en-US" altLang="ko-KR" b="1" dirty="0">
+                <a:endParaRPr lang="en-US" altLang="ko-KR" b="1" dirty="0" smtClean="0">
                   <a:ea typeface="굴림" pitchFamily="50" charset="-127"/>
                 </a:endParaRPr>
               </a:p>
@@ -10995,7 +10776,7 @@
                   <a:defRPr/>
                 </a:pPr>
                 <a:r>
-                  <a:rPr lang="en-US" altLang="ko-KR" b="1" dirty="0">
+                  <a:rPr lang="en-US" altLang="ko-KR" b="1" dirty="0" smtClean="0">
                     <a:ea typeface="굴림" pitchFamily="50" charset="-127"/>
                   </a:rPr>
                   <a:t>The relationship among voltage, current, and power</a:t>
@@ -11302,7 +11083,7 @@
                     </m:oMath>
                   </m:oMathPara>
                 </a14:m>
-                <a:endParaRPr lang="en-US" altLang="ko-KR" b="1" dirty="0">
+                <a:endParaRPr lang="en-US" altLang="ko-KR" b="1" dirty="0" smtClean="0">
                   <a:ea typeface="굴림" pitchFamily="50" charset="-127"/>
                 </a:endParaRPr>
               </a:p>
@@ -11311,7 +11092,7 @@
                   <a:defRPr/>
                 </a:pPr>
                 <a:r>
-                  <a:rPr lang="en-US" altLang="ko-KR" b="1" dirty="0">
+                  <a:rPr lang="en-US" altLang="ko-KR" b="1" dirty="0" smtClean="0">
                     <a:ea typeface="굴림" pitchFamily="50" charset="-127"/>
                   </a:rPr>
                   <a:t>Thus, power is the product of voltage and current</a:t>
@@ -11322,13 +11103,13 @@
                   <a:defRPr/>
                 </a:pPr>
                 <a:r>
-                  <a:rPr lang="en-US" altLang="ko-KR" b="1" dirty="0">
+                  <a:rPr lang="en-US" altLang="ko-KR" b="1" dirty="0" smtClean="0">
                     <a:ea typeface="굴림" pitchFamily="50" charset="-127"/>
                   </a:rPr>
                   <a:t>The </a:t>
                 </a:r>
                 <a:r>
-                  <a:rPr lang="en-US" altLang="ko-KR" b="1" dirty="0">
+                  <a:rPr lang="en-US" altLang="ko-KR" b="1" dirty="0" smtClean="0">
                     <a:solidFill>
                       <a:srgbClr val="A50021"/>
                     </a:solidFill>
@@ -11337,7 +11118,7 @@
                   <a:t>change in energy </a:t>
                 </a:r>
                 <a:r>
-                  <a:rPr lang="en-US" altLang="ko-KR" b="1" dirty="0">
+                  <a:rPr lang="en-US" altLang="ko-KR" b="1" dirty="0" smtClean="0">
                     <a:ea typeface="굴림" pitchFamily="50" charset="-127"/>
                   </a:rPr>
                   <a:t>from time </a:t>
@@ -11375,7 +11156,7 @@
                   </m:oMath>
                 </a14:m>
                 <a:r>
-                  <a:rPr lang="en-US" altLang="ko-KR" b="1" dirty="0">
+                  <a:rPr lang="en-US" altLang="ko-KR" b="1" dirty="0" smtClean="0">
                     <a:ea typeface="굴림" pitchFamily="50" charset="-127"/>
                   </a:rPr>
                   <a:t> to </a:t>
@@ -11420,12 +11201,12 @@
                   </m:oMath>
                 </a14:m>
                 <a:r>
-                  <a:rPr lang="en-US" altLang="ko-KR" b="1" dirty="0">
+                  <a:rPr lang="en-US" altLang="ko-KR" b="1" dirty="0" smtClean="0">
                     <a:ea typeface="굴림" pitchFamily="50" charset="-127"/>
                   </a:rPr>
                   <a:t> is </a:t>
                 </a:r>
-                <a:endParaRPr lang="en-US" altLang="ko-KR" b="1" i="1" dirty="0">
+                <a:endParaRPr lang="en-US" altLang="ko-KR" b="1" i="1" dirty="0" smtClean="0">
                   <a:latin typeface="Cambria Math" panose="02040503050406030204" pitchFamily="18" charset="0"/>
                   <a:ea typeface="굴림" pitchFamily="50" charset="-127"/>
                 </a:endParaRPr>
@@ -11720,7 +11501,7 @@
                     </m:oMath>
                   </m:oMathPara>
                 </a14:m>
-                <a:endParaRPr lang="en-US" altLang="ko-KR" b="1" dirty="0">
+                <a:endParaRPr lang="en-US" altLang="ko-KR" b="1" dirty="0" smtClean="0">
                   <a:ea typeface="굴림" pitchFamily="50" charset="-127"/>
                 </a:endParaRPr>
               </a:p>
@@ -11729,7 +11510,7 @@
                   <a:defRPr/>
                 </a:pPr>
                 <a:r>
-                  <a:rPr lang="en-US" altLang="ko-KR" b="1" dirty="0">
+                  <a:rPr lang="en-US" altLang="ko-KR" b="1" dirty="0" smtClean="0">
                     <a:ea typeface="굴림" pitchFamily="50" charset="-127"/>
                   </a:rPr>
                   <a:t>It is measured in Watts (W).</a:t>
@@ -11739,7 +11520,7 @@
                 <a:pPr>
                   <a:defRPr/>
                 </a:pPr>
-                <a:endParaRPr lang="en-US" altLang="ko-KR" dirty="0">
+                <a:endParaRPr lang="en-US" altLang="ko-KR" dirty="0" smtClean="0">
                   <a:ea typeface="굴림" pitchFamily="50" charset="-127"/>
                 </a:endParaRPr>
               </a:p>
@@ -11747,7 +11528,7 @@
                 <a:pPr eaLnBrk="1" hangingPunct="1">
                   <a:defRPr/>
                 </a:pPr>
-                <a:endParaRPr lang="en-US" altLang="ko-KR" dirty="0">
+                <a:endParaRPr lang="en-US" altLang="ko-KR" dirty="0" smtClean="0">
                   <a:ea typeface="굴림" pitchFamily="50" charset="-127"/>
                 </a:endParaRPr>
               </a:p>
@@ -11755,7 +11536,7 @@
                 <a:pPr eaLnBrk="1" hangingPunct="1">
                   <a:defRPr/>
                 </a:pPr>
-                <a:endParaRPr lang="en-US" altLang="ko-KR" sz="1600" dirty="0">
+                <a:endParaRPr lang="en-US" altLang="ko-KR" sz="1600" dirty="0" smtClean="0">
                   <a:ea typeface="굴림" pitchFamily="50" charset="-127"/>
                 </a:endParaRPr>
               </a:p>
@@ -11763,7 +11544,7 @@
                 <a:pPr>
                   <a:defRPr/>
                 </a:pPr>
-                <a:endParaRPr lang="en-US" altLang="ko-KR" dirty="0"/>
+                <a:endParaRPr lang="en-US" altLang="ko-KR" dirty="0" smtClean="0"/>
               </a:p>
             </p:txBody>
           </p:sp>
@@ -11811,18 +11592,14 @@
   <p:clrMapOvr>
     <a:masterClrMapping/>
   </p:clrMapOvr>
-  <mc:AlternateContent xmlns:mc="http://schemas.openxmlformats.org/markup-compatibility/2006">
-    <mc:Choice xmlns:p159="http://schemas.microsoft.com/office/powerpoint/2015/09/main" Requires="p159">
-      <p:transition spd="slow">
-        <p159:morph option="byChar"/>
-      </p:transition>
-    </mc:Choice>
-    <mc:Fallback>
-      <p:transition spd="slow">
-        <p:fade/>
-      </p:transition>
-    </mc:Fallback>
-  </mc:AlternateContent>
+  <p:transition spd="med"/>
+  <p:timing>
+    <p:tnLst>
+      <p:par>
+        <p:cTn id="1" dur="indefinite" restart="never" nodeType="tmRoot"/>
+      </p:par>
+    </p:tnLst>
+  </p:timing>
 </p:sld>
 </file>
 
@@ -11859,12 +11636,12 @@
           <a:lstStyle/>
           <a:p>
             <a:r>
-              <a:rPr lang="en-US" altLang="ko-KR">
+              <a:rPr lang="en-US" altLang="ko-KR" smtClean="0">
                 <a:ea typeface="굴림" panose="020B0600000101010101" pitchFamily="50" charset="-127"/>
               </a:rPr>
               <a:t>Passive Sign Convention</a:t>
             </a:r>
-            <a:endParaRPr lang="ko-KR" altLang="en-US"/>
+            <a:endParaRPr lang="ko-KR" altLang="en-US" smtClean="0"/>
           </a:p>
         </p:txBody>
       </p:sp>
@@ -11894,7 +11671,7 @@
               <a:defRPr/>
             </a:pPr>
             <a:r>
-              <a:rPr lang="en-US" altLang="ko-KR" sz="3200" b="1" dirty="0">
+              <a:rPr lang="en-US" altLang="ko-KR" sz="3200" b="1" dirty="0" smtClean="0">
                 <a:solidFill>
                   <a:srgbClr val="0070C0"/>
                 </a:solidFill>
@@ -11902,7 +11679,7 @@
               </a:rPr>
               <a:t>Passive Sign Convention</a:t>
             </a:r>
-            <a:endParaRPr lang="en-US" altLang="ko-KR" sz="2000" b="1" dirty="0">
+            <a:endParaRPr lang="en-US" altLang="ko-KR" sz="2000" b="1" dirty="0" smtClean="0">
               <a:solidFill>
                 <a:srgbClr val="0070C0"/>
               </a:solidFill>
@@ -11914,7 +11691,7 @@
               <a:defRPr/>
             </a:pPr>
             <a:r>
-              <a:rPr lang="en-US" altLang="ko-KR" b="1" dirty="0">
+              <a:rPr lang="en-US" altLang="ko-KR" b="1" dirty="0" smtClean="0">
                 <a:solidFill>
                   <a:srgbClr val="A50021"/>
                 </a:solidFill>
@@ -11923,7 +11700,7 @@
               <a:t>By convention</a:t>
             </a:r>
             <a:r>
-              <a:rPr lang="en-US" altLang="ko-KR" b="1" dirty="0">
+              <a:rPr lang="en-US" altLang="ko-KR" b="1" dirty="0" smtClean="0">
                 <a:ea typeface="굴림" pitchFamily="50" charset="-127"/>
               </a:rPr>
               <a:t>, we say that an element being absorbed power has positive power.</a:t>
@@ -11934,7 +11711,7 @@
               <a:defRPr/>
             </a:pPr>
             <a:r>
-              <a:rPr lang="en-US" altLang="ko-KR" b="1" dirty="0">
+              <a:rPr lang="en-US" altLang="ko-KR" b="1" dirty="0" smtClean="0">
                 <a:ea typeface="굴림" pitchFamily="50" charset="-127"/>
               </a:rPr>
               <a:t>A power source, such as a battery has negative power.</a:t>
@@ -11945,7 +11722,7 @@
               <a:defRPr/>
             </a:pPr>
             <a:r>
-              <a:rPr lang="en-US" altLang="ko-KR" b="1" dirty="0">
+              <a:rPr lang="en-US" altLang="ko-KR" b="1" dirty="0" smtClean="0">
                 <a:solidFill>
                   <a:srgbClr val="A50021"/>
                 </a:solidFill>
@@ -11954,7 +11731,7 @@
               <a:t>Passive sign convention </a:t>
             </a:r>
             <a:r>
-              <a:rPr lang="en-US" altLang="ko-KR" b="1" dirty="0">
+              <a:rPr lang="en-US" altLang="ko-KR" b="1" dirty="0" smtClean="0">
                 <a:ea typeface="굴림" pitchFamily="50" charset="-127"/>
               </a:rPr>
               <a:t>is satisfied if the direction of current is selected such that current enters through the terminal that is more positively biased.</a:t>
@@ -11964,7 +11741,7 @@
             <a:pPr eaLnBrk="1" hangingPunct="1">
               <a:defRPr/>
             </a:pPr>
-            <a:endParaRPr lang="en-US" altLang="ko-KR" sz="1600" dirty="0">
+            <a:endParaRPr lang="en-US" altLang="ko-KR" sz="1600" dirty="0" smtClean="0">
               <a:ea typeface="굴림" pitchFamily="50" charset="-127"/>
             </a:endParaRPr>
           </a:p>
@@ -11972,7 +11749,7 @@
             <a:pPr>
               <a:defRPr/>
             </a:pPr>
-            <a:endParaRPr lang="en-US" altLang="ko-KR" dirty="0"/>
+            <a:endParaRPr lang="en-US" altLang="ko-KR" dirty="0" smtClean="0"/>
           </a:p>
         </p:txBody>
       </p:sp>
@@ -12005,18 +11782,14 @@
   <p:clrMapOvr>
     <a:masterClrMapping/>
   </p:clrMapOvr>
-  <mc:AlternateContent xmlns:mc="http://schemas.openxmlformats.org/markup-compatibility/2006">
-    <mc:Choice xmlns:p159="http://schemas.microsoft.com/office/powerpoint/2015/09/main" Requires="p159">
-      <p:transition spd="slow">
-        <p159:morph option="byChar"/>
-      </p:transition>
-    </mc:Choice>
-    <mc:Fallback>
-      <p:transition spd="slow">
-        <p:fade/>
-      </p:transition>
-    </mc:Fallback>
-  </mc:AlternateContent>
+  <p:transition spd="med"/>
+  <p:timing>
+    <p:tnLst>
+      <p:par>
+        <p:cTn id="1" dur="indefinite" restart="never" nodeType="tmRoot"/>
+      </p:par>
+    </p:tnLst>
+  </p:timing>
 </p:sld>
 </file>
 
@@ -12053,12 +11826,12 @@
           <a:lstStyle/>
           <a:p>
             <a:r>
-              <a:rPr lang="en-US" altLang="ko-KR" dirty="0">
+              <a:rPr lang="en-US" altLang="ko-KR" dirty="0" smtClean="0">
                 <a:ea typeface="굴림" panose="020B0600000101010101" pitchFamily="50" charset="-127"/>
               </a:rPr>
               <a:t>Example 1.1</a:t>
             </a:r>
-            <a:endParaRPr lang="ko-KR" altLang="en-US" dirty="0"/>
+            <a:endParaRPr lang="ko-KR" altLang="en-US" dirty="0" smtClean="0"/>
           </a:p>
         </p:txBody>
       </p:sp>
@@ -12088,7 +11861,7 @@
               <a:defRPr/>
             </a:pPr>
             <a:r>
-              <a:rPr lang="en-US" altLang="ko-KR" sz="3200" b="1" dirty="0">
+              <a:rPr lang="en-US" altLang="ko-KR" sz="3200" b="1" dirty="0" smtClean="0">
                 <a:solidFill>
                   <a:srgbClr val="0070C0"/>
                 </a:solidFill>
@@ -12096,7 +11869,7 @@
               </a:rPr>
               <a:t>Example 1.1</a:t>
             </a:r>
-            <a:endParaRPr lang="en-US" altLang="ko-KR" sz="2000" b="1" dirty="0">
+            <a:endParaRPr lang="en-US" altLang="ko-KR" sz="2000" b="1" dirty="0" smtClean="0">
               <a:solidFill>
                 <a:srgbClr val="0070C0"/>
               </a:solidFill>
@@ -12108,31 +11881,31 @@
               <a:defRPr/>
             </a:pPr>
             <a:r>
-              <a:rPr lang="en-US" altLang="ko-KR" b="1" dirty="0">
+              <a:rPr lang="en-US" altLang="ko-KR" b="1" dirty="0" smtClean="0">
                 <a:ea typeface="굴림" pitchFamily="50" charset="-127"/>
               </a:rPr>
               <a:t>Let us determine if the elements E</a:t>
             </a:r>
             <a:r>
-              <a:rPr lang="en-US" altLang="ko-KR" b="1" baseline="-25000" dirty="0">
+              <a:rPr lang="en-US" altLang="ko-KR" b="1" baseline="-25000" dirty="0" smtClean="0">
                 <a:ea typeface="굴림" pitchFamily="50" charset="-127"/>
               </a:rPr>
               <a:t>1</a:t>
             </a:r>
             <a:r>
-              <a:rPr lang="en-US" altLang="ko-KR" b="1" dirty="0">
+              <a:rPr lang="en-US" altLang="ko-KR" b="1" dirty="0" smtClean="0">
                 <a:ea typeface="굴림" pitchFamily="50" charset="-127"/>
               </a:rPr>
               <a:t> and E</a:t>
             </a:r>
             <a:r>
-              <a:rPr lang="en-US" altLang="ko-KR" b="1" baseline="-25000" dirty="0">
+              <a:rPr lang="en-US" altLang="ko-KR" b="1" baseline="-25000" dirty="0" smtClean="0">
                 <a:ea typeface="굴림" pitchFamily="50" charset="-127"/>
               </a:rPr>
               <a:t>2</a:t>
             </a:r>
             <a:r>
-              <a:rPr lang="en-US" altLang="ko-KR" b="1" dirty="0">
+              <a:rPr lang="en-US" altLang="ko-KR" b="1" dirty="0" smtClean="0">
                 <a:ea typeface="굴림" pitchFamily="50" charset="-127"/>
               </a:rPr>
               <a:t> in Fig.1.5 and 1.6, respectively, are absorbing or supplying power and how much.</a:t>
@@ -12150,7 +11923,7 @@
             <a:pPr>
               <a:defRPr/>
             </a:pPr>
-            <a:endParaRPr lang="en-US" altLang="ko-KR" b="1" dirty="0">
+            <a:endParaRPr lang="en-US" altLang="ko-KR" b="1" dirty="0" smtClean="0">
               <a:ea typeface="굴림" pitchFamily="50" charset="-127"/>
             </a:endParaRPr>
           </a:p>
@@ -12166,7 +11939,7 @@
             <a:pPr>
               <a:defRPr/>
             </a:pPr>
-            <a:endParaRPr lang="en-US" altLang="ko-KR" sz="2800" b="1" dirty="0">
+            <a:endParaRPr lang="en-US" altLang="ko-KR" sz="2800" b="1" dirty="0" smtClean="0">
               <a:ea typeface="굴림" pitchFamily="50" charset="-127"/>
             </a:endParaRPr>
           </a:p>
@@ -12182,7 +11955,7 @@
             <a:pPr>
               <a:defRPr/>
             </a:pPr>
-            <a:endParaRPr lang="en-US" altLang="ko-KR" sz="2800" b="1" dirty="0">
+            <a:endParaRPr lang="en-US" altLang="ko-KR" sz="2800" b="1" dirty="0" smtClean="0">
               <a:ea typeface="굴림" pitchFamily="50" charset="-127"/>
             </a:endParaRPr>
           </a:p>
@@ -12192,13 +11965,13 @@
               <a:defRPr/>
             </a:pPr>
             <a:r>
-              <a:rPr lang="en-US" altLang="ko-KR" b="1" dirty="0">
+              <a:rPr lang="en-US" altLang="ko-KR" b="1" dirty="0" smtClean="0">
                 <a:ea typeface="굴림" pitchFamily="50" charset="-127"/>
               </a:rPr>
               <a:t>         </a:t>
             </a:r>
             <a:r>
-              <a:rPr lang="en-US" altLang="ko-KR" b="1" dirty="0">
+              <a:rPr lang="en-US" altLang="ko-KR" b="1" dirty="0" smtClean="0">
                 <a:latin typeface="+mn-lt"/>
                 <a:ea typeface="굴림" pitchFamily="50" charset="-127"/>
               </a:rPr>
@@ -12209,7 +11982,7 @@
             <a:pPr>
               <a:defRPr/>
             </a:pPr>
-            <a:endParaRPr lang="en-US" altLang="ko-KR" dirty="0"/>
+            <a:endParaRPr lang="en-US" altLang="ko-KR" dirty="0" smtClean="0"/>
           </a:p>
         </p:txBody>
       </p:sp>
@@ -12283,18 +12056,14 @@
   <p:clrMapOvr>
     <a:masterClrMapping/>
   </p:clrMapOvr>
-  <mc:AlternateContent xmlns:mc="http://schemas.openxmlformats.org/markup-compatibility/2006">
-    <mc:Choice xmlns:p159="http://schemas.microsoft.com/office/powerpoint/2015/09/main" Requires="p159">
-      <p:transition spd="slow">
-        <p159:morph option="byChar"/>
-      </p:transition>
-    </mc:Choice>
-    <mc:Fallback>
-      <p:transition spd="slow">
-        <p:fade/>
-      </p:transition>
-    </mc:Fallback>
-  </mc:AlternateContent>
+  <p:transition spd="med"/>
+  <p:timing>
+    <p:tnLst>
+      <p:par>
+        <p:cTn id="1" dur="indefinite" restart="never" nodeType="tmRoot"/>
+      </p:par>
+    </p:tnLst>
+  </p:timing>
 </p:sld>
 </file>
 
@@ -12331,12 +12100,12 @@
           <a:lstStyle/>
           <a:p>
             <a:r>
-              <a:rPr lang="en-US" altLang="ko-KR" sz="2400" dirty="0">
+              <a:rPr lang="en-US" altLang="ko-KR" sz="2400" dirty="0" smtClean="0">
                 <a:ea typeface="굴림" panose="020B0600000101010101" pitchFamily="50" charset="-127"/>
               </a:rPr>
               <a:t>Circuit Elements</a:t>
             </a:r>
-            <a:endParaRPr lang="ko-KR" altLang="en-US" sz="2400" dirty="0"/>
+            <a:endParaRPr lang="ko-KR" altLang="en-US" sz="2400" dirty="0" smtClean="0"/>
           </a:p>
         </p:txBody>
       </p:sp>
@@ -12372,14 +12141,23 @@
                 </a:solidFill>
                 <a:ea typeface="굴림" pitchFamily="50" charset="-127"/>
               </a:rPr>
-              <a:t>Circuit Elements</a:t>
+              <a:t>C</a:t>
+            </a:r>
+            <a:r>
+              <a:rPr lang="en-US" altLang="ko-KR" sz="3200" b="1" dirty="0" smtClean="0">
+                <a:solidFill>
+                  <a:srgbClr val="0070C0"/>
+                </a:solidFill>
+                <a:ea typeface="굴림" pitchFamily="50" charset="-127"/>
+              </a:rPr>
+              <a:t>ircuit Elements</a:t>
             </a:r>
           </a:p>
           <a:p>
             <a:pPr>
               <a:defRPr/>
             </a:pPr>
-            <a:endParaRPr lang="en-US" altLang="ko-KR" dirty="0">
+            <a:endParaRPr lang="en-US" altLang="ko-KR" dirty="0" smtClean="0">
               <a:solidFill>
                 <a:srgbClr val="0070C0"/>
               </a:solidFill>
@@ -12402,72 +12180,90 @@
               <a:defRPr/>
             </a:pPr>
             <a:r>
+              <a:rPr lang="en-US" altLang="ko-KR" b="1" dirty="0" smtClean="0">
+                <a:ea typeface="굴림" panose="020B0600000101010101" pitchFamily="50" charset="-127"/>
+              </a:rPr>
+              <a:t>Active</a:t>
+            </a:r>
+            <a:endParaRPr lang="en-US" altLang="ko-KR" b="1" dirty="0">
+              <a:ea typeface="굴림" panose="020B0600000101010101" pitchFamily="50" charset="-127"/>
+            </a:endParaRPr>
+          </a:p>
+          <a:p>
+            <a:pPr lvl="1">
+              <a:defRPr/>
+            </a:pPr>
+            <a:r>
+              <a:rPr lang="en-US" altLang="ko-KR" b="1" dirty="0" smtClean="0">
+                <a:ea typeface="굴림" panose="020B0600000101010101" pitchFamily="50" charset="-127"/>
+              </a:rPr>
+              <a:t>Passive</a:t>
+            </a:r>
+            <a:endParaRPr lang="en-US" altLang="ko-KR" b="1" dirty="0">
+              <a:ea typeface="굴림" panose="020B0600000101010101" pitchFamily="50" charset="-127"/>
+            </a:endParaRPr>
+          </a:p>
+          <a:p>
+            <a:pPr>
+              <a:defRPr/>
+            </a:pPr>
+            <a:r>
               <a:rPr lang="en-US" altLang="ko-KR" b="1" dirty="0">
                 <a:ea typeface="굴림" panose="020B0600000101010101" pitchFamily="50" charset="-127"/>
               </a:rPr>
-              <a:t>Active</a:t>
-            </a:r>
-          </a:p>
-          <a:p>
-            <a:pPr lvl="1">
-              <a:defRPr/>
-            </a:pPr>
+              <a:t>Active elements can </a:t>
+            </a:r>
+            <a:r>
+              <a:rPr lang="en-US" altLang="ko-KR" b="1" dirty="0" smtClean="0">
+                <a:ea typeface="굴림" panose="020B0600000101010101" pitchFamily="50" charset="-127"/>
+              </a:rPr>
+              <a:t>generate </a:t>
+            </a:r>
             <a:r>
               <a:rPr lang="en-US" altLang="ko-KR" b="1" dirty="0">
                 <a:ea typeface="굴림" panose="020B0600000101010101" pitchFamily="50" charset="-127"/>
               </a:rPr>
-              <a:t>Passive</a:t>
+              <a:t>energy</a:t>
+            </a:r>
+          </a:p>
+          <a:p>
+            <a:pPr lvl="1">
+              <a:defRPr/>
+            </a:pPr>
+            <a:r>
+              <a:rPr lang="en-US" altLang="ko-KR" b="1" dirty="0" smtClean="0">
+                <a:ea typeface="굴림" panose="020B0600000101010101" pitchFamily="50" charset="-127"/>
+              </a:rPr>
+              <a:t>Generators</a:t>
+            </a:r>
+          </a:p>
+          <a:p>
+            <a:pPr lvl="1">
+              <a:defRPr/>
+            </a:pPr>
+            <a:r>
+              <a:rPr lang="en-US" altLang="ko-KR" b="1" dirty="0" smtClean="0">
+                <a:ea typeface="굴림" panose="020B0600000101010101" pitchFamily="50" charset="-127"/>
+              </a:rPr>
+              <a:t>Batteries</a:t>
+            </a:r>
+          </a:p>
+          <a:p>
+            <a:pPr lvl="1">
+              <a:defRPr/>
+            </a:pPr>
+            <a:r>
+              <a:rPr lang="en-US" altLang="ko-KR" b="1" dirty="0" smtClean="0">
+                <a:ea typeface="굴림" panose="020B0600000101010101" pitchFamily="50" charset="-127"/>
+              </a:rPr>
+              <a:t>Operational Amplifiers</a:t>
             </a:r>
           </a:p>
           <a:p>
             <a:pPr>
               <a:defRPr/>
             </a:pPr>
-            <a:r>
-              <a:rPr lang="en-US" altLang="ko-KR" b="1" dirty="0">
-                <a:ea typeface="굴림" panose="020B0600000101010101" pitchFamily="50" charset="-127"/>
-              </a:rPr>
-              <a:t>Active elements can generate energy</a:t>
-            </a:r>
-          </a:p>
-          <a:p>
-            <a:pPr lvl="1">
-              <a:defRPr/>
-            </a:pPr>
-            <a:r>
-              <a:rPr lang="en-US" altLang="ko-KR" b="1" dirty="0">
-                <a:ea typeface="굴림" panose="020B0600000101010101" pitchFamily="50" charset="-127"/>
-              </a:rPr>
-              <a:t>Generators</a:t>
-            </a:r>
-          </a:p>
-          <a:p>
-            <a:pPr lvl="1">
-              <a:defRPr/>
-            </a:pPr>
-            <a:r>
-              <a:rPr lang="en-US" altLang="ko-KR" b="1" dirty="0">
-                <a:ea typeface="굴림" panose="020B0600000101010101" pitchFamily="50" charset="-127"/>
-              </a:rPr>
-              <a:t>Batteries</a:t>
-            </a:r>
-          </a:p>
-          <a:p>
-            <a:pPr lvl="1">
-              <a:defRPr/>
-            </a:pPr>
-            <a:r>
-              <a:rPr lang="en-US" altLang="ko-KR" b="1" dirty="0">
-                <a:ea typeface="굴림" panose="020B0600000101010101" pitchFamily="50" charset="-127"/>
-              </a:rPr>
-              <a:t>Operational Amplifiers</a:t>
-            </a:r>
-          </a:p>
-          <a:p>
-            <a:pPr>
-              <a:defRPr/>
-            </a:pPr>
-            <a:endParaRPr lang="en-US" altLang="ko-KR" dirty="0">
+            <a:endParaRPr lang="en-US" altLang="ko-KR" dirty="0" smtClean="0">
               <a:ea typeface="굴림" pitchFamily="50" charset="-127"/>
             </a:endParaRPr>
           </a:p>
@@ -12475,7 +12271,7 @@
             <a:pPr eaLnBrk="1" hangingPunct="1">
               <a:defRPr/>
             </a:pPr>
-            <a:endParaRPr lang="en-US" altLang="ko-KR" dirty="0">
+            <a:endParaRPr lang="en-US" altLang="ko-KR" dirty="0" smtClean="0">
               <a:ea typeface="굴림" pitchFamily="50" charset="-127"/>
             </a:endParaRPr>
           </a:p>
@@ -12483,7 +12279,7 @@
             <a:pPr eaLnBrk="1" hangingPunct="1">
               <a:defRPr/>
             </a:pPr>
-            <a:endParaRPr lang="en-US" altLang="ko-KR" sz="1600" dirty="0">
+            <a:endParaRPr lang="en-US" altLang="ko-KR" sz="1600" dirty="0" smtClean="0">
               <a:ea typeface="굴림" pitchFamily="50" charset="-127"/>
             </a:endParaRPr>
           </a:p>
@@ -12491,7 +12287,7 @@
             <a:pPr>
               <a:defRPr/>
             </a:pPr>
-            <a:endParaRPr lang="en-US" altLang="ko-KR" dirty="0"/>
+            <a:endParaRPr lang="en-US" altLang="ko-KR" dirty="0" smtClean="0"/>
           </a:p>
         </p:txBody>
       </p:sp>
@@ -12500,18 +12296,14 @@
   <p:clrMapOvr>
     <a:masterClrMapping/>
   </p:clrMapOvr>
-  <mc:AlternateContent xmlns:mc="http://schemas.openxmlformats.org/markup-compatibility/2006">
-    <mc:Choice xmlns:p159="http://schemas.microsoft.com/office/powerpoint/2015/09/main" Requires="p159">
-      <p:transition spd="slow">
-        <p159:morph option="byChar"/>
-      </p:transition>
-    </mc:Choice>
-    <mc:Fallback>
-      <p:transition spd="slow">
-        <p:fade/>
-      </p:transition>
-    </mc:Fallback>
-  </mc:AlternateContent>
+  <p:transition spd="med"/>
+  <p:timing>
+    <p:tnLst>
+      <p:par>
+        <p:cTn id="1" dur="indefinite" restart="never" nodeType="tmRoot"/>
+      </p:par>
+    </p:tnLst>
+  </p:timing>
 </p:sld>
 </file>
 
@@ -12548,12 +12340,12 @@
           <a:lstStyle/>
           <a:p>
             <a:r>
-              <a:rPr lang="en-US" altLang="ko-KR" sz="2400">
+              <a:rPr lang="en-US" altLang="ko-KR" sz="2400" smtClean="0">
                 <a:ea typeface="굴림" panose="020B0600000101010101" pitchFamily="50" charset="-127"/>
               </a:rPr>
               <a:t>Circuit Elements</a:t>
             </a:r>
-            <a:endParaRPr lang="ko-KR" altLang="en-US" sz="2400"/>
+            <a:endParaRPr lang="ko-KR" altLang="en-US" sz="2400" smtClean="0"/>
           </a:p>
         </p:txBody>
       </p:sp>
@@ -12583,7 +12375,7 @@
               <a:defRPr/>
             </a:pPr>
             <a:r>
-              <a:rPr lang="en-US" altLang="ko-KR" sz="3200" b="1" dirty="0">
+              <a:rPr lang="en-US" altLang="ko-KR" sz="3200" b="1" dirty="0" smtClean="0">
                 <a:solidFill>
                   <a:srgbClr val="0070C0"/>
                 </a:solidFill>
@@ -12596,7 +12388,7 @@
             <a:pPr>
               <a:defRPr/>
             </a:pPr>
-            <a:endParaRPr lang="en-US" altLang="ko-KR" dirty="0">
+            <a:endParaRPr lang="en-US" altLang="ko-KR" dirty="0" smtClean="0">
               <a:ea typeface="굴림" pitchFamily="50" charset="-127"/>
             </a:endParaRPr>
           </a:p>
@@ -12616,7 +12408,7 @@
               <a:defRPr/>
             </a:pPr>
             <a:r>
-              <a:rPr lang="en-US" altLang="ko-KR" b="1" dirty="0">
+              <a:rPr lang="en-US" altLang="ko-KR" b="1" dirty="0" smtClean="0">
                 <a:ea typeface="굴림" panose="020B0600000101010101" pitchFamily="50" charset="-127"/>
               </a:rPr>
               <a:t>Resistors</a:t>
@@ -12641,10 +12433,30 @@
               <a:defRPr/>
             </a:pPr>
             <a:r>
+              <a:rPr lang="en-US" altLang="ko-KR" b="1" dirty="0" smtClean="0">
+                <a:ea typeface="굴림" panose="020B0600000101010101" pitchFamily="50" charset="-127"/>
+              </a:rPr>
+              <a:t>Capacitors</a:t>
+            </a:r>
+            <a:endParaRPr lang="en-US" altLang="ko-KR" b="1" dirty="0">
+              <a:ea typeface="굴림" panose="020B0600000101010101" pitchFamily="50" charset="-127"/>
+            </a:endParaRPr>
+          </a:p>
+          <a:p>
+            <a:pPr>
+              <a:defRPr/>
+            </a:pPr>
+            <a:r>
+              <a:rPr lang="en-US" altLang="ko-KR" b="1" dirty="0" smtClean="0">
+                <a:ea typeface="굴림" panose="020B0600000101010101" pitchFamily="50" charset="-127"/>
+              </a:rPr>
+              <a:t>But </a:t>
+            </a:r>
+            <a:r>
               <a:rPr lang="en-US" altLang="ko-KR" b="1" dirty="0">
                 <a:ea typeface="굴림" panose="020B0600000101010101" pitchFamily="50" charset="-127"/>
               </a:rPr>
-              <a:t>Capacitors</a:t>
+              <a:t>it should be noted that only the resistor dissipates energy ideally.</a:t>
             </a:r>
           </a:p>
           <a:p>
@@ -12655,20 +12467,15 @@
               <a:rPr lang="en-US" altLang="ko-KR" b="1" dirty="0">
                 <a:ea typeface="굴림" panose="020B0600000101010101" pitchFamily="50" charset="-127"/>
               </a:rPr>
-              <a:t>But it should be noted that only the resistor dissipates energy ideally.</a:t>
-            </a:r>
-          </a:p>
-          <a:p>
-            <a:pPr>
-              <a:defRPr/>
-            </a:pPr>
-            <a:r>
-              <a:rPr lang="en-US" altLang="ko-KR" b="1" dirty="0">
+              <a:t>The inductor and capacitor do not</a:t>
+            </a:r>
+            <a:r>
+              <a:rPr lang="en-US" altLang="ko-KR" b="1" dirty="0" smtClean="0">
                 <a:ea typeface="굴림" panose="020B0600000101010101" pitchFamily="50" charset="-127"/>
               </a:rPr>
-              <a:t>The inductor and capacitor do not.</a:t>
-            </a:r>
-            <a:endParaRPr lang="en-US" altLang="ko-KR" b="1" dirty="0"/>
+              <a:t>.</a:t>
+            </a:r>
+            <a:endParaRPr lang="en-US" altLang="ko-KR" b="1" dirty="0" smtClean="0"/>
           </a:p>
         </p:txBody>
       </p:sp>
@@ -12718,18 +12525,14 @@
   <p:clrMapOvr>
     <a:masterClrMapping/>
   </p:clrMapOvr>
-  <mc:AlternateContent xmlns:mc="http://schemas.openxmlformats.org/markup-compatibility/2006">
-    <mc:Choice xmlns:p159="http://schemas.microsoft.com/office/powerpoint/2015/09/main" Requires="p159">
-      <p:transition spd="slow">
-        <p159:morph option="byChar"/>
-      </p:transition>
-    </mc:Choice>
-    <mc:Fallback>
-      <p:transition spd="slow">
-        <p:fade/>
-      </p:transition>
-    </mc:Fallback>
-  </mc:AlternateContent>
+  <p:transition spd="med"/>
+  <p:timing>
+    <p:tnLst>
+      <p:par>
+        <p:cTn id="1" dur="indefinite" restart="never" nodeType="tmRoot"/>
+      </p:par>
+    </p:tnLst>
+  </p:timing>
 </p:sld>
 </file>
 
@@ -12766,12 +12569,12 @@
           <a:lstStyle/>
           <a:p>
             <a:r>
-              <a:rPr lang="en-US" altLang="ko-KR" sz="2400" dirty="0">
+              <a:rPr lang="en-US" altLang="ko-KR" sz="2400" dirty="0" smtClean="0">
                 <a:ea typeface="굴림" panose="020B0600000101010101" pitchFamily="50" charset="-127"/>
               </a:rPr>
               <a:t>Sources</a:t>
             </a:r>
-            <a:endParaRPr lang="ko-KR" altLang="en-US" sz="2400" dirty="0"/>
+            <a:endParaRPr lang="ko-KR" altLang="en-US" sz="2400" dirty="0" smtClean="0"/>
           </a:p>
         </p:txBody>
       </p:sp>
@@ -12801,7 +12604,7 @@
               <a:defRPr/>
             </a:pPr>
             <a:r>
-              <a:rPr lang="en-US" altLang="ko-KR" sz="3200" b="1" dirty="0">
+              <a:rPr lang="en-US" altLang="ko-KR" sz="3200" b="1" dirty="0" smtClean="0">
                 <a:solidFill>
                   <a:srgbClr val="0070C0"/>
                 </a:solidFill>
@@ -12815,7 +12618,7 @@
               <a:defRPr/>
             </a:pPr>
             <a:r>
-              <a:rPr lang="en-US" altLang="ko-KR" b="1" dirty="0">
+              <a:rPr lang="en-US" altLang="ko-KR" b="1" dirty="0" smtClean="0">
                 <a:ea typeface="굴림" panose="020B0600000101010101" pitchFamily="50" charset="-127"/>
               </a:rPr>
               <a:t>Ideal and nonideal</a:t>
@@ -12826,7 +12629,7 @@
               <a:defRPr/>
             </a:pPr>
             <a:r>
-              <a:rPr lang="en-US" altLang="ko-KR" b="1" dirty="0">
+              <a:rPr lang="en-US" altLang="ko-KR" b="1" dirty="0" smtClean="0">
                 <a:ea typeface="굴림" panose="020B0600000101010101" pitchFamily="50" charset="-127"/>
               </a:rPr>
               <a:t>Sources</a:t>
@@ -12837,7 +12640,7 @@
               <a:defRPr/>
             </a:pPr>
             <a:r>
-              <a:rPr lang="en-US" altLang="ko-KR" b="1" dirty="0">
+              <a:rPr lang="en-US" altLang="ko-KR" b="1" dirty="0" smtClean="0">
                 <a:ea typeface="굴림" panose="020B0600000101010101" pitchFamily="50" charset="-127"/>
               </a:rPr>
               <a:t>Voltage source</a:t>
@@ -12848,7 +12651,7 @@
               <a:defRPr/>
             </a:pPr>
             <a:r>
-              <a:rPr lang="en-US" altLang="ko-KR" b="1" dirty="0">
+              <a:rPr lang="en-US" altLang="ko-KR" b="1" dirty="0" smtClean="0">
                 <a:ea typeface="굴림" panose="020B0600000101010101" pitchFamily="50" charset="-127"/>
               </a:rPr>
               <a:t>Current source</a:t>
@@ -12859,7 +12662,7 @@
               <a:defRPr/>
             </a:pPr>
             <a:r>
-              <a:rPr lang="en-US" altLang="ko-KR" b="1" dirty="0">
+              <a:rPr lang="en-US" altLang="ko-KR" b="1" dirty="0" smtClean="0">
                 <a:ea typeface="굴림" panose="020B0600000101010101" pitchFamily="50" charset="-127"/>
               </a:rPr>
               <a:t>Types:</a:t>
@@ -12870,7 +12673,7 @@
               <a:defRPr/>
             </a:pPr>
             <a:r>
-              <a:rPr lang="en-US" altLang="ko-KR" b="1" dirty="0">
+              <a:rPr lang="en-US" altLang="ko-KR" b="1" dirty="0" smtClean="0">
                 <a:ea typeface="굴림" panose="020B0600000101010101" pitchFamily="50" charset="-127"/>
               </a:rPr>
               <a:t>Independent</a:t>
@@ -12881,7 +12684,7 @@
               <a:defRPr/>
             </a:pPr>
             <a:r>
-              <a:rPr lang="en-US" altLang="ko-KR" b="1" dirty="0">
+              <a:rPr lang="en-US" altLang="ko-KR" b="1" dirty="0" smtClean="0">
                 <a:ea typeface="굴림" panose="020B0600000101010101" pitchFamily="50" charset="-127"/>
               </a:rPr>
               <a:t>Dependent</a:t>
@@ -12899,18 +12702,14 @@
   <p:clrMapOvr>
     <a:masterClrMapping/>
   </p:clrMapOvr>
-  <mc:AlternateContent xmlns:mc="http://schemas.openxmlformats.org/markup-compatibility/2006">
-    <mc:Choice xmlns:p159="http://schemas.microsoft.com/office/powerpoint/2015/09/main" Requires="p159">
-      <p:transition spd="slow">
-        <p159:morph option="byChar"/>
-      </p:transition>
-    </mc:Choice>
-    <mc:Fallback>
-      <p:transition spd="slow">
-        <p:fade/>
-      </p:transition>
-    </mc:Fallback>
-  </mc:AlternateContent>
+  <p:transition spd="med"/>
+  <p:timing>
+    <p:tnLst>
+      <p:par>
+        <p:cTn id="1" dur="indefinite" restart="never" nodeType="tmRoot"/>
+      </p:par>
+    </p:tnLst>
+  </p:timing>
 </p:sld>
 </file>
 
@@ -12947,12 +12746,12 @@
           <a:lstStyle/>
           <a:p>
             <a:r>
-              <a:rPr lang="en-US" altLang="ko-KR" sz="2400" dirty="0">
+              <a:rPr lang="en-US" altLang="ko-KR" sz="2400" dirty="0" smtClean="0">
                 <a:ea typeface="굴림" panose="020B0600000101010101" pitchFamily="50" charset="-127"/>
               </a:rPr>
               <a:t>Ideal Voltage Source</a:t>
             </a:r>
-            <a:endParaRPr lang="ko-KR" altLang="en-US" sz="2400" dirty="0"/>
+            <a:endParaRPr lang="ko-KR" altLang="en-US" sz="2400" dirty="0" smtClean="0"/>
           </a:p>
         </p:txBody>
       </p:sp>
@@ -12982,20 +12781,35 @@
               <a:defRPr/>
             </a:pPr>
             <a:r>
+              <a:rPr lang="en-US" altLang="ko-KR" sz="3200" b="1" dirty="0" smtClean="0">
+                <a:solidFill>
+                  <a:srgbClr val="0070C0"/>
+                </a:solidFill>
+                <a:ea typeface="굴림" panose="020B0600000101010101" pitchFamily="50" charset="-127"/>
+              </a:rPr>
+              <a:t>Ideal </a:t>
+            </a:r>
+            <a:r>
               <a:rPr lang="en-US" altLang="ko-KR" sz="3200" b="1" dirty="0">
                 <a:solidFill>
                   <a:srgbClr val="0070C0"/>
                 </a:solidFill>
                 <a:ea typeface="굴림" panose="020B0600000101010101" pitchFamily="50" charset="-127"/>
               </a:rPr>
-              <a:t>Ideal Voltage Source</a:t>
-            </a:r>
+              <a:t>Voltage Source</a:t>
+            </a:r>
+            <a:endParaRPr lang="en-US" altLang="ko-KR" sz="3200" b="1" dirty="0" smtClean="0">
+              <a:solidFill>
+                <a:srgbClr val="0070C0"/>
+              </a:solidFill>
+              <a:ea typeface="굴림" pitchFamily="50" charset="-127"/>
+            </a:endParaRPr>
           </a:p>
           <a:p>
             <a:pPr>
               <a:defRPr/>
             </a:pPr>
-            <a:endParaRPr lang="en-US" altLang="ko-KR" sz="2000" dirty="0">
+            <a:endParaRPr lang="en-US" altLang="ko-KR" sz="2000" dirty="0" smtClean="0">
               <a:ea typeface="굴림" pitchFamily="50" charset="-127"/>
             </a:endParaRPr>
           </a:p>
@@ -13093,18 +12907,14 @@
   <p:clrMapOvr>
     <a:masterClrMapping/>
   </p:clrMapOvr>
-  <mc:AlternateContent xmlns:mc="http://schemas.openxmlformats.org/markup-compatibility/2006">
-    <mc:Choice xmlns:p159="http://schemas.microsoft.com/office/powerpoint/2015/09/main" Requires="p159">
-      <p:transition spd="slow">
-        <p159:morph option="byChar"/>
-      </p:transition>
-    </mc:Choice>
-    <mc:Fallback>
-      <p:transition spd="slow">
-        <p:fade/>
-      </p:transition>
-    </mc:Fallback>
-  </mc:AlternateContent>
+  <p:transition spd="med"/>
+  <p:timing>
+    <p:tnLst>
+      <p:par>
+        <p:cTn id="1" dur="indefinite" restart="never" nodeType="tmRoot"/>
+      </p:par>
+    </p:tnLst>
+  </p:timing>
 </p:sld>
 </file>
 
@@ -13141,12 +12951,12 @@
           <a:lstStyle/>
           <a:p>
             <a:r>
-              <a:rPr lang="en-US" altLang="ko-KR" sz="2400">
+              <a:rPr lang="en-US" altLang="ko-KR" sz="2400" smtClean="0">
                 <a:ea typeface="굴림" panose="020B0600000101010101" pitchFamily="50" charset="-127"/>
               </a:rPr>
               <a:t>Ideal Current Source</a:t>
             </a:r>
-            <a:endParaRPr lang="ko-KR" altLang="en-US" sz="2400"/>
+            <a:endParaRPr lang="ko-KR" altLang="en-US" sz="2400" smtClean="0"/>
           </a:p>
         </p:txBody>
       </p:sp>
@@ -13176,20 +12986,35 @@
               <a:defRPr/>
             </a:pPr>
             <a:r>
+              <a:rPr lang="en-US" altLang="ko-KR" sz="3200" b="1" dirty="0" smtClean="0">
+                <a:solidFill>
+                  <a:srgbClr val="0070C0"/>
+                </a:solidFill>
+                <a:ea typeface="굴림" panose="020B0600000101010101" pitchFamily="50" charset="-127"/>
+              </a:rPr>
+              <a:t>Ideal Current </a:t>
+            </a:r>
+            <a:r>
               <a:rPr lang="en-US" altLang="ko-KR" sz="3200" b="1" dirty="0">
                 <a:solidFill>
                   <a:srgbClr val="0070C0"/>
                 </a:solidFill>
                 <a:ea typeface="굴림" panose="020B0600000101010101" pitchFamily="50" charset="-127"/>
               </a:rPr>
-              <a:t>Ideal Current Source</a:t>
-            </a:r>
+              <a:t>Source</a:t>
+            </a:r>
+            <a:endParaRPr lang="en-US" altLang="ko-KR" sz="3200" b="1" dirty="0" smtClean="0">
+              <a:solidFill>
+                <a:srgbClr val="0070C0"/>
+              </a:solidFill>
+              <a:ea typeface="굴림" pitchFamily="50" charset="-127"/>
+            </a:endParaRPr>
           </a:p>
           <a:p>
             <a:pPr>
               <a:defRPr/>
             </a:pPr>
-            <a:endParaRPr lang="en-US" altLang="ko-KR" sz="2000" dirty="0">
+            <a:endParaRPr lang="en-US" altLang="ko-KR" sz="2000" dirty="0" smtClean="0">
               <a:ea typeface="굴림" pitchFamily="50" charset="-127"/>
             </a:endParaRPr>
           </a:p>
@@ -13292,18 +13117,14 @@
   <p:clrMapOvr>
     <a:masterClrMapping/>
   </p:clrMapOvr>
-  <mc:AlternateContent xmlns:mc="http://schemas.openxmlformats.org/markup-compatibility/2006">
-    <mc:Choice xmlns:p159="http://schemas.microsoft.com/office/powerpoint/2015/09/main" Requires="p159">
-      <p:transition spd="slow">
-        <p159:morph option="byChar"/>
-      </p:transition>
-    </mc:Choice>
-    <mc:Fallback>
-      <p:transition spd="slow">
-        <p:fade/>
-      </p:transition>
-    </mc:Fallback>
-  </mc:AlternateContent>
+  <p:transition spd="med"/>
+  <p:timing>
+    <p:tnLst>
+      <p:par>
+        <p:cTn id="1" dur="indefinite" restart="never" nodeType="tmRoot"/>
+      </p:par>
+    </p:tnLst>
+  </p:timing>
 </p:sld>
 </file>
 
@@ -13344,7 +13165,7 @@
               <a:rPr lang="en-US" altLang="ko-KR" sz="2400" dirty="0"/>
               <a:t>Learning Objectives</a:t>
             </a:r>
-            <a:endParaRPr lang="ko-KR" altLang="en-US" sz="2400" dirty="0"/>
+            <a:endParaRPr lang="ko-KR" altLang="en-US" sz="2400" dirty="0" smtClean="0"/>
           </a:p>
         </p:txBody>
       </p:sp>
@@ -13373,13 +13194,22 @@
               <a:defRPr/>
             </a:pPr>
             <a:r>
+              <a:rPr lang="en-US" altLang="ko-KR" sz="3200" b="1" dirty="0" smtClean="0">
+                <a:solidFill>
+                  <a:srgbClr val="0070C0"/>
+                </a:solidFill>
+                <a:ea typeface="Microsoft Sans Serif" panose="020B0604020202020204" pitchFamily="34" charset="0"/>
+              </a:rPr>
+              <a:t>Learning </a:t>
+            </a:r>
+            <a:r>
               <a:rPr lang="en-US" altLang="ko-KR" sz="3200" b="1" dirty="0">
                 <a:solidFill>
                   <a:srgbClr val="0070C0"/>
                 </a:solidFill>
                 <a:ea typeface="Microsoft Sans Serif" panose="020B0604020202020204" pitchFamily="34" charset="0"/>
               </a:rPr>
-              <a:t>Learning Objectives </a:t>
+              <a:t>Objectives </a:t>
             </a:r>
           </a:p>
           <a:p>
@@ -13568,7 +13398,7 @@
               <a:t>Tellegen’s theorem</a:t>
             </a:r>
             <a:r>
-              <a:rPr lang="en-US" altLang="ko-KR" b="1" dirty="0">
+              <a:rPr lang="en-US" altLang="ko-KR" b="1" dirty="0" smtClean="0">
                 <a:ea typeface="Microsoft Sans Serif" panose="020B0604020202020204" pitchFamily="34" charset="0"/>
               </a:rPr>
               <a:t>.</a:t>
@@ -13582,18 +13412,14 @@
   <p:clrMapOvr>
     <a:masterClrMapping/>
   </p:clrMapOvr>
-  <mc:AlternateContent xmlns:mc="http://schemas.openxmlformats.org/markup-compatibility/2006">
-    <mc:Choice xmlns:p159="http://schemas.microsoft.com/office/powerpoint/2015/09/main" Requires="p159">
-      <p:transition spd="slow">
-        <p159:morph option="byChar"/>
-      </p:transition>
-    </mc:Choice>
-    <mc:Fallback>
-      <p:transition spd="slow">
-        <p:fade/>
-      </p:transition>
-    </mc:Fallback>
-  </mc:AlternateContent>
+  <p:transition spd="med"/>
+  <p:timing>
+    <p:tnLst>
+      <p:par>
+        <p:cTn id="1" dur="indefinite" restart="never" nodeType="tmRoot"/>
+      </p:par>
+    </p:tnLst>
+  </p:timing>
 </p:sld>
 </file>
 
@@ -13630,12 +13456,12 @@
           <a:lstStyle/>
           <a:p>
             <a:r>
-              <a:rPr lang="en-US" altLang="ko-KR" sz="2400">
+              <a:rPr lang="en-US" altLang="ko-KR" sz="2400" smtClean="0">
                 <a:ea typeface="굴림" panose="020B0600000101010101" pitchFamily="50" charset="-127"/>
               </a:rPr>
               <a:t>Ideal Source</a:t>
             </a:r>
-            <a:endParaRPr lang="ko-KR" altLang="en-US" sz="2400"/>
+            <a:endParaRPr lang="ko-KR" altLang="en-US" sz="2400" smtClean="0"/>
           </a:p>
         </p:txBody>
       </p:sp>
@@ -13665,7 +13491,7 @@
               <a:defRPr/>
             </a:pPr>
             <a:r>
-              <a:rPr lang="en-US" altLang="ko-KR" sz="3200" b="1" dirty="0">
+              <a:rPr lang="en-US" altLang="ko-KR" sz="3200" b="1" dirty="0" smtClean="0">
                 <a:solidFill>
                   <a:srgbClr val="0070C0"/>
                 </a:solidFill>
@@ -13678,7 +13504,7 @@
             <a:pPr>
               <a:defRPr/>
             </a:pPr>
-            <a:endParaRPr lang="en-US" altLang="ko-KR" sz="2000" dirty="0">
+            <a:endParaRPr lang="en-US" altLang="ko-KR" sz="2000" dirty="0" smtClean="0">
               <a:ea typeface="굴림" pitchFamily="50" charset="-127"/>
             </a:endParaRPr>
           </a:p>
@@ -13780,18 +13606,14 @@
   <p:clrMapOvr>
     <a:masterClrMapping/>
   </p:clrMapOvr>
-  <mc:AlternateContent xmlns:mc="http://schemas.openxmlformats.org/markup-compatibility/2006">
-    <mc:Choice xmlns:p159="http://schemas.microsoft.com/office/powerpoint/2015/09/main" Requires="p159">
-      <p:transition spd="slow">
-        <p159:morph option="byChar"/>
-      </p:transition>
-    </mc:Choice>
-    <mc:Fallback>
-      <p:transition spd="slow">
-        <p:fade/>
-      </p:transition>
-    </mc:Fallback>
-  </mc:AlternateContent>
+  <p:transition spd="med"/>
+  <p:timing>
+    <p:tnLst>
+      <p:par>
+        <p:cTn id="1" dur="indefinite" restart="never" nodeType="tmRoot"/>
+      </p:par>
+    </p:tnLst>
+  </p:timing>
 </p:sld>
 </file>
 
@@ -13828,12 +13650,12 @@
           <a:lstStyle/>
           <a:p>
             <a:r>
-              <a:rPr lang="en-US" altLang="ko-KR" sz="2400">
+              <a:rPr lang="en-US" altLang="ko-KR" sz="2400" smtClean="0">
                 <a:ea typeface="굴림" panose="020B0600000101010101" pitchFamily="50" charset="-127"/>
               </a:rPr>
               <a:t>Dependent Source</a:t>
             </a:r>
-            <a:endParaRPr lang="ko-KR" altLang="en-US" sz="2400"/>
+            <a:endParaRPr lang="ko-KR" altLang="en-US" sz="2400" smtClean="0"/>
           </a:p>
         </p:txBody>
       </p:sp>
@@ -13863,7 +13685,7 @@
               <a:defRPr/>
             </a:pPr>
             <a:r>
-              <a:rPr lang="en-US" altLang="ko-KR" sz="3200" b="1" dirty="0">
+              <a:rPr lang="en-US" altLang="ko-KR" sz="3200" b="1" dirty="0" smtClean="0">
                 <a:solidFill>
                   <a:srgbClr val="0070C0"/>
                 </a:solidFill>
@@ -13872,7 +13694,7 @@
               <a:t>Dependent</a:t>
             </a:r>
             <a:r>
-              <a:rPr lang="en-US" altLang="ko-KR" sz="3200" dirty="0">
+              <a:rPr lang="en-US" altLang="ko-KR" sz="3200" dirty="0" smtClean="0">
                 <a:solidFill>
                   <a:srgbClr val="0070C0"/>
                 </a:solidFill>
@@ -13881,7 +13703,7 @@
               <a:t> </a:t>
             </a:r>
             <a:r>
-              <a:rPr lang="en-US" altLang="ko-KR" sz="3200" b="1" dirty="0">
+              <a:rPr lang="en-US" altLang="ko-KR" sz="3200" b="1" dirty="0" smtClean="0">
                 <a:solidFill>
                   <a:srgbClr val="0070C0"/>
                 </a:solidFill>
@@ -13894,11 +13716,17 @@
             <a:pPr>
               <a:defRPr/>
             </a:pPr>
+            <a:r>
+              <a:rPr lang="en-US" altLang="ko-KR" b="1" dirty="0" smtClean="0">
+                <a:ea typeface="굴림" panose="020B0600000101010101" pitchFamily="50" charset="-127"/>
+              </a:rPr>
+              <a:t>A </a:t>
+            </a:r>
             <a:r>
               <a:rPr lang="en-US" altLang="ko-KR" b="1" dirty="0">
                 <a:ea typeface="굴림" panose="020B0600000101010101" pitchFamily="50" charset="-127"/>
               </a:rPr>
-              <a:t>A dependent source has its </a:t>
+              <a:t>dependent source has its </a:t>
             </a:r>
             <a:r>
               <a:rPr lang="en-US" altLang="ko-KR" b="1" dirty="0">
@@ -13909,22 +13737,40 @@
               </a:rPr>
               <a:t>output </a:t>
             </a:r>
+            <a:r>
+              <a:rPr lang="en-US" altLang="ko-KR" b="1" dirty="0" smtClean="0">
+                <a:solidFill>
+                  <a:srgbClr val="A50021"/>
+                </a:solidFill>
+                <a:ea typeface="굴림" panose="020B0600000101010101" pitchFamily="50" charset="-127"/>
+              </a:rPr>
+              <a:t/>
+            </a:r>
             <a:br>
+              <a:rPr lang="en-US" altLang="ko-KR" b="1" dirty="0" smtClean="0">
+                <a:solidFill>
+                  <a:srgbClr val="A50021"/>
+                </a:solidFill>
+                <a:ea typeface="굴림" panose="020B0600000101010101" pitchFamily="50" charset="-127"/>
+              </a:rPr>
+            </a:br>
+            <a:r>
+              <a:rPr lang="en-US" altLang="ko-KR" b="1" dirty="0" smtClean="0">
+                <a:solidFill>
+                  <a:srgbClr val="A50021"/>
+                </a:solidFill>
+                <a:ea typeface="굴림" panose="020B0600000101010101" pitchFamily="50" charset="-127"/>
+              </a:rPr>
+              <a:t>controlled </a:t>
+            </a:r>
+            <a:r>
               <a:rPr lang="en-US" altLang="ko-KR" b="1" dirty="0">
                 <a:solidFill>
                   <a:srgbClr val="A50021"/>
                 </a:solidFill>
                 <a:ea typeface="굴림" panose="020B0600000101010101" pitchFamily="50" charset="-127"/>
               </a:rPr>
-            </a:br>
-            <a:r>
-              <a:rPr lang="en-US" altLang="ko-KR" b="1" dirty="0">
-                <a:solidFill>
-                  <a:srgbClr val="A50021"/>
-                </a:solidFill>
-                <a:ea typeface="굴림" panose="020B0600000101010101" pitchFamily="50" charset="-127"/>
-              </a:rPr>
-              <a:t>controlled by an input value</a:t>
+              <a:t>by an input value</a:t>
             </a:r>
             <a:r>
               <a:rPr lang="en-US" altLang="ko-KR" b="1" dirty="0">
@@ -13943,31 +13789,72 @@
               </a:rPr>
               <a:t>Symbolically represented as a </a:t>
             </a:r>
+            <a:r>
+              <a:rPr lang="en-US" altLang="ko-KR" b="1" dirty="0" smtClean="0">
+                <a:ea typeface="굴림" panose="020B0600000101010101" pitchFamily="50" charset="-127"/>
+              </a:rPr>
+              <a:t/>
+            </a:r>
             <a:br>
+              <a:rPr lang="en-US" altLang="ko-KR" b="1" dirty="0" smtClean="0">
+                <a:ea typeface="굴림" panose="020B0600000101010101" pitchFamily="50" charset="-127"/>
+              </a:rPr>
+            </a:br>
+            <a:r>
+              <a:rPr lang="en-US" altLang="ko-KR" b="1" dirty="0" smtClean="0">
+                <a:solidFill>
+                  <a:srgbClr val="A50021"/>
+                </a:solidFill>
+                <a:ea typeface="굴림" panose="020B0600000101010101" pitchFamily="50" charset="-127"/>
+              </a:rPr>
+              <a:t>diamond</a:t>
+            </a:r>
+            <a:endParaRPr lang="en-US" altLang="ko-KR" b="1" dirty="0">
+              <a:solidFill>
+                <a:srgbClr val="A50021"/>
+              </a:solidFill>
+              <a:ea typeface="굴림" panose="020B0600000101010101" pitchFamily="50" charset="-127"/>
+            </a:endParaRPr>
+          </a:p>
+          <a:p>
+            <a:pPr>
+              <a:defRPr/>
+            </a:pPr>
+            <a:r>
               <a:rPr lang="en-US" altLang="ko-KR" b="1" dirty="0">
                 <a:ea typeface="굴림" panose="020B0600000101010101" pitchFamily="50" charset="-127"/>
               </a:rPr>
-            </a:br>
-            <a:r>
-              <a:rPr lang="en-US" altLang="ko-KR" b="1" dirty="0">
-                <a:solidFill>
-                  <a:srgbClr val="A50021"/>
-                </a:solidFill>
-                <a:ea typeface="굴림" panose="020B0600000101010101" pitchFamily="50" charset="-127"/>
-              </a:rPr>
-              <a:t>diamond</a:t>
-            </a:r>
-          </a:p>
-          <a:p>
-            <a:pPr>
+              <a:t>Four types:</a:t>
+            </a:r>
+          </a:p>
+          <a:p>
+            <a:pPr lvl="1">
               <a:defRPr/>
             </a:pPr>
             <a:r>
               <a:rPr lang="en-US" altLang="ko-KR" b="1" dirty="0">
                 <a:ea typeface="굴림" panose="020B0600000101010101" pitchFamily="50" charset="-127"/>
               </a:rPr>
-              <a:t>Four types:</a:t>
-            </a:r>
+              <a:t>A voltage-controlled voltage source (</a:t>
+            </a:r>
+            <a:r>
+              <a:rPr lang="en-US" altLang="ko-KR" b="1" dirty="0">
+                <a:solidFill>
+                  <a:srgbClr val="A50021"/>
+                </a:solidFill>
+                <a:ea typeface="굴림" panose="020B0600000101010101" pitchFamily="50" charset="-127"/>
+              </a:rPr>
+              <a:t>VCVS</a:t>
+            </a:r>
+            <a:r>
+              <a:rPr lang="en-US" altLang="ko-KR" b="1" dirty="0" smtClean="0">
+                <a:ea typeface="굴림" panose="020B0600000101010101" pitchFamily="50" charset="-127"/>
+              </a:rPr>
+              <a:t>).</a:t>
+            </a:r>
+            <a:endParaRPr lang="en-US" altLang="ko-KR" b="1" dirty="0">
+              <a:ea typeface="굴림" panose="020B0600000101010101" pitchFamily="50" charset="-127"/>
+            </a:endParaRPr>
           </a:p>
           <a:p>
             <a:pPr lvl="1">
@@ -13977,7 +13864,7 @@
               <a:rPr lang="en-US" altLang="ko-KR" b="1" dirty="0">
                 <a:ea typeface="굴림" panose="020B0600000101010101" pitchFamily="50" charset="-127"/>
               </a:rPr>
-              <a:t>A voltage-controlled voltage source (</a:t>
+              <a:t>A voltage-controlled current source (</a:t>
             </a:r>
             <a:r>
               <a:rPr lang="en-US" altLang="ko-KR" b="1" dirty="0">
@@ -13986,36 +13873,10 @@
                 </a:solidFill>
                 <a:ea typeface="굴림" panose="020B0600000101010101" pitchFamily="50" charset="-127"/>
               </a:rPr>
-              <a:t>VCVS</a:t>
-            </a:r>
-            <a:r>
-              <a:rPr lang="en-US" altLang="ko-KR" b="1" dirty="0">
-                <a:ea typeface="굴림" panose="020B0600000101010101" pitchFamily="50" charset="-127"/>
-              </a:rPr>
-              <a:t>).</a:t>
-            </a:r>
-          </a:p>
-          <a:p>
-            <a:pPr lvl="1">
-              <a:defRPr/>
-            </a:pPr>
-            <a:r>
-              <a:rPr lang="en-US" altLang="ko-KR" b="1" dirty="0">
-                <a:ea typeface="굴림" panose="020B0600000101010101" pitchFamily="50" charset="-127"/>
-              </a:rPr>
-              <a:t>A voltage-controlled current source (</a:t>
-            </a:r>
-            <a:r>
-              <a:rPr lang="en-US" altLang="ko-KR" b="1" dirty="0">
-                <a:solidFill>
-                  <a:srgbClr val="A50021"/>
-                </a:solidFill>
-                <a:ea typeface="굴림" panose="020B0600000101010101" pitchFamily="50" charset="-127"/>
-              </a:rPr>
               <a:t>VCCS</a:t>
             </a:r>
             <a:r>
-              <a:rPr lang="en-US" altLang="ko-KR" b="1" dirty="0">
+              <a:rPr lang="en-US" altLang="ko-KR" b="1" dirty="0" smtClean="0">
                 <a:ea typeface="굴림" panose="020B0600000101010101" pitchFamily="50" charset="-127"/>
               </a:rPr>
               <a:t>).</a:t>
@@ -14176,18 +14037,14 @@
   <p:clrMapOvr>
     <a:masterClrMapping/>
   </p:clrMapOvr>
-  <mc:AlternateContent xmlns:mc="http://schemas.openxmlformats.org/markup-compatibility/2006">
-    <mc:Choice xmlns:p159="http://schemas.microsoft.com/office/powerpoint/2015/09/main" Requires="p159">
-      <p:transition spd="slow">
-        <p159:morph option="byChar"/>
-      </p:transition>
-    </mc:Choice>
-    <mc:Fallback>
-      <p:transition spd="slow">
-        <p:fade/>
-      </p:transition>
-    </mc:Fallback>
-  </mc:AlternateContent>
+  <p:transition spd="med"/>
+  <p:timing>
+    <p:tnLst>
+      <p:par>
+        <p:cTn id="1" dur="indefinite" restart="never" nodeType="tmRoot"/>
+      </p:par>
+    </p:tnLst>
+  </p:timing>
 </p:sld>
 </file>
 
@@ -14224,12 +14081,12 @@
           <a:lstStyle/>
           <a:p>
             <a:r>
-              <a:rPr lang="en-US" altLang="ko-KR" dirty="0">
+              <a:rPr lang="en-US" altLang="ko-KR" dirty="0" smtClean="0">
                 <a:ea typeface="굴림" panose="020B0600000101010101" pitchFamily="50" charset="-127"/>
               </a:rPr>
               <a:t>Example 1.3</a:t>
             </a:r>
-            <a:endParaRPr lang="ko-KR" altLang="en-US" dirty="0"/>
+            <a:endParaRPr lang="ko-KR" altLang="en-US" dirty="0" smtClean="0"/>
           </a:p>
         </p:txBody>
       </p:sp>
@@ -14259,7 +14116,7 @@
               <a:defRPr/>
             </a:pPr>
             <a:r>
-              <a:rPr lang="en-US" altLang="ko-KR" sz="3200" b="1" dirty="0">
+              <a:rPr lang="en-US" altLang="ko-KR" sz="3200" b="1" dirty="0" smtClean="0">
                 <a:solidFill>
                   <a:srgbClr val="0070C0"/>
                 </a:solidFill>
@@ -14267,7 +14124,7 @@
               </a:rPr>
               <a:t>Example 1.3</a:t>
             </a:r>
-            <a:endParaRPr lang="en-US" altLang="ko-KR" sz="2000" b="1" dirty="0">
+            <a:endParaRPr lang="en-US" altLang="ko-KR" sz="2000" b="1" dirty="0" smtClean="0">
               <a:solidFill>
                 <a:srgbClr val="0070C0"/>
               </a:solidFill>
@@ -14279,7 +14136,7 @@
               <a:defRPr/>
             </a:pPr>
             <a:r>
-              <a:rPr lang="en-US" altLang="ko-KR" b="1" dirty="0">
+              <a:rPr lang="en-US" altLang="ko-KR" b="1" dirty="0" smtClean="0">
                 <a:ea typeface="굴림" pitchFamily="50" charset="-127"/>
               </a:rPr>
               <a:t>Let us determine the outputs of each source</a:t>
@@ -14297,7 +14154,15 @@
             <a:pPr>
               <a:defRPr/>
             </a:pPr>
-            <a:endParaRPr lang="en-US" altLang="ko-KR" b="1" dirty="0">
+            <a:endParaRPr lang="en-US" altLang="ko-KR" b="1" dirty="0" smtClean="0">
+              <a:ea typeface="굴림" pitchFamily="50" charset="-127"/>
+            </a:endParaRPr>
+          </a:p>
+          <a:p>
+            <a:pPr>
+              <a:defRPr/>
+            </a:pPr>
+            <a:endParaRPr lang="en-US" altLang="ko-KR" b="1" dirty="0" smtClean="0">
               <a:ea typeface="굴림" pitchFamily="50" charset="-127"/>
             </a:endParaRPr>
           </a:p>
@@ -14310,7 +14175,8 @@
             </a:endParaRPr>
           </a:p>
           <a:p>
-            <a:pPr>
+            <a:pPr marL="0" indent="0">
+              <a:buNone/>
               <a:defRPr/>
             </a:pPr>
             <a:endParaRPr lang="en-US" altLang="ko-KR" b="1" dirty="0">
@@ -14318,39 +14184,30 @@
             </a:endParaRPr>
           </a:p>
           <a:p>
+            <a:pPr>
+              <a:defRPr/>
+            </a:pPr>
+            <a:endParaRPr lang="en-US" altLang="ko-KR" b="1" dirty="0" smtClean="0">
+              <a:ea typeface="굴림" pitchFamily="50" charset="-127"/>
+            </a:endParaRPr>
+          </a:p>
+          <a:p>
             <a:pPr marL="0" indent="0">
               <a:buNone/>
               <a:defRPr/>
             </a:pPr>
-            <a:endParaRPr lang="en-US" altLang="ko-KR" b="1" dirty="0">
-              <a:ea typeface="굴림" pitchFamily="50" charset="-127"/>
-            </a:endParaRPr>
+            <a:r>
+              <a:rPr lang="en-US" altLang="ko-KR" b="1" dirty="0" smtClean="0">
+                <a:ea typeface="굴림" pitchFamily="50" charset="-127"/>
+              </a:rPr>
+              <a:t>                                      Fig. 1.10</a:t>
+            </a:r>
           </a:p>
           <a:p>
             <a:pPr>
               <a:defRPr/>
             </a:pPr>
-            <a:endParaRPr lang="en-US" altLang="ko-KR" b="1" dirty="0">
-              <a:ea typeface="굴림" pitchFamily="50" charset="-127"/>
-            </a:endParaRPr>
-          </a:p>
-          <a:p>
-            <a:pPr marL="0" indent="0">
-              <a:buNone/>
-              <a:defRPr/>
-            </a:pPr>
-            <a:r>
-              <a:rPr lang="en-US" altLang="ko-KR" b="1" dirty="0">
-                <a:ea typeface="굴림" pitchFamily="50" charset="-127"/>
-              </a:rPr>
-              <a:t>                                      Fig. 1.10</a:t>
-            </a:r>
-          </a:p>
-          <a:p>
-            <a:pPr>
-              <a:defRPr/>
-            </a:pPr>
-            <a:endParaRPr lang="en-US" altLang="ko-KR" sz="2000" dirty="0"/>
+            <a:endParaRPr lang="en-US" altLang="ko-KR" sz="2000" dirty="0" smtClean="0"/>
           </a:p>
         </p:txBody>
       </p:sp>
@@ -14394,18 +14251,14 @@
   <p:clrMapOvr>
     <a:masterClrMapping/>
   </p:clrMapOvr>
-  <mc:AlternateContent xmlns:mc="http://schemas.openxmlformats.org/markup-compatibility/2006">
-    <mc:Choice xmlns:p159="http://schemas.microsoft.com/office/powerpoint/2015/09/main" Requires="p159">
-      <p:transition spd="slow">
-        <p159:morph option="byChar"/>
-      </p:transition>
-    </mc:Choice>
-    <mc:Fallback>
-      <p:transition spd="slow">
-        <p:fade/>
-      </p:transition>
-    </mc:Fallback>
-  </mc:AlternateContent>
+  <p:transition spd="med"/>
+  <p:timing>
+    <p:tnLst>
+      <p:par>
+        <p:cTn id="1" dur="indefinite" restart="never" nodeType="tmRoot"/>
+      </p:par>
+    </p:tnLst>
+  </p:timing>
 </p:sld>
 </file>
 
@@ -14442,12 +14295,12 @@
           <a:lstStyle/>
           <a:p>
             <a:r>
-              <a:rPr lang="en-US" altLang="ko-KR" sz="2400" dirty="0">
+              <a:rPr lang="en-US" altLang="ko-KR" sz="2400" dirty="0" smtClean="0">
                 <a:ea typeface="굴림" panose="020B0600000101010101" pitchFamily="50" charset="-127"/>
               </a:rPr>
               <a:t>Tellegen’s Theorem</a:t>
             </a:r>
-            <a:endParaRPr lang="ko-KR" altLang="en-US" sz="2400" dirty="0"/>
+            <a:endParaRPr lang="ko-KR" altLang="en-US" sz="2400" dirty="0" smtClean="0"/>
           </a:p>
         </p:txBody>
       </p:sp>
@@ -14477,7 +14330,7 @@
               <a:defRPr/>
             </a:pPr>
             <a:r>
-              <a:rPr lang="en-US" altLang="ko-KR" sz="3200" b="1" dirty="0">
+              <a:rPr lang="en-US" altLang="ko-KR" sz="3200" b="1" dirty="0" smtClean="0">
                 <a:solidFill>
                   <a:srgbClr val="0070C0"/>
                 </a:solidFill>
@@ -14485,7 +14338,7 @@
               </a:rPr>
               <a:t>Tellegen’s Theorem</a:t>
             </a:r>
-            <a:endParaRPr lang="en-US" altLang="ko-KR" sz="2000" b="1" dirty="0">
+            <a:endParaRPr lang="en-US" altLang="ko-KR" sz="2000" b="1" dirty="0" smtClean="0">
               <a:solidFill>
                 <a:srgbClr val="0070C0"/>
               </a:solidFill>
@@ -14496,7 +14349,7 @@
             <a:pPr>
               <a:defRPr/>
             </a:pPr>
-            <a:endParaRPr lang="en-US" altLang="ko-KR" sz="2000" dirty="0">
+            <a:endParaRPr lang="en-US" altLang="ko-KR" sz="2000" dirty="0" smtClean="0">
               <a:ea typeface="굴림" pitchFamily="50" charset="-127"/>
             </a:endParaRPr>
           </a:p>
@@ -14505,7 +14358,7 @@
               <a:defRPr/>
             </a:pPr>
             <a:r>
-              <a:rPr lang="en-US" altLang="ko-KR" b="1" dirty="0">
+              <a:rPr lang="en-US" altLang="ko-KR" b="1" dirty="0" smtClean="0">
                 <a:solidFill>
                   <a:srgbClr val="A50021"/>
                 </a:solidFill>
@@ -14514,7 +14367,7 @@
               </a:rPr>
               <a:t>Conservation of energy</a:t>
             </a:r>
-            <a:endParaRPr lang="en-US" altLang="ko-KR" b="1" dirty="0">
+            <a:endParaRPr lang="en-US" altLang="ko-KR" b="1" dirty="0" smtClean="0">
               <a:solidFill>
                 <a:srgbClr val="A50021"/>
               </a:solidFill>
@@ -14526,13 +14379,13 @@
               <a:defRPr/>
             </a:pPr>
             <a:r>
-              <a:rPr lang="en-US" altLang="ko-KR" b="1" dirty="0">
+              <a:rPr lang="en-US" altLang="ko-KR" b="1" dirty="0" smtClean="0">
                 <a:ea typeface="굴림" pitchFamily="50" charset="-127"/>
               </a:rPr>
               <a:t>In a circuit, </a:t>
             </a:r>
             <a:r>
-              <a:rPr lang="en-US" altLang="ko-KR" b="1" dirty="0">
+              <a:rPr lang="en-US" altLang="ko-KR" b="1" dirty="0" smtClean="0">
                 <a:solidFill>
                   <a:srgbClr val="A50021"/>
                 </a:solidFill>
@@ -14541,7 +14394,7 @@
               <a:t>energy cannot be created or destroyed</a:t>
             </a:r>
             <a:r>
-              <a:rPr lang="en-US" altLang="ko-KR" b="1" dirty="0">
+              <a:rPr lang="en-US" altLang="ko-KR" b="1" dirty="0" smtClean="0">
                 <a:ea typeface="굴림" pitchFamily="50" charset="-127"/>
               </a:rPr>
               <a:t>.</a:t>
@@ -14552,7 +14405,7 @@
               <a:defRPr/>
             </a:pPr>
             <a:r>
-              <a:rPr lang="en-US" altLang="ko-KR" b="1" dirty="0">
+              <a:rPr lang="en-US" altLang="ko-KR" b="1" dirty="0" smtClean="0">
                 <a:ea typeface="굴림" pitchFamily="50" charset="-127"/>
               </a:rPr>
               <a:t>Thus power also must be conserved.</a:t>
@@ -14563,7 +14416,7 @@
               <a:defRPr/>
             </a:pPr>
             <a:r>
-              <a:rPr lang="en-US" altLang="ko-KR" b="1" dirty="0">
+              <a:rPr lang="en-US" altLang="ko-KR" b="1" dirty="0" smtClean="0">
                 <a:ea typeface="굴림" pitchFamily="50" charset="-127"/>
               </a:rPr>
               <a:t>The sum of all power supplied must be absorbed by the other elements.</a:t>
@@ -14574,13 +14427,13 @@
               <a:defRPr/>
             </a:pPr>
             <a:r>
-              <a:rPr lang="en-US" altLang="ko-KR" b="1" dirty="0">
+              <a:rPr lang="en-US" altLang="ko-KR" b="1" dirty="0" smtClean="0">
                 <a:ea typeface="굴림" pitchFamily="50" charset="-127"/>
               </a:rPr>
               <a:t>Energy </a:t>
             </a:r>
             <a:r>
-              <a:rPr lang="en-US" altLang="ko-KR" b="1" dirty="0">
+              <a:rPr lang="en-US" altLang="ko-KR" b="1" dirty="0" smtClean="0">
                 <a:solidFill>
                   <a:srgbClr val="A50021"/>
                 </a:solidFill>
@@ -14589,7 +14442,7 @@
               <a:t>can be transformed </a:t>
             </a:r>
             <a:r>
-              <a:rPr lang="en-US" altLang="ko-KR" b="1" dirty="0">
+              <a:rPr lang="en-US" altLang="ko-KR" b="1" dirty="0" smtClean="0">
                 <a:ea typeface="굴림" pitchFamily="50" charset="-127"/>
               </a:rPr>
               <a:t>from one form to another</a:t>
@@ -14599,7 +14452,7 @@
             <a:pPr>
               <a:defRPr/>
             </a:pPr>
-            <a:endParaRPr lang="en-US" altLang="ko-KR" sz="2000" dirty="0"/>
+            <a:endParaRPr lang="en-US" altLang="ko-KR" sz="2000" dirty="0" smtClean="0"/>
           </a:p>
         </p:txBody>
       </p:sp>
@@ -14608,18 +14461,14 @@
   <p:clrMapOvr>
     <a:masterClrMapping/>
   </p:clrMapOvr>
-  <mc:AlternateContent xmlns:mc="http://schemas.openxmlformats.org/markup-compatibility/2006">
-    <mc:Choice xmlns:p159="http://schemas.microsoft.com/office/powerpoint/2015/09/main" Requires="p159">
-      <p:transition spd="slow">
-        <p159:morph option="byChar"/>
-      </p:transition>
-    </mc:Choice>
-    <mc:Fallback>
-      <p:transition spd="slow">
-        <p:fade/>
-      </p:transition>
-    </mc:Fallback>
-  </mc:AlternateContent>
+  <p:transition spd="med"/>
+  <p:timing>
+    <p:tnLst>
+      <p:par>
+        <p:cTn id="1" dur="indefinite" restart="never" nodeType="tmRoot"/>
+      </p:par>
+    </p:tnLst>
+  </p:timing>
 </p:sld>
 </file>
 
@@ -14656,12 +14505,12 @@
           <a:lstStyle/>
           <a:p>
             <a:r>
-              <a:rPr lang="en-US" altLang="ko-KR" dirty="0">
+              <a:rPr lang="en-US" altLang="ko-KR" dirty="0" smtClean="0">
                 <a:ea typeface="굴림" panose="020B0600000101010101" pitchFamily="50" charset="-127"/>
               </a:rPr>
               <a:t>Example 1.4</a:t>
             </a:r>
-            <a:endParaRPr lang="ko-KR" altLang="en-US" dirty="0"/>
+            <a:endParaRPr lang="ko-KR" altLang="en-US" dirty="0" smtClean="0"/>
           </a:p>
         </p:txBody>
       </p:sp>
@@ -14691,7 +14540,7 @@
               <a:defRPr/>
             </a:pPr>
             <a:r>
-              <a:rPr lang="en-US" altLang="ko-KR" sz="2800" b="1" dirty="0">
+              <a:rPr lang="en-US" altLang="ko-KR" sz="2800" b="1" dirty="0" smtClean="0">
                 <a:solidFill>
                   <a:srgbClr val="0070C0"/>
                 </a:solidFill>
@@ -14705,13 +14554,13 @@
               <a:defRPr/>
             </a:pPr>
             <a:r>
-              <a:rPr lang="en-US" altLang="ko-KR" b="1" dirty="0">
+              <a:rPr lang="en-US" altLang="ko-KR" b="1" dirty="0" smtClean="0">
                 <a:ea typeface="굴림" pitchFamily="50" charset="-127"/>
               </a:rPr>
               <a:t>Let us determine V</a:t>
             </a:r>
             <a:r>
-              <a:rPr lang="en-US" altLang="ko-KR" b="1" baseline="-25000" dirty="0">
+              <a:rPr lang="en-US" altLang="ko-KR" b="1" baseline="-25000" dirty="0" smtClean="0">
                 <a:ea typeface="굴림" pitchFamily="50" charset="-127"/>
               </a:rPr>
               <a:t>X</a:t>
@@ -14729,7 +14578,15 @@
             <a:pPr>
               <a:defRPr/>
             </a:pPr>
-            <a:endParaRPr lang="en-US" altLang="ko-KR" b="1" dirty="0">
+            <a:endParaRPr lang="en-US" altLang="ko-KR" b="1" dirty="0" smtClean="0">
+              <a:ea typeface="굴림" pitchFamily="50" charset="-127"/>
+            </a:endParaRPr>
+          </a:p>
+          <a:p>
+            <a:pPr>
+              <a:defRPr/>
+            </a:pPr>
+            <a:endParaRPr lang="en-US" altLang="ko-KR" b="1" dirty="0" smtClean="0">
               <a:ea typeface="굴림" pitchFamily="50" charset="-127"/>
             </a:endParaRPr>
           </a:p>
@@ -14742,7 +14599,17 @@
             </a:endParaRPr>
           </a:p>
           <a:p>
-            <a:pPr>
+            <a:pPr marL="0" indent="0">
+              <a:buNone/>
+              <a:defRPr/>
+            </a:pPr>
+            <a:endParaRPr lang="en-US" altLang="ko-KR" b="1" dirty="0" smtClean="0">
+              <a:ea typeface="굴림" pitchFamily="50" charset="-127"/>
+            </a:endParaRPr>
+          </a:p>
+          <a:p>
+            <a:pPr marL="0" indent="0">
+              <a:buNone/>
               <a:defRPr/>
             </a:pPr>
             <a:endParaRPr lang="en-US" altLang="ko-KR" b="1" dirty="0">
@@ -14750,56 +14617,38 @@
             </a:endParaRPr>
           </a:p>
           <a:p>
+            <a:pPr>
+              <a:defRPr/>
+            </a:pPr>
+            <a:endParaRPr lang="en-US" altLang="ko-KR" b="1" dirty="0" smtClean="0">
+              <a:ea typeface="굴림" pitchFamily="50" charset="-127"/>
+            </a:endParaRPr>
+          </a:p>
+          <a:p>
+            <a:pPr>
+              <a:defRPr/>
+            </a:pPr>
+            <a:endParaRPr lang="en-US" altLang="ko-KR" b="1" dirty="0" smtClean="0">
+              <a:ea typeface="굴림" pitchFamily="50" charset="-127"/>
+            </a:endParaRPr>
+          </a:p>
+          <a:p>
             <a:pPr marL="0" indent="0">
               <a:buNone/>
               <a:defRPr/>
             </a:pPr>
-            <a:endParaRPr lang="en-US" altLang="ko-KR" b="1" dirty="0">
-              <a:ea typeface="굴림" pitchFamily="50" charset="-127"/>
-            </a:endParaRPr>
-          </a:p>
-          <a:p>
-            <a:pPr marL="0" indent="0">
-              <a:buNone/>
+            <a:r>
+              <a:rPr lang="en-US" altLang="ko-KR" b="1" dirty="0" smtClean="0">
+                <a:ea typeface="굴림" pitchFamily="50" charset="-127"/>
+              </a:rPr>
+              <a:t>                                             Fig. 1.11</a:t>
+            </a:r>
+          </a:p>
+          <a:p>
+            <a:pPr>
               <a:defRPr/>
             </a:pPr>
-            <a:endParaRPr lang="en-US" altLang="ko-KR" b="1" dirty="0">
-              <a:ea typeface="굴림" pitchFamily="50" charset="-127"/>
-            </a:endParaRPr>
-          </a:p>
-          <a:p>
-            <a:pPr>
-              <a:defRPr/>
-            </a:pPr>
-            <a:endParaRPr lang="en-US" altLang="ko-KR" b="1" dirty="0">
-              <a:ea typeface="굴림" pitchFamily="50" charset="-127"/>
-            </a:endParaRPr>
-          </a:p>
-          <a:p>
-            <a:pPr>
-              <a:defRPr/>
-            </a:pPr>
-            <a:endParaRPr lang="en-US" altLang="ko-KR" b="1" dirty="0">
-              <a:ea typeface="굴림" pitchFamily="50" charset="-127"/>
-            </a:endParaRPr>
-          </a:p>
-          <a:p>
-            <a:pPr marL="0" indent="0">
-              <a:buNone/>
-              <a:defRPr/>
-            </a:pPr>
-            <a:r>
-              <a:rPr lang="en-US" altLang="ko-KR" b="1" dirty="0">
-                <a:ea typeface="굴림" pitchFamily="50" charset="-127"/>
-              </a:rPr>
-              <a:t>                                             Fig. 1.11</a:t>
-            </a:r>
-          </a:p>
-          <a:p>
-            <a:pPr>
-              <a:defRPr/>
-            </a:pPr>
-            <a:endParaRPr lang="en-US" altLang="ko-KR" sz="2000" dirty="0"/>
+            <a:endParaRPr lang="en-US" altLang="ko-KR" sz="2000" dirty="0" smtClean="0"/>
           </a:p>
         </p:txBody>
       </p:sp>
@@ -14843,18 +14692,14 @@
   <p:clrMapOvr>
     <a:masterClrMapping/>
   </p:clrMapOvr>
-  <mc:AlternateContent xmlns:mc="http://schemas.openxmlformats.org/markup-compatibility/2006">
-    <mc:Choice xmlns:p159="http://schemas.microsoft.com/office/powerpoint/2015/09/main" Requires="p159">
-      <p:transition spd="slow">
-        <p159:morph option="byChar"/>
-      </p:transition>
-    </mc:Choice>
-    <mc:Fallback>
-      <p:transition spd="slow">
-        <p:fade/>
-      </p:transition>
-    </mc:Fallback>
-  </mc:AlternateContent>
+  <p:transition spd="med"/>
+  <p:timing>
+    <p:tnLst>
+      <p:par>
+        <p:cTn id="1" dur="indefinite" restart="never" nodeType="tmRoot"/>
+      </p:par>
+    </p:tnLst>
+  </p:timing>
 </p:sld>
 </file>
 
@@ -14891,12 +14736,12 @@
           <a:lstStyle/>
           <a:p>
             <a:r>
-              <a:rPr lang="en-US" altLang="ko-KR" sz="2400">
+              <a:rPr lang="en-US" altLang="ko-KR" sz="2400" smtClean="0">
                 <a:ea typeface="굴림" panose="020B0600000101010101" pitchFamily="50" charset="-127"/>
               </a:rPr>
               <a:t>Problem Solving</a:t>
             </a:r>
-            <a:endParaRPr lang="ko-KR" altLang="en-US" sz="2400"/>
+            <a:endParaRPr lang="ko-KR" altLang="en-US" sz="2400" smtClean="0"/>
           </a:p>
         </p:txBody>
       </p:sp>
@@ -14926,7 +14771,7 @@
               <a:defRPr/>
             </a:pPr>
             <a:r>
-              <a:rPr lang="en-US" altLang="ko-KR" sz="3200" b="1" dirty="0">
+              <a:rPr lang="en-US" altLang="ko-KR" sz="3200" b="1" dirty="0" smtClean="0">
                 <a:solidFill>
                   <a:srgbClr val="0070C0"/>
                 </a:solidFill>
@@ -14935,7 +14780,7 @@
               <a:t>Problem </a:t>
             </a:r>
             <a:r>
-              <a:rPr lang="en-US" altLang="ko-KR" sz="2800" b="1" dirty="0">
+              <a:rPr lang="en-US" altLang="ko-KR" sz="2800" b="1" dirty="0" smtClean="0">
                 <a:solidFill>
                   <a:srgbClr val="0070C0"/>
                 </a:solidFill>
@@ -14943,7 +14788,7 @@
               </a:rPr>
               <a:t>Solving</a:t>
             </a:r>
-            <a:endParaRPr lang="en-US" altLang="ko-KR" sz="3200" b="1" dirty="0">
+            <a:endParaRPr lang="en-US" altLang="ko-KR" sz="3200" b="1" dirty="0" smtClean="0">
               <a:solidFill>
                 <a:srgbClr val="0070C0"/>
               </a:solidFill>
@@ -14955,10 +14800,16 @@
               <a:defRPr/>
             </a:pPr>
             <a:r>
+              <a:rPr lang="en-US" altLang="ko-KR" b="1" dirty="0" smtClean="0">
+                <a:ea typeface="굴림" panose="020B0600000101010101" pitchFamily="50" charset="-127"/>
+              </a:rPr>
+              <a:t>Successfully </a:t>
+            </a:r>
+            <a:r>
               <a:rPr lang="en-US" altLang="ko-KR" b="1" dirty="0">
                 <a:ea typeface="굴림" panose="020B0600000101010101" pitchFamily="50" charset="-127"/>
               </a:rPr>
-              <a:t>Successfully solving an engineering problem requires a process.</a:t>
+              <a:t>solving an engineering problem requires a process.</a:t>
             </a:r>
           </a:p>
           <a:p>
@@ -14979,10 +14830,16 @@
               <a:defRPr/>
             </a:pPr>
             <a:r>
+              <a:rPr lang="en-US" altLang="ko-KR" sz="2000" b="1" dirty="0" smtClean="0">
+                <a:ea typeface="굴림" panose="020B0600000101010101" pitchFamily="50" charset="-127"/>
+              </a:rPr>
+              <a:t>    1</a:t>
+            </a:r>
+            <a:r>
               <a:rPr lang="en-US" altLang="ko-KR" sz="2000" b="1" dirty="0">
                 <a:ea typeface="굴림" panose="020B0600000101010101" pitchFamily="50" charset="-127"/>
               </a:rPr>
-              <a:t>    1. Carefully define the problem.</a:t>
+              <a:t>. Carefully define the problem.</a:t>
             </a:r>
           </a:p>
           <a:p>
@@ -14992,10 +14849,16 @@
               <a:defRPr/>
             </a:pPr>
             <a:r>
+              <a:rPr lang="en-US" altLang="ko-KR" sz="2000" b="1" dirty="0" smtClean="0">
+                <a:ea typeface="굴림" panose="020B0600000101010101" pitchFamily="50" charset="-127"/>
+              </a:rPr>
+              <a:t>    2</a:t>
+            </a:r>
+            <a:r>
               <a:rPr lang="en-US" altLang="ko-KR" sz="2000" b="1" dirty="0">
                 <a:ea typeface="굴림" panose="020B0600000101010101" pitchFamily="50" charset="-127"/>
               </a:rPr>
-              <a:t>    2. Present everything you know about the problem.</a:t>
+              <a:t>. Present everything you know about the problem.</a:t>
             </a:r>
           </a:p>
           <a:p>
@@ -15005,21 +14868,45 @@
               <a:defRPr/>
             </a:pPr>
             <a:r>
+              <a:rPr lang="en-US" altLang="ko-KR" sz="2000" b="1" dirty="0" smtClean="0">
+                <a:ea typeface="굴림" panose="020B0600000101010101" pitchFamily="50" charset="-127"/>
+              </a:rPr>
+              <a:t>    3. Establish </a:t>
+            </a:r>
+            <a:r>
               <a:rPr lang="en-US" altLang="ko-KR" sz="2000" b="1" dirty="0">
                 <a:ea typeface="굴림" panose="020B0600000101010101" pitchFamily="50" charset="-127"/>
               </a:rPr>
-              <a:t>    3. Establish a set of alternative solutions and determine the one that</a:t>
+              <a:t>a set of alternative solutions and determine the one </a:t>
+            </a:r>
+            <a:r>
+              <a:rPr lang="en-US" altLang="ko-KR" sz="2000" b="1" dirty="0" smtClean="0">
+                <a:ea typeface="굴림" panose="020B0600000101010101" pitchFamily="50" charset="-127"/>
+              </a:rPr>
+              <a:t>that</a:t>
             </a:r>
             <a:br>
+              <a:rPr lang="en-US" altLang="ko-KR" sz="2000" b="1" dirty="0" smtClean="0">
+                <a:ea typeface="굴림" panose="020B0600000101010101" pitchFamily="50" charset="-127"/>
+              </a:rPr>
+            </a:br>
+            <a:r>
+              <a:rPr lang="en-US" altLang="ko-KR" sz="2000" b="1" dirty="0" smtClean="0">
+                <a:ea typeface="굴림" panose="020B0600000101010101" pitchFamily="50" charset="-127"/>
+              </a:rPr>
+              <a:t>        </a:t>
+            </a:r>
+            <a:r>
               <a:rPr lang="en-US" altLang="ko-KR" sz="2000" b="1" dirty="0">
                 <a:ea typeface="굴림" panose="020B0600000101010101" pitchFamily="50" charset="-127"/>
               </a:rPr>
-            </a:br>
-            <a:r>
-              <a:rPr lang="en-US" altLang="ko-KR" sz="2000" b="1" dirty="0">
+              <a:t>promises the greatest likelihood of success</a:t>
+            </a:r>
+            <a:r>
+              <a:rPr lang="en-US" altLang="ko-KR" sz="2000" b="1" dirty="0" smtClean="0">
                 <a:ea typeface="굴림" panose="020B0600000101010101" pitchFamily="50" charset="-127"/>
               </a:rPr>
-              <a:t>        promises the greatest likelihood of success.</a:t>
+              <a:t>.</a:t>
             </a:r>
           </a:p>
           <a:p>
@@ -15029,10 +14916,16 @@
               <a:defRPr/>
             </a:pPr>
             <a:r>
+              <a:rPr lang="en-US" altLang="ko-KR" sz="2000" b="1" dirty="0" smtClean="0">
+                <a:ea typeface="굴림" panose="020B0600000101010101" pitchFamily="50" charset="-127"/>
+              </a:rPr>
+              <a:t>    4. Attempt </a:t>
+            </a:r>
+            <a:r>
               <a:rPr lang="en-US" altLang="ko-KR" sz="2000" b="1" dirty="0">
                 <a:ea typeface="굴림" panose="020B0600000101010101" pitchFamily="50" charset="-127"/>
               </a:rPr>
-              <a:t>    4. Attempt a problem solution.</a:t>
+              <a:t>a problem solution.</a:t>
             </a:r>
           </a:p>
           <a:p>
@@ -15042,10 +14935,16 @@
               <a:defRPr/>
             </a:pPr>
             <a:r>
+              <a:rPr lang="en-US" altLang="ko-KR" sz="2000" b="1" dirty="0" smtClean="0">
+                <a:ea typeface="굴림" panose="020B0600000101010101" pitchFamily="50" charset="-127"/>
+              </a:rPr>
+              <a:t>    5</a:t>
+            </a:r>
+            <a:r>
               <a:rPr lang="en-US" altLang="ko-KR" sz="2000" b="1" dirty="0">
                 <a:ea typeface="굴림" panose="020B0600000101010101" pitchFamily="50" charset="-127"/>
               </a:rPr>
-              <a:t>    5. Evaluate the solution and check for accuracy.</a:t>
+              <a:t>. Evaluate the solution and check for accuracy.</a:t>
             </a:r>
           </a:p>
           <a:p>
@@ -15055,10 +14954,28 @@
               <a:defRPr/>
             </a:pPr>
             <a:r>
+              <a:rPr lang="en-US" altLang="ko-KR" sz="2000" b="1" dirty="0" smtClean="0">
+                <a:ea typeface="굴림" panose="020B0600000101010101" pitchFamily="50" charset="-127"/>
+              </a:rPr>
+              <a:t>    6</a:t>
+            </a:r>
+            <a:r>
               <a:rPr lang="en-US" altLang="ko-KR" sz="2000" b="1" dirty="0">
                 <a:ea typeface="굴림" panose="020B0600000101010101" pitchFamily="50" charset="-127"/>
               </a:rPr>
-              <a:t>    6. Has the problem been solved satisfactorily? If so, present the solution; if  not, then return to step 3 and continue through the process again.</a:t>
+              <a:t>. Has the problem been solved satisfactorily? If so, present the solution; </a:t>
+            </a:r>
+            <a:r>
+              <a:rPr lang="en-US" altLang="ko-KR" sz="2000" b="1" dirty="0" smtClean="0">
+                <a:ea typeface="굴림" panose="020B0600000101010101" pitchFamily="50" charset="-127"/>
+              </a:rPr>
+              <a:t>if  </a:t>
+            </a:r>
+            <a:r>
+              <a:rPr lang="en-US" altLang="ko-KR" sz="2000" b="1" dirty="0">
+                <a:ea typeface="굴림" panose="020B0600000101010101" pitchFamily="50" charset="-127"/>
+              </a:rPr>
+              <a:t>not, then return to step 3 and continue through the process again.</a:t>
             </a:r>
           </a:p>
           <a:p>
@@ -15078,18 +14995,14 @@
   <p:clrMapOvr>
     <a:masterClrMapping/>
   </p:clrMapOvr>
-  <mc:AlternateContent xmlns:mc="http://schemas.openxmlformats.org/markup-compatibility/2006">
-    <mc:Choice xmlns:p159="http://schemas.microsoft.com/office/powerpoint/2015/09/main" Requires="p159">
-      <p:transition spd="slow">
-        <p159:morph option="byChar"/>
-      </p:transition>
-    </mc:Choice>
-    <mc:Fallback>
-      <p:transition spd="slow">
-        <p:fade/>
-      </p:transition>
-    </mc:Fallback>
-  </mc:AlternateContent>
+  <p:transition spd="med"/>
+  <p:timing>
+    <p:tnLst>
+      <p:par>
+        <p:cTn id="1" dur="indefinite" restart="never" nodeType="tmRoot"/>
+      </p:par>
+    </p:tnLst>
+  </p:timing>
 </p:sld>
 </file>
 
@@ -15126,12 +15039,12 @@
           <a:lstStyle/>
           <a:p>
             <a:r>
-              <a:rPr lang="en-US" altLang="ko-KR" sz="2400">
+              <a:rPr lang="en-US" altLang="ko-KR" sz="2400" smtClean="0">
                 <a:ea typeface="굴림" panose="020B0600000101010101" pitchFamily="50" charset="-127"/>
               </a:rPr>
               <a:t>Problem Solving II</a:t>
             </a:r>
-            <a:endParaRPr lang="ko-KR" altLang="en-US" sz="2400"/>
+            <a:endParaRPr lang="ko-KR" altLang="en-US" sz="2400" smtClean="0"/>
           </a:p>
         </p:txBody>
       </p:sp>
@@ -15161,7 +15074,7 @@
               <a:defRPr/>
             </a:pPr>
             <a:r>
-              <a:rPr lang="en-US" altLang="ko-KR" sz="3200" b="1" dirty="0">
+              <a:rPr lang="en-US" altLang="ko-KR" sz="3200" b="1" dirty="0" smtClean="0">
                 <a:solidFill>
                   <a:srgbClr val="0070C0"/>
                 </a:solidFill>
@@ -15174,26 +15087,37 @@
             <a:pPr>
               <a:defRPr/>
             </a:pPr>
+            <a:r>
+              <a:rPr lang="en-US" altLang="ko-KR" b="1" dirty="0" smtClean="0">
+                <a:ea typeface="굴림" panose="020B0600000101010101" pitchFamily="50" charset="-127"/>
+              </a:rPr>
+              <a:t>Carefully </a:t>
+            </a:r>
+            <a:r>
+              <a:rPr lang="en-US" altLang="ko-KR" b="1" i="1" u="sng" dirty="0">
+                <a:solidFill>
+                  <a:srgbClr val="A50021"/>
+                </a:solidFill>
+                <a:ea typeface="굴림" panose="020B0600000101010101" pitchFamily="50" charset="-127"/>
+              </a:rPr>
+              <a:t>define</a:t>
+            </a:r>
             <a:r>
               <a:rPr lang="en-US" altLang="ko-KR" b="1" dirty="0">
                 <a:ea typeface="굴림" panose="020B0600000101010101" pitchFamily="50" charset="-127"/>
               </a:rPr>
-              <a:t>Carefully </a:t>
-            </a:r>
-            <a:r>
-              <a:rPr lang="en-US" altLang="ko-KR" b="1" i="1" u="sng" dirty="0">
-                <a:solidFill>
-                  <a:srgbClr val="A50021"/>
-                </a:solidFill>
-                <a:ea typeface="굴림" panose="020B0600000101010101" pitchFamily="50" charset="-127"/>
-              </a:rPr>
-              <a:t>define</a:t>
-            </a:r>
+              <a:t> the problem</a:t>
+            </a:r>
+          </a:p>
+          <a:p>
+            <a:pPr lvl="1">
+              <a:defRPr/>
+            </a:pPr>
             <a:r>
               <a:rPr lang="en-US" altLang="ko-KR" b="1" dirty="0">
                 <a:ea typeface="굴림" panose="020B0600000101010101" pitchFamily="50" charset="-127"/>
               </a:rPr>
-              <a:t> the problem</a:t>
+              <a:t>This is the most important step</a:t>
             </a:r>
           </a:p>
           <a:p>
@@ -15204,7 +15128,7 @@
               <a:rPr lang="en-US" altLang="ko-KR" b="1" dirty="0">
                 <a:ea typeface="굴림" panose="020B0600000101010101" pitchFamily="50" charset="-127"/>
               </a:rPr>
-              <a:t>This is the most important step</a:t>
+              <a:t>What needs to be solved?</a:t>
             </a:r>
           </a:p>
           <a:p>
@@ -15215,29 +15139,29 @@
               <a:rPr lang="en-US" altLang="ko-KR" b="1" dirty="0">
                 <a:ea typeface="굴림" panose="020B0600000101010101" pitchFamily="50" charset="-127"/>
               </a:rPr>
-              <a:t>What needs to be solved?</a:t>
-            </a:r>
-          </a:p>
-          <a:p>
-            <a:pPr lvl="1">
+              <a:t>What questions need to be addressed before solving? Find the sources to answer them.</a:t>
+            </a:r>
+          </a:p>
+          <a:p>
+            <a:pPr>
               <a:defRPr/>
             </a:pPr>
             <a:r>
               <a:rPr lang="en-US" altLang="ko-KR" b="1" dirty="0">
                 <a:ea typeface="굴림" panose="020B0600000101010101" pitchFamily="50" charset="-127"/>
               </a:rPr>
-              <a:t>What questions need to be addressed before solving? Find the sources to answer them.</a:t>
-            </a:r>
-          </a:p>
-          <a:p>
-            <a:pPr>
+              <a:t>Present everything you know about the problem</a:t>
+            </a:r>
+          </a:p>
+          <a:p>
+            <a:pPr lvl="1">
               <a:defRPr/>
             </a:pPr>
             <a:r>
               <a:rPr lang="en-US" altLang="ko-KR" b="1" dirty="0">
                 <a:ea typeface="굴림" panose="020B0600000101010101" pitchFamily="50" charset="-127"/>
               </a:rPr>
-              <a:t>Present everything you know about the problem</a:t>
+              <a:t>What do you know?</a:t>
             </a:r>
           </a:p>
           <a:p>
@@ -15248,19 +15172,17 @@
               <a:rPr lang="en-US" altLang="ko-KR" b="1" dirty="0">
                 <a:ea typeface="굴림" panose="020B0600000101010101" pitchFamily="50" charset="-127"/>
               </a:rPr>
-              <a:t>What do you know?</a:t>
-            </a:r>
-          </a:p>
-          <a:p>
-            <a:pPr lvl="1">
-              <a:defRPr/>
-            </a:pPr>
-            <a:r>
-              <a:rPr lang="en-US" altLang="ko-KR" b="1" dirty="0">
+              <a:t>What don’t you</a:t>
+            </a:r>
+            <a:r>
+              <a:rPr lang="en-US" altLang="ko-KR" b="1" dirty="0" smtClean="0">
                 <a:ea typeface="굴림" panose="020B0600000101010101" pitchFamily="50" charset="-127"/>
               </a:rPr>
-              <a:t>What don’t you?</a:t>
-            </a:r>
+              <a:t>?</a:t>
+            </a:r>
+            <a:endParaRPr lang="en-US" altLang="ko-KR" b="1" dirty="0">
+              <a:ea typeface="굴림" panose="020B0600000101010101" pitchFamily="50" charset="-127"/>
+            </a:endParaRPr>
           </a:p>
         </p:txBody>
       </p:sp>
@@ -15269,18 +15191,14 @@
   <p:clrMapOvr>
     <a:masterClrMapping/>
   </p:clrMapOvr>
-  <mc:AlternateContent xmlns:mc="http://schemas.openxmlformats.org/markup-compatibility/2006">
-    <mc:Choice xmlns:p159="http://schemas.microsoft.com/office/powerpoint/2015/09/main" Requires="p159">
-      <p:transition spd="slow">
-        <p159:morph option="byChar"/>
-      </p:transition>
-    </mc:Choice>
-    <mc:Fallback>
-      <p:transition spd="slow">
-        <p:fade/>
-      </p:transition>
-    </mc:Fallback>
-  </mc:AlternateContent>
+  <p:transition spd="med"/>
+  <p:timing>
+    <p:tnLst>
+      <p:par>
+        <p:cTn id="1" dur="indefinite" restart="never" nodeType="tmRoot"/>
+      </p:par>
+    </p:tnLst>
+  </p:timing>
 </p:sld>
 </file>
 
@@ -15317,12 +15235,12 @@
           <a:lstStyle/>
           <a:p>
             <a:r>
-              <a:rPr lang="en-US" altLang="ko-KR" sz="2400">
+              <a:rPr lang="en-US" altLang="ko-KR" sz="2400" smtClean="0">
                 <a:ea typeface="굴림" panose="020B0600000101010101" pitchFamily="50" charset="-127"/>
               </a:rPr>
               <a:t>Problem Solving III</a:t>
             </a:r>
-            <a:endParaRPr lang="ko-KR" altLang="en-US" sz="2400"/>
+            <a:endParaRPr lang="ko-KR" altLang="en-US" sz="2400" smtClean="0"/>
           </a:p>
         </p:txBody>
       </p:sp>
@@ -15352,7 +15270,7 @@
               <a:defRPr/>
             </a:pPr>
             <a:r>
-              <a:rPr lang="en-US" altLang="ko-KR" sz="3200" b="1" dirty="0">
+              <a:rPr lang="en-US" altLang="ko-KR" sz="3200" b="1" dirty="0" smtClean="0">
                 <a:solidFill>
                   <a:srgbClr val="0070C0"/>
                 </a:solidFill>
@@ -15365,11 +15283,17 @@
             <a:pPr>
               <a:defRPr/>
             </a:pPr>
+            <a:r>
+              <a:rPr lang="en-US" altLang="ko-KR" b="1" dirty="0" smtClean="0">
+                <a:ea typeface="굴림" panose="020B0600000101010101" pitchFamily="50" charset="-127"/>
+              </a:rPr>
+              <a:t>Establish </a:t>
+            </a:r>
             <a:r>
               <a:rPr lang="en-US" altLang="ko-KR" b="1" dirty="0">
                 <a:ea typeface="굴림" panose="020B0600000101010101" pitchFamily="50" charset="-127"/>
               </a:rPr>
-              <a:t>Establish a set of alternative solutions and determine the one that promises the greatest likelihood of success.</a:t>
+              <a:t>a set of alternative solutions and determine the one that promises the greatest likelihood of success.</a:t>
             </a:r>
           </a:p>
           <a:p>
@@ -15412,18 +15336,14 @@
   <p:clrMapOvr>
     <a:masterClrMapping/>
   </p:clrMapOvr>
-  <mc:AlternateContent xmlns:mc="http://schemas.openxmlformats.org/markup-compatibility/2006">
-    <mc:Choice xmlns:p159="http://schemas.microsoft.com/office/powerpoint/2015/09/main" Requires="p159">
-      <p:transition spd="slow">
-        <p159:morph option="byChar"/>
-      </p:transition>
-    </mc:Choice>
-    <mc:Fallback>
-      <p:transition spd="slow">
-        <p:fade/>
-      </p:transition>
-    </mc:Fallback>
-  </mc:AlternateContent>
+  <p:transition spd="med"/>
+  <p:timing>
+    <p:tnLst>
+      <p:par>
+        <p:cTn id="1" dur="indefinite" restart="never" nodeType="tmRoot"/>
+      </p:par>
+    </p:tnLst>
+  </p:timing>
 </p:sld>
 </file>
 
@@ -15460,12 +15380,12 @@
           <a:lstStyle/>
           <a:p>
             <a:r>
-              <a:rPr lang="en-US" altLang="ko-KR" sz="2400">
+              <a:rPr lang="en-US" altLang="ko-KR" sz="2400" smtClean="0">
                 <a:ea typeface="굴림" panose="020B0600000101010101" pitchFamily="50" charset="-127"/>
               </a:rPr>
               <a:t>Problem Solving IV</a:t>
             </a:r>
-            <a:endParaRPr lang="ko-KR" altLang="en-US" sz="2400"/>
+            <a:endParaRPr lang="ko-KR" altLang="en-US" sz="2400" smtClean="0"/>
           </a:p>
         </p:txBody>
       </p:sp>
@@ -15495,7 +15415,7 @@
               <a:defRPr/>
             </a:pPr>
             <a:r>
-              <a:rPr lang="en-US" altLang="ko-KR" sz="3200" b="1" dirty="0">
+              <a:rPr lang="en-US" altLang="ko-KR" sz="3200" b="1" dirty="0" smtClean="0">
                 <a:solidFill>
                   <a:srgbClr val="0070C0"/>
                 </a:solidFill>
@@ -15508,11 +15428,17 @@
             <a:pPr>
               <a:defRPr/>
             </a:pPr>
+            <a:r>
+              <a:rPr lang="en-US" altLang="ko-KR" b="1" dirty="0" smtClean="0">
+                <a:ea typeface="굴림" panose="020B0600000101010101" pitchFamily="50" charset="-127"/>
+              </a:rPr>
+              <a:t>Attempt </a:t>
+            </a:r>
             <a:r>
               <a:rPr lang="en-US" altLang="ko-KR" b="1" dirty="0">
                 <a:ea typeface="굴림" panose="020B0600000101010101" pitchFamily="50" charset="-127"/>
               </a:rPr>
-              <a:t>Attempt to solve the problem</a:t>
+              <a:t>to solve the problem</a:t>
             </a:r>
           </a:p>
           <a:p>
@@ -15577,18 +15503,14 @@
   <p:clrMapOvr>
     <a:masterClrMapping/>
   </p:clrMapOvr>
-  <mc:AlternateContent xmlns:mc="http://schemas.openxmlformats.org/markup-compatibility/2006">
-    <mc:Choice xmlns:p159="http://schemas.microsoft.com/office/powerpoint/2015/09/main" Requires="p159">
-      <p:transition spd="slow">
-        <p159:morph option="byChar"/>
-      </p:transition>
-    </mc:Choice>
-    <mc:Fallback>
-      <p:transition spd="slow">
-        <p:fade/>
-      </p:transition>
-    </mc:Fallback>
-  </mc:AlternateContent>
+  <p:transition spd="med"/>
+  <p:timing>
+    <p:tnLst>
+      <p:par>
+        <p:cTn id="1" dur="indefinite" restart="never" nodeType="tmRoot"/>
+      </p:par>
+    </p:tnLst>
+  </p:timing>
 </p:sld>
 </file>
 
@@ -15625,10 +15547,10 @@
           <a:lstStyle/>
           <a:p>
             <a:r>
-              <a:rPr lang="en-US" altLang="ko-KR" sz="2400"/>
+              <a:rPr lang="en-US" altLang="ko-KR" sz="2400" smtClean="0"/>
               <a:t>Homework</a:t>
             </a:r>
-            <a:endParaRPr lang="ko-KR" altLang="en-US" sz="2400"/>
+            <a:endParaRPr lang="ko-KR" altLang="en-US" sz="2400" smtClean="0"/>
           </a:p>
         </p:txBody>
       </p:sp>
@@ -15661,7 +15583,7 @@
               <a:defRPr/>
             </a:pPr>
             <a:r>
-              <a:rPr lang="en-US" altLang="ko-KR" sz="3200" dirty="0">
+              <a:rPr lang="en-US" altLang="ko-KR" sz="3200" dirty="0" smtClean="0">
                 <a:solidFill>
                   <a:srgbClr val="0070C0"/>
                 </a:solidFill>
@@ -15678,7 +15600,7 @@
               <a:defRPr/>
             </a:pPr>
             <a:r>
-              <a:rPr lang="en-US" altLang="ko-KR" sz="2000" b="1" dirty="0"/>
+              <a:rPr lang="en-US" altLang="ko-KR" sz="2000" b="1" dirty="0" smtClean="0"/>
               <a:t>Read Text Chapter 2. </a:t>
             </a:r>
           </a:p>
@@ -15690,7 +15612,7 @@
               <a:defRPr/>
             </a:pPr>
             <a:r>
-              <a:rPr lang="en-US" altLang="ko-KR" sz="2000" b="1" dirty="0"/>
+              <a:rPr lang="en-US" altLang="ko-KR" sz="2000" b="1" dirty="0" smtClean="0"/>
               <a:t>Prepare Presentation</a:t>
             </a:r>
           </a:p>
@@ -15698,7 +15620,7 @@
             <a:pPr>
               <a:defRPr/>
             </a:pPr>
-            <a:endParaRPr lang="ko-KR" altLang="en-US" sz="2000" dirty="0"/>
+            <a:endParaRPr lang="ko-KR" altLang="en-US" sz="2000" dirty="0" smtClean="0"/>
           </a:p>
         </p:txBody>
       </p:sp>
@@ -15707,18 +15629,14 @@
   <p:clrMapOvr>
     <a:masterClrMapping/>
   </p:clrMapOvr>
-  <mc:AlternateContent xmlns:mc="http://schemas.openxmlformats.org/markup-compatibility/2006">
-    <mc:Choice xmlns:p159="http://schemas.microsoft.com/office/powerpoint/2015/09/main" Requires="p159">
-      <p:transition spd="slow">
-        <p159:morph option="byChar"/>
-      </p:transition>
-    </mc:Choice>
-    <mc:Fallback>
-      <p:transition spd="slow">
-        <p:fade/>
-      </p:transition>
-    </mc:Fallback>
-  </mc:AlternateContent>
+  <p:transition spd="med"/>
+  <p:timing>
+    <p:tnLst>
+      <p:par>
+        <p:cTn id="1" dur="indefinite" restart="never" nodeType="tmRoot"/>
+      </p:par>
+    </p:tnLst>
+  </p:timing>
 </p:sld>
 </file>
 
@@ -15756,12 +15674,12 @@
           <a:p>
             <a:pPr eaLnBrk="1" hangingPunct="1"/>
             <a:r>
-              <a:rPr lang="en-US" altLang="ko-KR" sz="2400">
+              <a:rPr lang="en-US" altLang="ko-KR" sz="2400" smtClean="0">
                 <a:ea typeface="굴림" panose="020B0600000101010101" pitchFamily="50" charset="-127"/>
               </a:rPr>
               <a:t>What is Circuit ?</a:t>
             </a:r>
-            <a:endParaRPr lang="ko-KR" altLang="en-US" sz="2400"/>
+            <a:endParaRPr lang="ko-KR" altLang="en-US" sz="2400" smtClean="0"/>
           </a:p>
         </p:txBody>
       </p:sp>
@@ -15791,7 +15709,7 @@
               <a:defRPr/>
             </a:pPr>
             <a:r>
-              <a:rPr lang="en-US" altLang="ko-KR" sz="3200" b="1" dirty="0">
+              <a:rPr lang="en-US" altLang="ko-KR" sz="3200" b="1" dirty="0" smtClean="0">
                 <a:solidFill>
                   <a:srgbClr val="0070C0"/>
                 </a:solidFill>
@@ -15799,13 +15717,19 @@
               </a:rPr>
               <a:t>What is a circuit?</a:t>
             </a:r>
+            <a:endParaRPr lang="en-US" altLang="ko-KR" sz="3200" b="1" dirty="0">
+              <a:solidFill>
+                <a:srgbClr val="0070C0"/>
+              </a:solidFill>
+              <a:ea typeface="굴림" pitchFamily="50" charset="-127"/>
+            </a:endParaRPr>
           </a:p>
           <a:p>
             <a:pPr eaLnBrk="1" hangingPunct="1">
               <a:defRPr/>
             </a:pPr>
             <a:r>
-              <a:rPr lang="en-US" altLang="ko-KR" b="1" dirty="0">
+              <a:rPr lang="en-US" altLang="ko-KR" b="1" dirty="0" smtClean="0">
                 <a:ea typeface="굴림" pitchFamily="50" charset="-127"/>
               </a:rPr>
               <a:t>An electric circuit is an interconnection of electrical elements.</a:t>
@@ -15816,7 +15740,7 @@
               <a:defRPr/>
             </a:pPr>
             <a:r>
-              <a:rPr lang="en-US" altLang="ko-KR" b="1" dirty="0">
+              <a:rPr lang="en-US" altLang="ko-KR" b="1" dirty="0" smtClean="0">
                 <a:ea typeface="굴림" pitchFamily="50" charset="-127"/>
               </a:rPr>
               <a:t>It may consist of only two elements or many more:</a:t>
@@ -15853,18 +15777,14 @@
   <p:clrMapOvr>
     <a:masterClrMapping/>
   </p:clrMapOvr>
-  <mc:AlternateContent xmlns:mc="http://schemas.openxmlformats.org/markup-compatibility/2006">
-    <mc:Choice xmlns:p159="http://schemas.microsoft.com/office/powerpoint/2015/09/main" Requires="p159">
-      <p:transition spd="slow">
-        <p159:morph option="byChar"/>
-      </p:transition>
-    </mc:Choice>
-    <mc:Fallback>
-      <p:transition spd="slow">
-        <p:fade/>
-      </p:transition>
-    </mc:Fallback>
-  </mc:AlternateContent>
+  <p:transition spd="med"/>
+  <p:timing>
+    <p:tnLst>
+      <p:par>
+        <p:cTn id="1" dur="indefinite" restart="never" nodeType="tmRoot"/>
+      </p:par>
+    </p:tnLst>
+  </p:timing>
 </p:sld>
 </file>
 
@@ -15902,12 +15822,12 @@
           <a:p>
             <a:pPr eaLnBrk="1" hangingPunct="1"/>
             <a:r>
-              <a:rPr lang="en-US" altLang="ko-KR" sz="2400">
+              <a:rPr lang="en-US" altLang="ko-KR" sz="2400" smtClean="0">
                 <a:ea typeface="굴림" panose="020B0600000101010101" pitchFamily="50" charset="-127"/>
               </a:rPr>
               <a:t>Units</a:t>
             </a:r>
-            <a:endParaRPr lang="ko-KR" altLang="en-US" sz="1800"/>
+            <a:endParaRPr lang="ko-KR" altLang="en-US" sz="1800" smtClean="0"/>
           </a:p>
         </p:txBody>
       </p:sp>
@@ -15937,7 +15857,7 @@
               <a:defRPr/>
             </a:pPr>
             <a:r>
-              <a:rPr lang="en-US" altLang="ko-KR" sz="3200" b="1" dirty="0">
+              <a:rPr lang="en-US" altLang="ko-KR" sz="3200" b="1" dirty="0" smtClean="0">
                 <a:solidFill>
                   <a:srgbClr val="0070C0"/>
                 </a:solidFill>
@@ -15951,13 +15871,13 @@
               <a:defRPr/>
             </a:pPr>
             <a:r>
-              <a:rPr lang="en-US" altLang="ko-KR" b="1" dirty="0">
+              <a:rPr lang="en-US" altLang="ko-KR" b="1" dirty="0" smtClean="0">
                 <a:ea typeface="Arial Unicode MS" panose="020B0604020202020204" pitchFamily="50" charset="-127"/>
               </a:rPr>
               <a:t>When taking measurements, we must use </a:t>
             </a:r>
             <a:r>
-              <a:rPr lang="en-US" altLang="ko-KR" b="1" dirty="0">
+              <a:rPr lang="en-US" altLang="ko-KR" b="1" dirty="0" smtClean="0">
                 <a:solidFill>
                   <a:srgbClr val="C00000"/>
                 </a:solidFill>
@@ -15966,7 +15886,7 @@
               <a:t>units</a:t>
             </a:r>
             <a:r>
-              <a:rPr lang="en-US" altLang="ko-KR" b="1" dirty="0">
+              <a:rPr lang="en-US" altLang="ko-KR" b="1" dirty="0" smtClean="0">
                 <a:ea typeface="Arial Unicode MS" panose="020B0604020202020204" pitchFamily="50" charset="-127"/>
               </a:rPr>
               <a:t> to quantify values</a:t>
@@ -15977,13 +15897,13 @@
               <a:defRPr/>
             </a:pPr>
             <a:r>
-              <a:rPr lang="en-US" altLang="ko-KR" b="1" dirty="0">
+              <a:rPr lang="en-US" altLang="ko-KR" b="1" dirty="0" smtClean="0">
                 <a:ea typeface="Arial Unicode MS" panose="020B0604020202020204" pitchFamily="50" charset="-127"/>
               </a:rPr>
               <a:t>We use the </a:t>
             </a:r>
             <a:r>
-              <a:rPr lang="en-US" altLang="ko-KR" b="1" dirty="0">
+              <a:rPr lang="en-US" altLang="ko-KR" b="1" dirty="0" smtClean="0">
                 <a:solidFill>
                   <a:srgbClr val="C00000"/>
                 </a:solidFill>
@@ -15992,7 +15912,7 @@
               <a:t>International Systems of Units </a:t>
             </a:r>
             <a:r>
-              <a:rPr lang="en-US" altLang="ko-KR" b="1" dirty="0">
+              <a:rPr lang="en-US" altLang="ko-KR" b="1" dirty="0" smtClean="0">
                 <a:ea typeface="Arial Unicode MS" panose="020B0604020202020204" pitchFamily="50" charset="-127"/>
               </a:rPr>
               <a:t>(SI for short)</a:t>
@@ -16003,7 +15923,7 @@
               <a:defRPr/>
             </a:pPr>
             <a:r>
-              <a:rPr lang="en-US" altLang="ko-KR" b="1" dirty="0">
+              <a:rPr lang="en-US" altLang="ko-KR" b="1" dirty="0" smtClean="0">
                 <a:solidFill>
                   <a:srgbClr val="C00000"/>
                 </a:solidFill>
@@ -16012,7 +15932,7 @@
               <a:t>Prefixes</a:t>
             </a:r>
             <a:r>
-              <a:rPr lang="en-US" altLang="ko-KR" b="1" dirty="0">
+              <a:rPr lang="en-US" altLang="ko-KR" b="1" dirty="0" smtClean="0">
                 <a:ea typeface="Arial Unicode MS" panose="020B0604020202020204" pitchFamily="50" charset="-127"/>
               </a:rPr>
               <a:t> on SI units allow for easy relationships between large and small values</a:t>
@@ -16049,18 +15969,14 @@
   <p:clrMapOvr>
     <a:masterClrMapping/>
   </p:clrMapOvr>
-  <mc:AlternateContent xmlns:mc="http://schemas.openxmlformats.org/markup-compatibility/2006">
-    <mc:Choice xmlns:p159="http://schemas.microsoft.com/office/powerpoint/2015/09/main" Requires="p159">
-      <p:transition spd="slow">
-        <p159:morph option="byChar"/>
-      </p:transition>
-    </mc:Choice>
-    <mc:Fallback>
-      <p:transition spd="slow">
-        <p:fade/>
-      </p:transition>
-    </mc:Fallback>
-  </mc:AlternateContent>
+  <p:transition spd="med"/>
+  <p:timing>
+    <p:tnLst>
+      <p:par>
+        <p:cTn id="1" dur="indefinite" restart="never" nodeType="tmRoot"/>
+      </p:par>
+    </p:tnLst>
+  </p:timing>
 </p:sld>
 </file>
 
@@ -16098,12 +16014,12 @@
           <a:p>
             <a:pPr eaLnBrk="1" hangingPunct="1"/>
             <a:r>
-              <a:rPr lang="en-US" altLang="ko-KR" sz="2400">
+              <a:rPr lang="en-US" altLang="ko-KR" sz="2400" smtClean="0">
                 <a:ea typeface="굴림" panose="020B0600000101010101" pitchFamily="50" charset="-127"/>
               </a:rPr>
               <a:t>SI Units</a:t>
             </a:r>
-            <a:endParaRPr lang="ko-KR" altLang="en-US" sz="2400"/>
+            <a:endParaRPr lang="ko-KR" altLang="en-US" sz="2400" smtClean="0"/>
           </a:p>
         </p:txBody>
       </p:sp>
@@ -16132,7 +16048,7 @@
               <a:buNone/>
             </a:pPr>
             <a:r>
-              <a:rPr lang="en-US" altLang="ko-KR" sz="3200" b="1" dirty="0">
+              <a:rPr lang="en-US" altLang="ko-KR" sz="3200" b="1" dirty="0" smtClean="0">
                 <a:solidFill>
                   <a:srgbClr val="0070C0"/>
                 </a:solidFill>
@@ -16172,18 +16088,14 @@
   <p:clrMapOvr>
     <a:masterClrMapping/>
   </p:clrMapOvr>
-  <mc:AlternateContent xmlns:mc="http://schemas.openxmlformats.org/markup-compatibility/2006">
-    <mc:Choice xmlns:p159="http://schemas.microsoft.com/office/powerpoint/2015/09/main" Requires="p159">
-      <p:transition spd="slow">
-        <p159:morph option="byChar"/>
-      </p:transition>
-    </mc:Choice>
-    <mc:Fallback>
-      <p:transition spd="slow">
-        <p:fade/>
-      </p:transition>
-    </mc:Fallback>
-  </mc:AlternateContent>
+  <p:transition spd="med"/>
+  <p:timing>
+    <p:tnLst>
+      <p:par>
+        <p:cTn id="1" dur="indefinite" restart="never" nodeType="tmRoot"/>
+      </p:par>
+    </p:tnLst>
+  </p:timing>
 </p:sld>
 </file>
 
@@ -16221,12 +16133,12 @@
           <a:p>
             <a:pPr eaLnBrk="1" hangingPunct="1"/>
             <a:r>
-              <a:rPr lang="en-US" altLang="ko-KR" sz="2400">
+              <a:rPr lang="en-US" altLang="ko-KR" sz="2400" smtClean="0">
                 <a:ea typeface="굴림" panose="020B0600000101010101" pitchFamily="50" charset="-127"/>
               </a:rPr>
               <a:t>Charge</a:t>
             </a:r>
-            <a:endParaRPr lang="ko-KR" altLang="en-US" sz="1800" b="0"/>
+            <a:endParaRPr lang="ko-KR" altLang="en-US" sz="1800" b="0" smtClean="0"/>
           </a:p>
         </p:txBody>
       </p:sp>
@@ -16258,7 +16170,7 @@
                   <a:defRPr/>
                 </a:pPr>
                 <a:r>
-                  <a:rPr lang="en-US" altLang="ko-KR" sz="3200" b="1" dirty="0">
+                  <a:rPr lang="en-US" altLang="ko-KR" sz="3200" b="1" dirty="0" smtClean="0">
                     <a:solidFill>
                       <a:srgbClr val="0070C0"/>
                     </a:solidFill>
@@ -16266,7 +16178,7 @@
                   </a:rPr>
                   <a:t>Charge</a:t>
                 </a:r>
-                <a:endParaRPr lang="en-US" altLang="ko-KR" sz="2800" b="1" dirty="0">
+                <a:endParaRPr lang="en-US" altLang="ko-KR" sz="2800" b="1" dirty="0" smtClean="0">
                   <a:solidFill>
                     <a:srgbClr val="0070C0"/>
                   </a:solidFill>
@@ -16278,7 +16190,7 @@
                   <a:defRPr/>
                 </a:pPr>
                 <a:r>
-                  <a:rPr lang="en-US" altLang="en-US" b="1" dirty="0">
+                  <a:rPr lang="en-US" altLang="en-US" b="1" dirty="0" smtClean="0">
                     <a:solidFill>
                       <a:srgbClr val="A50021"/>
                     </a:solidFill>
@@ -16286,7 +16198,7 @@
                   <a:t>Charge, </a:t>
                 </a:r>
                 <a:r>
-                  <a:rPr lang="en-US" altLang="en-US" b="1" i="1" dirty="0">
+                  <a:rPr lang="en-US" altLang="en-US" b="1" i="1" dirty="0" smtClean="0">
                     <a:solidFill>
                       <a:srgbClr val="A50021"/>
                     </a:solidFill>
@@ -16295,7 +16207,7 @@
                   <a:t>q</a:t>
                 </a:r>
                 <a:r>
-                  <a:rPr lang="en-US" altLang="en-US" b="1" i="1" dirty="0">
+                  <a:rPr lang="en-US" altLang="en-US" b="1" i="1" dirty="0" smtClean="0">
                     <a:solidFill>
                       <a:srgbClr val="A50021"/>
                     </a:solidFill>
@@ -16303,7 +16215,7 @@
                   <a:t>,</a:t>
                 </a:r>
                 <a:r>
-                  <a:rPr lang="en-US" altLang="en-US" b="1" dirty="0">
+                  <a:rPr lang="en-US" altLang="en-US" b="1" dirty="0" smtClean="0">
                     <a:solidFill>
                       <a:srgbClr val="A50021"/>
                     </a:solidFill>
@@ -16311,8 +16223,16 @@
                   <a:t> </a:t>
                 </a:r>
                 <a:r>
+                  <a:rPr lang="en-US" altLang="en-US" b="1" dirty="0" smtClean="0"/>
+                  <a:t>is </a:t>
+                </a:r>
+                <a:r>
                   <a:rPr lang="en-US" altLang="en-US" b="1" dirty="0"/>
-                  <a:t>is a basic SI unit, measured in Coulombs (C) </a:t>
+                  <a:t>a basic SI unit, measured in Coulombs (C</a:t>
+                </a:r>
+                <a:r>
+                  <a:rPr lang="en-US" altLang="en-US" b="1" dirty="0" smtClean="0"/>
+                  <a:t>) </a:t>
                 </a:r>
               </a:p>
               <a:p>
@@ -16320,15 +16240,27 @@
                   <a:defRPr/>
                 </a:pPr>
                 <a:r>
+                  <a:rPr lang="en-US" altLang="en-US" b="1" dirty="0" smtClean="0"/>
+                  <a:t>Counts </a:t>
+                </a:r>
+                <a:r>
                   <a:rPr lang="en-US" altLang="en-US" b="1" dirty="0"/>
-                  <a:t>Counts the number of electrons (or positive charges) </a:t>
+                  <a:t>the number of electrons (or positive charges) </a:t>
+                </a:r>
+                <a:r>
+                  <a:rPr lang="en-US" altLang="en-US" b="1" dirty="0" smtClean="0"/>
+                  <a:t/>
                 </a:r>
                 <a:br>
-                  <a:rPr lang="en-US" altLang="en-US" b="1" dirty="0"/>
+                  <a:rPr lang="en-US" altLang="en-US" b="1" dirty="0" smtClean="0"/>
                 </a:br>
                 <a:r>
+                  <a:rPr lang="en-US" altLang="en-US" b="1" dirty="0" smtClean="0"/>
+                  <a:t>present</a:t>
+                </a:r>
+                <a:r>
                   <a:rPr lang="en-US" altLang="en-US" b="1" dirty="0"/>
-                  <a:t>present.</a:t>
+                  <a:t>.</a:t>
                 </a:r>
               </a:p>
               <a:p>
@@ -16530,15 +16462,23 @@
                   </m:oMath>
                 </a14:m>
                 <a:r>
+                  <a:rPr lang="en-US" altLang="en-US" b="1" dirty="0" smtClean="0">
+                    <a:solidFill>
+                      <a:srgbClr val="A50021"/>
+                    </a:solidFill>
+                  </a:rPr>
+                  <a:t> </a:t>
+                </a:r>
+                <a:r>
                   <a:rPr lang="en-US" altLang="en-US" b="1" dirty="0">
                     <a:solidFill>
                       <a:srgbClr val="A50021"/>
                     </a:solidFill>
                   </a:rPr>
-                  <a:t> electrons</a:t>
+                  <a:t>electrons</a:t>
                 </a:r>
                 <a:r>
-                  <a:rPr lang="en-US" altLang="en-US" b="1" dirty="0"/>
+                  <a:rPr lang="en-US" altLang="en-US" b="1" dirty="0" smtClean="0"/>
                   <a:t>.</a:t>
                 </a:r>
               </a:p>
@@ -16602,7 +16542,15 @@
                 </a:r>
                 <a:r>
                   <a:rPr lang="en-US" altLang="en-US" b="1" dirty="0"/>
-                  <a:t>, only transferred.</a:t>
+                  <a:t>, </a:t>
+                </a:r>
+                <a:r>
+                  <a:rPr lang="en-US" altLang="en-US" b="1" dirty="0" smtClean="0"/>
+                  <a:t>only </a:t>
+                </a:r>
+                <a:r>
+                  <a:rPr lang="en-US" altLang="en-US" b="1" dirty="0"/>
+                  <a:t>transferred.</a:t>
                 </a:r>
               </a:p>
               <a:p>
@@ -16617,7 +16565,7 @@
                   <a:buNone/>
                   <a:defRPr/>
                 </a:pPr>
-                <a:endParaRPr lang="en-US" altLang="ko-KR" b="1" dirty="0">
+                <a:endParaRPr lang="en-US" altLang="ko-KR" b="1" dirty="0" smtClean="0">
                   <a:ea typeface="굴림" pitchFamily="50" charset="-127"/>
                 </a:endParaRPr>
               </a:p>
@@ -16667,18 +16615,14 @@
   <p:clrMapOvr>
     <a:masterClrMapping/>
   </p:clrMapOvr>
-  <mc:AlternateContent xmlns:mc="http://schemas.openxmlformats.org/markup-compatibility/2006">
-    <mc:Choice xmlns:p159="http://schemas.microsoft.com/office/powerpoint/2015/09/main" Requires="p159">
-      <p:transition spd="slow">
-        <p159:morph option="byChar"/>
-      </p:transition>
-    </mc:Choice>
-    <mc:Fallback>
-      <p:transition spd="slow">
-        <p:fade/>
-      </p:transition>
-    </mc:Fallback>
-  </mc:AlternateContent>
+  <p:transition spd="med"/>
+  <p:timing>
+    <p:tnLst>
+      <p:par>
+        <p:cTn id="1" dur="indefinite" restart="never" nodeType="tmRoot"/>
+      </p:par>
+    </p:tnLst>
+  </p:timing>
 </p:sld>
 </file>
 
@@ -16715,10 +16659,10 @@
           <a:lstStyle/>
           <a:p>
             <a:r>
-              <a:rPr lang="en-US" altLang="ko-KR" sz="2400"/>
+              <a:rPr lang="en-US" altLang="ko-KR" sz="2400" smtClean="0"/>
               <a:t>Current</a:t>
             </a:r>
-            <a:endParaRPr lang="ko-KR" altLang="en-US" sz="2400"/>
+            <a:endParaRPr lang="ko-KR" altLang="en-US" sz="2400" smtClean="0"/>
           </a:p>
         </p:txBody>
       </p:sp>
@@ -16750,7 +16694,7 @@
                   <a:defRPr/>
                 </a:pPr>
                 <a:r>
-                  <a:rPr lang="en-US" altLang="ko-KR" sz="3200" b="1" dirty="0">
+                  <a:rPr lang="en-US" altLang="ko-KR" sz="3200" b="1" dirty="0" smtClean="0">
                     <a:solidFill>
                       <a:srgbClr val="0070C0"/>
                     </a:solidFill>
@@ -16763,11 +16707,11 @@
                   <a:defRPr/>
                 </a:pPr>
                 <a:r>
-                  <a:rPr lang="en-US" altLang="ko-KR" b="1" dirty="0"/>
+                  <a:rPr lang="en-US" altLang="ko-KR" b="1" dirty="0" smtClean="0"/>
                   <a:t>The </a:t>
                 </a:r>
                 <a:r>
-                  <a:rPr lang="en-US" altLang="ko-KR" b="1" dirty="0">
+                  <a:rPr lang="en-US" altLang="ko-KR" b="1" dirty="0" smtClean="0">
                     <a:solidFill>
                       <a:srgbClr val="A50021"/>
                     </a:solidFill>
@@ -16775,7 +16719,7 @@
                   <a:t>movement of charge </a:t>
                 </a:r>
                 <a:r>
-                  <a:rPr lang="en-US" altLang="ko-KR" b="1" dirty="0"/>
+                  <a:rPr lang="en-US" altLang="ko-KR" b="1" dirty="0" smtClean="0"/>
                   <a:t>is called a current.</a:t>
                 </a:r>
               </a:p>
@@ -16784,7 +16728,7 @@
                   <a:defRPr/>
                 </a:pPr>
                 <a:r>
-                  <a:rPr lang="en-US" altLang="ko-KR" b="1" dirty="0"/>
+                  <a:rPr lang="en-US" altLang="ko-KR" b="1" dirty="0" smtClean="0"/>
                   <a:t>Historically the moving charges were thought to be positive.</a:t>
                 </a:r>
               </a:p>
@@ -16793,11 +16737,11 @@
                   <a:defRPr/>
                 </a:pPr>
                 <a:r>
-                  <a:rPr lang="en-US" altLang="ko-KR" b="1" dirty="0"/>
+                  <a:rPr lang="en-US" altLang="ko-KR" b="1" dirty="0" smtClean="0"/>
                   <a:t>Thus we always note the direction of the equivalent positive charges, even if the </a:t>
                 </a:r>
                 <a:r>
-                  <a:rPr lang="en-US" altLang="ko-KR" b="1" dirty="0">
+                  <a:rPr lang="en-US" altLang="ko-KR" b="1" dirty="0" smtClean="0">
                     <a:solidFill>
                       <a:srgbClr val="A50021"/>
                     </a:solidFill>
@@ -16805,7 +16749,7 @@
                   <a:t>moving charges are negative</a:t>
                 </a:r>
                 <a:r>
-                  <a:rPr lang="en-US" altLang="ko-KR" b="1" dirty="0"/>
+                  <a:rPr lang="en-US" altLang="ko-KR" b="1" dirty="0" smtClean="0"/>
                   <a:t>.</a:t>
                 </a:r>
               </a:p>
@@ -16814,7 +16758,7 @@
                   <a:defRPr/>
                 </a:pPr>
                 <a:r>
-                  <a:rPr lang="en-US" altLang="ko-KR" b="1" dirty="0">
+                  <a:rPr lang="en-US" altLang="ko-KR" b="1" dirty="0" smtClean="0">
                     <a:solidFill>
                       <a:srgbClr val="A50021"/>
                     </a:solidFill>
@@ -16822,7 +16766,7 @@
                   <a:t>Current, </a:t>
                 </a:r>
                 <a:r>
-                  <a:rPr lang="en-US" altLang="ko-KR" b="1" i="1" dirty="0" err="1">
+                  <a:rPr lang="en-US" altLang="ko-KR" b="1" i="1" dirty="0" err="1" smtClean="0">
                     <a:solidFill>
                       <a:srgbClr val="A50021"/>
                     </a:solidFill>
@@ -16831,7 +16775,7 @@
                   <a:t>i</a:t>
                 </a:r>
                 <a:r>
-                  <a:rPr lang="en-US" altLang="ko-KR" b="1" dirty="0">
+                  <a:rPr lang="en-US" altLang="ko-KR" b="1" dirty="0" smtClean="0">
                     <a:solidFill>
                       <a:srgbClr val="A50021"/>
                     </a:solidFill>
@@ -16839,7 +16783,7 @@
                   <a:t>, </a:t>
                 </a:r>
                 <a:r>
-                  <a:rPr lang="en-US" altLang="ko-KR" b="1" dirty="0"/>
+                  <a:rPr lang="en-US" altLang="ko-KR" b="1" dirty="0" smtClean="0"/>
                   <a:t>is measured as charge moved per unit time through an element.</a:t>
                 </a:r>
               </a:p>
@@ -16932,7 +16876,7 @@
                   </m:oMath>
                 </a14:m>
                 <a:r>
-                  <a:rPr lang="en-US" altLang="ko-KR" b="1" dirty="0"/>
+                  <a:rPr lang="en-US" altLang="ko-KR" b="1" dirty="0" smtClean="0"/>
                   <a:t>  or   </a:t>
                 </a:r>
                 <a14:m>
@@ -16976,7 +16920,7 @@
                     </m:f>
                   </m:oMath>
                 </a14:m>
-                <a:endParaRPr lang="en-US" altLang="ko-KR" b="1" dirty="0">
+                <a:endParaRPr lang="en-US" altLang="ko-KR" b="1" dirty="0" smtClean="0">
                   <a:latin typeface="+mn-lt"/>
                 </a:endParaRPr>
               </a:p>
@@ -16985,18 +16929,18 @@
                   <a:defRPr/>
                 </a:pPr>
                 <a:r>
-                  <a:rPr lang="en-US" altLang="ko-KR" b="1" dirty="0"/>
+                  <a:rPr lang="en-US" altLang="ko-KR" b="1" dirty="0" smtClean="0"/>
                   <a:t>Unit is Ampere (A), </a:t>
                 </a:r>
                 <a:br>
-                  <a:rPr lang="en-US" altLang="ko-KR" b="1" dirty="0"/>
+                  <a:rPr lang="en-US" altLang="ko-KR" b="1" dirty="0" smtClean="0"/>
                 </a:br>
                 <a:r>
-                  <a:rPr lang="en-US" altLang="ko-KR" b="1" dirty="0"/>
+                  <a:rPr lang="en-US" altLang="ko-KR" b="1" dirty="0" smtClean="0"/>
                   <a:t>is one </a:t>
                 </a:r>
                 <a:r>
-                  <a:rPr lang="en-US" altLang="ko-KR" b="1" dirty="0">
+                  <a:rPr lang="en-US" altLang="ko-KR" b="1" dirty="0" smtClean="0">
                     <a:solidFill>
                       <a:srgbClr val="A50021"/>
                     </a:solidFill>
@@ -17004,7 +16948,7 @@
                   <a:t>Coulomb/second</a:t>
                 </a:r>
                 <a:r>
-                  <a:rPr lang="en-US" altLang="ko-KR" b="1" dirty="0"/>
+                  <a:rPr lang="en-US" altLang="ko-KR" b="1" dirty="0" smtClean="0"/>
                   <a:t>.</a:t>
                 </a:r>
               </a:p>
@@ -17012,7 +16956,7 @@
                 <a:pPr>
                   <a:defRPr/>
                 </a:pPr>
-                <a:endParaRPr lang="en-US" altLang="ko-KR" dirty="0"/>
+                <a:endParaRPr lang="en-US" altLang="ko-KR" dirty="0" smtClean="0"/>
               </a:p>
             </p:txBody>
           </p:sp>
@@ -17084,18 +17028,14 @@
   <p:clrMapOvr>
     <a:masterClrMapping/>
   </p:clrMapOvr>
-  <mc:AlternateContent xmlns:mc="http://schemas.openxmlformats.org/markup-compatibility/2006">
-    <mc:Choice xmlns:p159="http://schemas.microsoft.com/office/powerpoint/2015/09/main" Requires="p159">
-      <p:transition spd="slow">
-        <p159:morph option="byChar"/>
-      </p:transition>
-    </mc:Choice>
-    <mc:Fallback>
-      <p:transition spd="slow">
-        <p:fade/>
-      </p:transition>
-    </mc:Fallback>
-  </mc:AlternateContent>
+  <p:transition spd="med"/>
+  <p:timing>
+    <p:tnLst>
+      <p:par>
+        <p:cTn id="1" dur="indefinite" restart="never" nodeType="tmRoot"/>
+      </p:par>
+    </p:tnLst>
+  </p:timing>
 </p:sld>
 </file>
 
@@ -17132,12 +17072,12 @@
           <a:lstStyle/>
           <a:p>
             <a:r>
-              <a:rPr lang="en-US" altLang="ko-KR" sz="2400">
+              <a:rPr lang="en-US" altLang="ko-KR" sz="2400" smtClean="0">
                 <a:ea typeface="굴림" panose="020B0600000101010101" pitchFamily="50" charset="-127"/>
               </a:rPr>
               <a:t>DC vs. AC</a:t>
             </a:r>
-            <a:endParaRPr lang="ko-KR" altLang="en-US" sz="2400"/>
+            <a:endParaRPr lang="ko-KR" altLang="en-US" sz="2400" smtClean="0"/>
           </a:p>
         </p:txBody>
       </p:sp>
@@ -17167,7 +17107,7 @@
               <a:defRPr/>
             </a:pPr>
             <a:r>
-              <a:rPr lang="en-US" altLang="ko-KR" sz="3200" b="1" dirty="0">
+              <a:rPr lang="en-US" altLang="ko-KR" sz="3200" b="1" dirty="0" smtClean="0">
                 <a:solidFill>
                   <a:srgbClr val="0070C0"/>
                 </a:solidFill>
@@ -17186,10 +17126,16 @@
               <a:defRPr/>
             </a:pPr>
             <a:r>
+              <a:rPr lang="en-US" altLang="ko-KR" b="1" dirty="0" smtClean="0">
+                <a:ea typeface="굴림" pitchFamily="50" charset="-127"/>
+              </a:rPr>
+              <a:t>A </a:t>
+            </a:r>
+            <a:r>
               <a:rPr lang="en-US" altLang="ko-KR" b="1" dirty="0">
                 <a:ea typeface="굴림" pitchFamily="50" charset="-127"/>
               </a:rPr>
-              <a:t>A current that remains constant with time is called </a:t>
+              <a:t>current that remains constant with time is called </a:t>
             </a:r>
             <a:r>
               <a:rPr lang="en-US" altLang="ko-KR" b="1" dirty="0">
@@ -17261,32 +17207,44 @@
               <a:rPr lang="en-US" altLang="ko-KR" b="1" dirty="0">
                 <a:ea typeface="굴림" pitchFamily="50" charset="-127"/>
               </a:rPr>
-              <a:t>A current that varies sinusoidally with time  is called </a:t>
-            </a:r>
-            <a:r>
-              <a:rPr lang="en-US" altLang="ko-KR" b="1" dirty="0">
-                <a:solidFill>
-                  <a:srgbClr val="A50021"/>
-                </a:solidFill>
+              <a:t>A current that varies </a:t>
+            </a:r>
+            <a:r>
+              <a:rPr lang="en-US" altLang="ko-KR" b="1" dirty="0" smtClean="0">
                 <a:ea typeface="굴림" pitchFamily="50" charset="-127"/>
               </a:rPr>
-              <a:t>Alternating Current </a:t>
+              <a:t>sinusoidally </a:t>
             </a:r>
             <a:r>
               <a:rPr lang="en-US" altLang="ko-KR" b="1" dirty="0">
                 <a:ea typeface="굴림" pitchFamily="50" charset="-127"/>
               </a:rPr>
-              <a:t>(AC).</a:t>
-            </a:r>
-          </a:p>
-          <a:p>
-            <a:pPr eaLnBrk="1" hangingPunct="1">
-              <a:defRPr/>
-            </a:pPr>
+              <a:t>with time  is called </a:t>
+            </a:r>
+            <a:r>
+              <a:rPr lang="en-US" altLang="ko-KR" b="1" dirty="0">
+                <a:solidFill>
+                  <a:srgbClr val="A50021"/>
+                </a:solidFill>
+                <a:ea typeface="굴림" pitchFamily="50" charset="-127"/>
+              </a:rPr>
+              <a:t>Alternating Current </a:t>
+            </a:r>
             <a:r>
               <a:rPr lang="en-US" altLang="ko-KR" b="1" dirty="0">
                 <a:ea typeface="굴림" pitchFamily="50" charset="-127"/>
               </a:rPr>
+              <a:t>(AC).</a:t>
+            </a:r>
+          </a:p>
+          <a:p>
+            <a:pPr eaLnBrk="1" hangingPunct="1">
+              <a:defRPr/>
+            </a:pPr>
+            <a:r>
+              <a:rPr lang="en-US" altLang="ko-KR" b="1" dirty="0">
+                <a:ea typeface="굴림" pitchFamily="50" charset="-127"/>
+              </a:rPr>
               <a:t>Mains power is an example of AC.</a:t>
             </a:r>
           </a:p>
@@ -17294,7 +17252,7 @@
             <a:pPr>
               <a:defRPr/>
             </a:pPr>
-            <a:endParaRPr lang="en-US" altLang="ko-KR" dirty="0"/>
+            <a:endParaRPr lang="en-US" altLang="ko-KR" dirty="0" smtClean="0"/>
           </a:p>
         </p:txBody>
       </p:sp>
@@ -17327,18 +17285,14 @@
   <p:clrMapOvr>
     <a:masterClrMapping/>
   </p:clrMapOvr>
-  <mc:AlternateContent xmlns:mc="http://schemas.openxmlformats.org/markup-compatibility/2006">
-    <mc:Choice xmlns:p159="http://schemas.microsoft.com/office/powerpoint/2015/09/main" Requires="p159">
-      <p:transition spd="slow">
-        <p159:morph option="byChar"/>
-      </p:transition>
-    </mc:Choice>
-    <mc:Fallback>
-      <p:transition spd="slow">
-        <p:fade/>
-      </p:transition>
-    </mc:Fallback>
-  </mc:AlternateContent>
+  <p:transition spd="med"/>
+  <p:timing>
+    <p:tnLst>
+      <p:par>
+        <p:cTn id="1" dur="indefinite" restart="never" nodeType="tmRoot"/>
+      </p:par>
+    </p:tnLst>
+  </p:timing>
 </p:sld>
 </file>
 
@@ -17375,12 +17329,12 @@
           <a:lstStyle/>
           <a:p>
             <a:r>
-              <a:rPr lang="en-US" altLang="ko-KR" sz="2400">
+              <a:rPr lang="en-US" altLang="ko-KR" sz="2400" smtClean="0">
                 <a:ea typeface="굴림" panose="020B0600000101010101" pitchFamily="50" charset="-127"/>
               </a:rPr>
               <a:t>Direction of current</a:t>
             </a:r>
-            <a:endParaRPr lang="ko-KR" altLang="en-US" sz="2400"/>
+            <a:endParaRPr lang="ko-KR" altLang="en-US" sz="2400" smtClean="0"/>
           </a:p>
         </p:txBody>
       </p:sp>
@@ -17410,7 +17364,7 @@
               <a:defRPr/>
             </a:pPr>
             <a:r>
-              <a:rPr lang="en-US" altLang="ko-KR" sz="3200" b="1" dirty="0">
+              <a:rPr lang="en-US" altLang="ko-KR" sz="3200" b="1" dirty="0" smtClean="0">
                 <a:solidFill>
                   <a:srgbClr val="0070C0"/>
                 </a:solidFill>
@@ -17418,7 +17372,7 @@
               </a:rPr>
               <a:t>Direction of current</a:t>
             </a:r>
-            <a:endParaRPr lang="en-US" altLang="ko-KR" sz="2000" b="1" dirty="0">
+            <a:endParaRPr lang="en-US" altLang="ko-KR" sz="2000" b="1" dirty="0" smtClean="0">
               <a:solidFill>
                 <a:srgbClr val="0070C0"/>
               </a:solidFill>
@@ -17434,7 +17388,7 @@
               </a:spcAft>
               <a:defRPr/>
             </a:pPr>
-            <a:endParaRPr lang="en-US" altLang="ko-KR" dirty="0">
+            <a:endParaRPr lang="en-US" altLang="ko-KR" dirty="0" smtClean="0">
               <a:ea typeface="굴림" pitchFamily="50" charset="-127"/>
             </a:endParaRPr>
           </a:p>
@@ -17443,13 +17397,13 @@
               <a:defRPr/>
             </a:pPr>
             <a:r>
-              <a:rPr lang="en-US" altLang="ko-KR" b="1" dirty="0">
+              <a:rPr lang="en-US" altLang="ko-KR" b="1" dirty="0" smtClean="0">
                 <a:ea typeface="굴림" pitchFamily="50" charset="-127"/>
               </a:rPr>
               <a:t>The </a:t>
             </a:r>
             <a:r>
-              <a:rPr lang="en-US" altLang="ko-KR" b="1" dirty="0">
+              <a:rPr lang="en-US" altLang="ko-KR" b="1" dirty="0" smtClean="0">
                 <a:solidFill>
                   <a:srgbClr val="A50021"/>
                 </a:solidFill>
@@ -17458,7 +17412,7 @@
               <a:t>sign of the current indicates the direction </a:t>
             </a:r>
             <a:r>
-              <a:rPr lang="en-US" altLang="ko-KR" b="1" dirty="0">
+              <a:rPr lang="en-US" altLang="ko-KR" b="1" dirty="0" smtClean="0">
                 <a:ea typeface="굴림" pitchFamily="50" charset="-127"/>
               </a:rPr>
               <a:t>in which the charge is moving with reference to the direction of interest we define.</a:t>
@@ -17469,18 +17423,18 @@
               <a:defRPr/>
             </a:pPr>
             <a:r>
-              <a:rPr lang="en-US" altLang="ko-KR" b="1" dirty="0">
+              <a:rPr lang="en-US" altLang="ko-KR" b="1" dirty="0" smtClean="0">
                 <a:ea typeface="굴림" pitchFamily="50" charset="-127"/>
               </a:rPr>
               <a:t>We need not use the direction that the charge moves in as our reference, and often have</a:t>
             </a:r>
             <a:br>
-              <a:rPr lang="en-US" altLang="ko-KR" b="1" dirty="0">
+              <a:rPr lang="en-US" altLang="ko-KR" b="1" dirty="0" smtClean="0">
                 <a:ea typeface="굴림" pitchFamily="50" charset="-127"/>
               </a:rPr>
             </a:br>
             <a:r>
-              <a:rPr lang="en-US" altLang="ko-KR" b="1" dirty="0">
+              <a:rPr lang="en-US" altLang="ko-KR" b="1" dirty="0" smtClean="0">
                 <a:ea typeface="굴림" pitchFamily="50" charset="-127"/>
               </a:rPr>
               <a:t>no choice in the matter.</a:t>
@@ -17491,40 +17445,40 @@
               <a:defRPr/>
             </a:pPr>
             <a:r>
-              <a:rPr lang="en-US" altLang="ko-KR" b="1" dirty="0">
+              <a:rPr lang="en-US" altLang="ko-KR" b="1" dirty="0" smtClean="0">
                 <a:ea typeface="굴림" pitchFamily="50" charset="-127"/>
               </a:rPr>
               <a:t>A positive current through a </a:t>
             </a:r>
             <a:br>
-              <a:rPr lang="en-US" altLang="ko-KR" b="1" dirty="0">
+              <a:rPr lang="en-US" altLang="ko-KR" b="1" dirty="0" smtClean="0">
                 <a:ea typeface="굴림" pitchFamily="50" charset="-127"/>
               </a:rPr>
             </a:br>
             <a:r>
-              <a:rPr lang="en-US" altLang="ko-KR" b="1" dirty="0">
+              <a:rPr lang="en-US" altLang="ko-KR" b="1" dirty="0" smtClean="0">
                 <a:ea typeface="굴림" pitchFamily="50" charset="-127"/>
               </a:rPr>
               <a:t>component is the same as a </a:t>
             </a:r>
             <a:br>
-              <a:rPr lang="en-US" altLang="ko-KR" b="1" dirty="0">
+              <a:rPr lang="en-US" altLang="ko-KR" b="1" dirty="0" smtClean="0">
                 <a:ea typeface="굴림" pitchFamily="50" charset="-127"/>
               </a:rPr>
             </a:br>
             <a:r>
-              <a:rPr lang="en-US" altLang="ko-KR" b="1" dirty="0">
+              <a:rPr lang="en-US" altLang="ko-KR" b="1" dirty="0" smtClean="0">
                 <a:ea typeface="굴림" pitchFamily="50" charset="-127"/>
               </a:rPr>
               <a:t>negative current flowing in </a:t>
             </a:r>
             <a:br>
-              <a:rPr lang="en-US" altLang="ko-KR" b="1" dirty="0">
+              <a:rPr lang="en-US" altLang="ko-KR" b="1" dirty="0" smtClean="0">
                 <a:ea typeface="굴림" pitchFamily="50" charset="-127"/>
               </a:rPr>
             </a:br>
             <a:r>
-              <a:rPr lang="en-US" altLang="ko-KR" b="1" dirty="0">
+              <a:rPr lang="en-US" altLang="ko-KR" b="1" dirty="0" smtClean="0">
                 <a:ea typeface="굴림" pitchFamily="50" charset="-127"/>
               </a:rPr>
               <a:t>the opposite direction.</a:t>
@@ -17534,7 +17488,7 @@
             <a:pPr eaLnBrk="1" hangingPunct="1">
               <a:defRPr/>
             </a:pPr>
-            <a:endParaRPr lang="en-US" altLang="ko-KR" dirty="0">
+            <a:endParaRPr lang="en-US" altLang="ko-KR" dirty="0" smtClean="0">
               <a:ea typeface="굴림" pitchFamily="50" charset="-127"/>
             </a:endParaRPr>
           </a:p>
@@ -17542,7 +17496,7 @@
             <a:pPr eaLnBrk="1" hangingPunct="1">
               <a:defRPr/>
             </a:pPr>
-            <a:endParaRPr lang="en-US" altLang="ko-KR" sz="1600" dirty="0">
+            <a:endParaRPr lang="en-US" altLang="ko-KR" sz="1600" dirty="0" smtClean="0">
               <a:ea typeface="굴림" pitchFamily="50" charset="-127"/>
             </a:endParaRPr>
           </a:p>
@@ -17550,7 +17504,7 @@
             <a:pPr>
               <a:defRPr/>
             </a:pPr>
-            <a:endParaRPr lang="en-US" altLang="ko-KR" dirty="0"/>
+            <a:endParaRPr lang="en-US" altLang="ko-KR" dirty="0" smtClean="0"/>
           </a:p>
         </p:txBody>
       </p:sp>
@@ -17589,18 +17543,14 @@
   <p:clrMapOvr>
     <a:masterClrMapping/>
   </p:clrMapOvr>
-  <mc:AlternateContent xmlns:mc="http://schemas.openxmlformats.org/markup-compatibility/2006">
-    <mc:Choice xmlns:p159="http://schemas.microsoft.com/office/powerpoint/2015/09/main" Requires="p159">
-      <p:transition spd="slow">
-        <p159:morph option="byChar"/>
-      </p:transition>
-    </mc:Choice>
-    <mc:Fallback>
-      <p:transition spd="slow">
-        <p:fade/>
-      </p:transition>
-    </mc:Fallback>
-  </mc:AlternateContent>
+  <p:transition spd="med"/>
+  <p:timing>
+    <p:tnLst>
+      <p:par>
+        <p:cTn id="1" dur="indefinite" restart="never" nodeType="tmRoot"/>
+      </p:par>
+    </p:tnLst>
+  </p:timing>
 </p:sld>
 </file>
 
